--- a/주차수요예측.pptx
+++ b/주차수요예측.pptx
@@ -4,6 +4,9 @@
   <p:sldMasterIdLst>
     <p:sldMasterId id="2147483648" r:id="rId1"/>
   </p:sldMasterIdLst>
+  <p:notesMasterIdLst>
+    <p:notesMasterId r:id="rId23"/>
+  </p:notesMasterIdLst>
   <p:sldIdLst>
     <p:sldId id="256" r:id="rId2"/>
     <p:sldId id="257" r:id="rId3"/>
@@ -15,12 +18,12 @@
     <p:sldId id="264" r:id="rId9"/>
     <p:sldId id="265" r:id="rId10"/>
     <p:sldId id="275" r:id="rId11"/>
-    <p:sldId id="276" r:id="rId12"/>
-    <p:sldId id="267" r:id="rId13"/>
-    <p:sldId id="269" r:id="rId14"/>
-    <p:sldId id="270" r:id="rId15"/>
-    <p:sldId id="271" r:id="rId16"/>
-    <p:sldId id="268" r:id="rId17"/>
+    <p:sldId id="267" r:id="rId12"/>
+    <p:sldId id="269" r:id="rId13"/>
+    <p:sldId id="270" r:id="rId14"/>
+    <p:sldId id="271" r:id="rId15"/>
+    <p:sldId id="268" r:id="rId16"/>
+    <p:sldId id="276" r:id="rId17"/>
     <p:sldId id="274" r:id="rId18"/>
     <p:sldId id="262" r:id="rId19"/>
     <p:sldId id="273" r:id="rId20"/>
@@ -141,6 +144,439 @@
     </p:ext>
   </p:extLst>
 </p:presentation>
+</file>
+
+<file path=ppt/notesMasters/notesMaster1.xml><?xml version="1.0" encoding="utf-8"?>
+<p:notesMaster xmlns:a="http://schemas.openxmlformats.org/drawingml/2006/main" xmlns:r="http://schemas.openxmlformats.org/officeDocument/2006/relationships" xmlns:p="http://schemas.openxmlformats.org/presentationml/2006/main">
+  <p:cSld>
+    <p:bg>
+      <p:bgRef idx="1001">
+        <a:schemeClr val="bg1"/>
+      </p:bgRef>
+    </p:bg>
+    <p:spTree>
+      <p:nvGrpSpPr>
+        <p:cNvPr id="1" name=""/>
+        <p:cNvGrpSpPr/>
+        <p:nvPr/>
+      </p:nvGrpSpPr>
+      <p:grpSpPr>
+        <a:xfrm>
+          <a:off x="0" y="0"/>
+          <a:ext cx="0" cy="0"/>
+          <a:chOff x="0" y="0"/>
+          <a:chExt cx="0" cy="0"/>
+        </a:xfrm>
+      </p:grpSpPr>
+      <p:sp>
+        <p:nvSpPr>
+          <p:cNvPr id="2" name="Header Placeholder 1"/>
+          <p:cNvSpPr>
+            <a:spLocks noGrp="1"/>
+          </p:cNvSpPr>
+          <p:nvPr>
+            <p:ph type="hdr" sz="quarter"/>
+          </p:nvPr>
+        </p:nvSpPr>
+        <p:spPr>
+          <a:xfrm>
+            <a:off x="0" y="0"/>
+            <a:ext cx="2971800" cy="458788"/>
+          </a:xfrm>
+          <a:prstGeom prst="rect">
+            <a:avLst/>
+          </a:prstGeom>
+        </p:spPr>
+        <p:txBody>
+          <a:bodyPr vert="horz" lIns="91440" tIns="45720" rIns="91440" bIns="45720" rtlCol="0"/>
+          <a:lstStyle>
+            <a:lvl1pPr algn="l">
+              <a:defRPr sz="1200"/>
+            </a:lvl1pPr>
+          </a:lstStyle>
+          <a:p>
+            <a:endParaRPr lang="en-US"/>
+          </a:p>
+        </p:txBody>
+      </p:sp>
+      <p:sp>
+        <p:nvSpPr>
+          <p:cNvPr id="3" name="Date Placeholder 2"/>
+          <p:cNvSpPr>
+            <a:spLocks noGrp="1"/>
+          </p:cNvSpPr>
+          <p:nvPr>
+            <p:ph type="dt" idx="1"/>
+          </p:nvPr>
+        </p:nvSpPr>
+        <p:spPr>
+          <a:xfrm>
+            <a:off x="3884613" y="0"/>
+            <a:ext cx="2971800" cy="458788"/>
+          </a:xfrm>
+          <a:prstGeom prst="rect">
+            <a:avLst/>
+          </a:prstGeom>
+        </p:spPr>
+        <p:txBody>
+          <a:bodyPr vert="horz" lIns="91440" tIns="45720" rIns="91440" bIns="45720" rtlCol="0"/>
+          <a:lstStyle>
+            <a:lvl1pPr algn="r">
+              <a:defRPr sz="1200"/>
+            </a:lvl1pPr>
+          </a:lstStyle>
+          <a:p>
+            <a:fld id="{F536897D-C04C-4475-B602-D4F22EA5B3CB}" type="datetimeFigureOut">
+              <a:rPr lang="en-US" smtClean="0"/>
+              <a:t>11/29/2022</a:t>
+            </a:fld>
+            <a:endParaRPr lang="en-US"/>
+          </a:p>
+        </p:txBody>
+      </p:sp>
+      <p:sp>
+        <p:nvSpPr>
+          <p:cNvPr id="4" name="Slide Image Placeholder 3"/>
+          <p:cNvSpPr>
+            <a:spLocks noGrp="1" noRot="1" noChangeAspect="1"/>
+          </p:cNvSpPr>
+          <p:nvPr>
+            <p:ph type="sldImg" idx="2"/>
+          </p:nvPr>
+        </p:nvSpPr>
+        <p:spPr>
+          <a:xfrm>
+            <a:off x="685800" y="1143000"/>
+            <a:ext cx="5486400" cy="3086100"/>
+          </a:xfrm>
+          <a:prstGeom prst="rect">
+            <a:avLst/>
+          </a:prstGeom>
+          <a:noFill/>
+          <a:ln w="12700">
+            <a:solidFill>
+              <a:prstClr val="black"/>
+            </a:solidFill>
+          </a:ln>
+        </p:spPr>
+        <p:txBody>
+          <a:bodyPr vert="horz" lIns="91440" tIns="45720" rIns="91440" bIns="45720" rtlCol="0" anchor="ctr"/>
+          <a:lstStyle/>
+          <a:p>
+            <a:endParaRPr lang="en-US"/>
+          </a:p>
+        </p:txBody>
+      </p:sp>
+      <p:sp>
+        <p:nvSpPr>
+          <p:cNvPr id="5" name="Notes Placeholder 4"/>
+          <p:cNvSpPr>
+            <a:spLocks noGrp="1"/>
+          </p:cNvSpPr>
+          <p:nvPr>
+            <p:ph type="body" sz="quarter" idx="3"/>
+          </p:nvPr>
+        </p:nvSpPr>
+        <p:spPr>
+          <a:xfrm>
+            <a:off x="685800" y="4400550"/>
+            <a:ext cx="5486400" cy="3600450"/>
+          </a:xfrm>
+          <a:prstGeom prst="rect">
+            <a:avLst/>
+          </a:prstGeom>
+        </p:spPr>
+        <p:txBody>
+          <a:bodyPr vert="horz" lIns="91440" tIns="45720" rIns="91440" bIns="45720" rtlCol="0"/>
+          <a:lstStyle/>
+          <a:p>
+            <a:pPr lvl="0"/>
+            <a:r>
+              <a:rPr lang="en-US"/>
+              <a:t>Click to edit Master text styles</a:t>
+            </a:r>
+          </a:p>
+          <a:p>
+            <a:pPr lvl="1"/>
+            <a:r>
+              <a:rPr lang="en-US"/>
+              <a:t>Second level</a:t>
+            </a:r>
+          </a:p>
+          <a:p>
+            <a:pPr lvl="2"/>
+            <a:r>
+              <a:rPr lang="en-US"/>
+              <a:t>Third level</a:t>
+            </a:r>
+          </a:p>
+          <a:p>
+            <a:pPr lvl="3"/>
+            <a:r>
+              <a:rPr lang="en-US"/>
+              <a:t>Fourth level</a:t>
+            </a:r>
+          </a:p>
+          <a:p>
+            <a:pPr lvl="4"/>
+            <a:r>
+              <a:rPr lang="en-US"/>
+              <a:t>Fifth level</a:t>
+            </a:r>
+          </a:p>
+        </p:txBody>
+      </p:sp>
+      <p:sp>
+        <p:nvSpPr>
+          <p:cNvPr id="6" name="Footer Placeholder 5"/>
+          <p:cNvSpPr>
+            <a:spLocks noGrp="1"/>
+          </p:cNvSpPr>
+          <p:nvPr>
+            <p:ph type="ftr" sz="quarter" idx="4"/>
+          </p:nvPr>
+        </p:nvSpPr>
+        <p:spPr>
+          <a:xfrm>
+            <a:off x="0" y="8685213"/>
+            <a:ext cx="2971800" cy="458787"/>
+          </a:xfrm>
+          <a:prstGeom prst="rect">
+            <a:avLst/>
+          </a:prstGeom>
+        </p:spPr>
+        <p:txBody>
+          <a:bodyPr vert="horz" lIns="91440" tIns="45720" rIns="91440" bIns="45720" rtlCol="0" anchor="b"/>
+          <a:lstStyle>
+            <a:lvl1pPr algn="l">
+              <a:defRPr sz="1200"/>
+            </a:lvl1pPr>
+          </a:lstStyle>
+          <a:p>
+            <a:endParaRPr lang="en-US"/>
+          </a:p>
+        </p:txBody>
+      </p:sp>
+      <p:sp>
+        <p:nvSpPr>
+          <p:cNvPr id="7" name="Slide Number Placeholder 6"/>
+          <p:cNvSpPr>
+            <a:spLocks noGrp="1"/>
+          </p:cNvSpPr>
+          <p:nvPr>
+            <p:ph type="sldNum" sz="quarter" idx="5"/>
+          </p:nvPr>
+        </p:nvSpPr>
+        <p:spPr>
+          <a:xfrm>
+            <a:off x="3884613" y="8685213"/>
+            <a:ext cx="2971800" cy="458787"/>
+          </a:xfrm>
+          <a:prstGeom prst="rect">
+            <a:avLst/>
+          </a:prstGeom>
+        </p:spPr>
+        <p:txBody>
+          <a:bodyPr vert="horz" lIns="91440" tIns="45720" rIns="91440" bIns="45720" rtlCol="0" anchor="b"/>
+          <a:lstStyle>
+            <a:lvl1pPr algn="r">
+              <a:defRPr sz="1200"/>
+            </a:lvl1pPr>
+          </a:lstStyle>
+          <a:p>
+            <a:fld id="{877DFA05-61F5-4FE3-B168-057EBEE15DEE}" type="slidenum">
+              <a:rPr lang="en-US" smtClean="0"/>
+              <a:t>‹#›</a:t>
+            </a:fld>
+            <a:endParaRPr lang="en-US"/>
+          </a:p>
+        </p:txBody>
+      </p:sp>
+    </p:spTree>
+    <p:extLst>
+      <p:ext uri="{BB962C8B-B14F-4D97-AF65-F5344CB8AC3E}">
+        <p14:creationId xmlns:p14="http://schemas.microsoft.com/office/powerpoint/2010/main" val="2162502898"/>
+      </p:ext>
+    </p:extLst>
+  </p:cSld>
+  <p:clrMap bg1="lt1" tx1="dk1" bg2="lt2" tx2="dk2" accent1="accent1" accent2="accent2" accent3="accent3" accent4="accent4" accent5="accent5" accent6="accent6" hlink="hlink" folHlink="folHlink"/>
+  <p:notesStyle>
+    <a:lvl1pPr marL="0" algn="l" defTabSz="914400" rtl="0" eaLnBrk="1" latinLnBrk="0" hangingPunct="1">
+      <a:defRPr sz="1200" kern="1200">
+        <a:solidFill>
+          <a:schemeClr val="tx1"/>
+        </a:solidFill>
+        <a:latin typeface="+mn-lt"/>
+        <a:ea typeface="+mn-ea"/>
+        <a:cs typeface="+mn-cs"/>
+      </a:defRPr>
+    </a:lvl1pPr>
+    <a:lvl2pPr marL="457200" algn="l" defTabSz="914400" rtl="0" eaLnBrk="1" latinLnBrk="0" hangingPunct="1">
+      <a:defRPr sz="1200" kern="1200">
+        <a:solidFill>
+          <a:schemeClr val="tx1"/>
+        </a:solidFill>
+        <a:latin typeface="+mn-lt"/>
+        <a:ea typeface="+mn-ea"/>
+        <a:cs typeface="+mn-cs"/>
+      </a:defRPr>
+    </a:lvl2pPr>
+    <a:lvl3pPr marL="914400" algn="l" defTabSz="914400" rtl="0" eaLnBrk="1" latinLnBrk="0" hangingPunct="1">
+      <a:defRPr sz="1200" kern="1200">
+        <a:solidFill>
+          <a:schemeClr val="tx1"/>
+        </a:solidFill>
+        <a:latin typeface="+mn-lt"/>
+        <a:ea typeface="+mn-ea"/>
+        <a:cs typeface="+mn-cs"/>
+      </a:defRPr>
+    </a:lvl3pPr>
+    <a:lvl4pPr marL="1371600" algn="l" defTabSz="914400" rtl="0" eaLnBrk="1" latinLnBrk="0" hangingPunct="1">
+      <a:defRPr sz="1200" kern="1200">
+        <a:solidFill>
+          <a:schemeClr val="tx1"/>
+        </a:solidFill>
+        <a:latin typeface="+mn-lt"/>
+        <a:ea typeface="+mn-ea"/>
+        <a:cs typeface="+mn-cs"/>
+      </a:defRPr>
+    </a:lvl4pPr>
+    <a:lvl5pPr marL="1828800" algn="l" defTabSz="914400" rtl="0" eaLnBrk="1" latinLnBrk="0" hangingPunct="1">
+      <a:defRPr sz="1200" kern="1200">
+        <a:solidFill>
+          <a:schemeClr val="tx1"/>
+        </a:solidFill>
+        <a:latin typeface="+mn-lt"/>
+        <a:ea typeface="+mn-ea"/>
+        <a:cs typeface="+mn-cs"/>
+      </a:defRPr>
+    </a:lvl5pPr>
+    <a:lvl6pPr marL="2286000" algn="l" defTabSz="914400" rtl="0" eaLnBrk="1" latinLnBrk="0" hangingPunct="1">
+      <a:defRPr sz="1200" kern="1200">
+        <a:solidFill>
+          <a:schemeClr val="tx1"/>
+        </a:solidFill>
+        <a:latin typeface="+mn-lt"/>
+        <a:ea typeface="+mn-ea"/>
+        <a:cs typeface="+mn-cs"/>
+      </a:defRPr>
+    </a:lvl6pPr>
+    <a:lvl7pPr marL="2743200" algn="l" defTabSz="914400" rtl="0" eaLnBrk="1" latinLnBrk="0" hangingPunct="1">
+      <a:defRPr sz="1200" kern="1200">
+        <a:solidFill>
+          <a:schemeClr val="tx1"/>
+        </a:solidFill>
+        <a:latin typeface="+mn-lt"/>
+        <a:ea typeface="+mn-ea"/>
+        <a:cs typeface="+mn-cs"/>
+      </a:defRPr>
+    </a:lvl7pPr>
+    <a:lvl8pPr marL="3200400" algn="l" defTabSz="914400" rtl="0" eaLnBrk="1" latinLnBrk="0" hangingPunct="1">
+      <a:defRPr sz="1200" kern="1200">
+        <a:solidFill>
+          <a:schemeClr val="tx1"/>
+        </a:solidFill>
+        <a:latin typeface="+mn-lt"/>
+        <a:ea typeface="+mn-ea"/>
+        <a:cs typeface="+mn-cs"/>
+      </a:defRPr>
+    </a:lvl8pPr>
+    <a:lvl9pPr marL="3657600" algn="l" defTabSz="914400" rtl="0" eaLnBrk="1" latinLnBrk="0" hangingPunct="1">
+      <a:defRPr sz="1200" kern="1200">
+        <a:solidFill>
+          <a:schemeClr val="tx1"/>
+        </a:solidFill>
+        <a:latin typeface="+mn-lt"/>
+        <a:ea typeface="+mn-ea"/>
+        <a:cs typeface="+mn-cs"/>
+      </a:defRPr>
+    </a:lvl9pPr>
+  </p:notesStyle>
+</p:notesMaster>
+</file>
+
+<file path=ppt/notesSlides/notesSlide1.xml><?xml version="1.0" encoding="utf-8"?>
+<p:notes xmlns:a="http://schemas.openxmlformats.org/drawingml/2006/main" xmlns:r="http://schemas.openxmlformats.org/officeDocument/2006/relationships" xmlns:p="http://schemas.openxmlformats.org/presentationml/2006/main">
+  <p:cSld>
+    <p:spTree>
+      <p:nvGrpSpPr>
+        <p:cNvPr id="1" name=""/>
+        <p:cNvGrpSpPr/>
+        <p:nvPr/>
+      </p:nvGrpSpPr>
+      <p:grpSpPr>
+        <a:xfrm>
+          <a:off x="0" y="0"/>
+          <a:ext cx="0" cy="0"/>
+          <a:chOff x="0" y="0"/>
+          <a:chExt cx="0" cy="0"/>
+        </a:xfrm>
+      </p:grpSpPr>
+      <p:sp>
+        <p:nvSpPr>
+          <p:cNvPr id="2" name="Slide Image Placeholder 1"/>
+          <p:cNvSpPr>
+            <a:spLocks noGrp="1" noRot="1" noChangeAspect="1"/>
+          </p:cNvSpPr>
+          <p:nvPr>
+            <p:ph type="sldImg"/>
+          </p:nvPr>
+        </p:nvSpPr>
+        <p:spPr/>
+      </p:sp>
+      <p:sp>
+        <p:nvSpPr>
+          <p:cNvPr id="3" name="Notes Placeholder 2"/>
+          <p:cNvSpPr>
+            <a:spLocks noGrp="1"/>
+          </p:cNvSpPr>
+          <p:nvPr>
+            <p:ph type="body" idx="1"/>
+          </p:nvPr>
+        </p:nvSpPr>
+        <p:spPr/>
+        <p:txBody>
+          <a:bodyPr/>
+          <a:lstStyle/>
+          <a:p>
+            <a:endParaRPr lang="en-US" dirty="0"/>
+          </a:p>
+        </p:txBody>
+      </p:sp>
+      <p:sp>
+        <p:nvSpPr>
+          <p:cNvPr id="4" name="Slide Number Placeholder 3"/>
+          <p:cNvSpPr>
+            <a:spLocks noGrp="1"/>
+          </p:cNvSpPr>
+          <p:nvPr>
+            <p:ph type="sldNum" sz="quarter" idx="5"/>
+          </p:nvPr>
+        </p:nvSpPr>
+        <p:spPr/>
+        <p:txBody>
+          <a:bodyPr/>
+          <a:lstStyle/>
+          <a:p>
+            <a:fld id="{877DFA05-61F5-4FE3-B168-057EBEE15DEE}" type="slidenum">
+              <a:rPr lang="en-US" smtClean="0"/>
+              <a:t>20</a:t>
+            </a:fld>
+            <a:endParaRPr lang="en-US"/>
+          </a:p>
+        </p:txBody>
+      </p:sp>
+    </p:spTree>
+    <p:extLst>
+      <p:ext uri="{BB962C8B-B14F-4D97-AF65-F5344CB8AC3E}">
+        <p14:creationId xmlns:p14="http://schemas.microsoft.com/office/powerpoint/2010/main" val="1817483365"/>
+      </p:ext>
+    </p:extLst>
+  </p:cSld>
+  <p:clrMapOvr>
+    <a:masterClrMapping/>
+  </p:clrMapOvr>
+</p:notes>
 </file>
 
 <file path=ppt/slideLayouts/slideLayout1.xml><?xml version="1.0" encoding="utf-8"?>
@@ -3765,6 +4201,31 @@
           </a:p>
         </p:txBody>
       </p:sp>
+      <p:sp>
+        <p:nvSpPr>
+          <p:cNvPr id="7" name="Subtitle 6">
+            <a:extLst>
+              <a:ext uri="{FF2B5EF4-FFF2-40B4-BE49-F238E27FC236}">
+                <a16:creationId xmlns:a16="http://schemas.microsoft.com/office/drawing/2014/main" id="{CEE83D34-6092-4B43-634E-632F4DCB7C09}"/>
+              </a:ext>
+            </a:extLst>
+          </p:cNvPr>
+          <p:cNvSpPr>
+            <a:spLocks noGrp="1"/>
+          </p:cNvSpPr>
+          <p:nvPr>
+            <p:ph type="subTitle" idx="1"/>
+          </p:nvPr>
+        </p:nvSpPr>
+        <p:spPr/>
+        <p:txBody>
+          <a:bodyPr/>
+          <a:lstStyle/>
+          <a:p>
+            <a:endParaRPr lang="en-US"/>
+          </a:p>
+        </p:txBody>
+      </p:sp>
     </p:spTree>
     <p:extLst>
       <p:ext uri="{BB962C8B-B14F-4D97-AF65-F5344CB8AC3E}">
@@ -4142,8 +4603,8 @@
         </p:nvSpPr>
         <p:spPr>
           <a:xfrm>
-            <a:off x="8060920" y="2310884"/>
-            <a:ext cx="2387600" cy="369332"/>
+            <a:off x="7884367" y="2310884"/>
+            <a:ext cx="2872064" cy="369332"/>
           </a:xfrm>
           <a:prstGeom prst="rect">
             <a:avLst/>
@@ -4162,9 +4623,72 @@
                 <a:latin typeface="나눔스퀘어OTF_ac Bold" panose="020B0600000101010101" pitchFamily="34" charset="-127"/>
                 <a:ea typeface="나눔스퀘어OTF_ac Bold" panose="020B0600000101010101" pitchFamily="34" charset="-127"/>
               </a:rPr>
-              <a:t>&lt; MAE &gt;</a:t>
-            </a:r>
-            <a:endParaRPr lang="ko-KR" altLang="en-US" dirty="0"/>
+              <a:t>&lt; </a:t>
+            </a:r>
+            <a:r>
+              <a:rPr lang="en-US" b="0" i="0" dirty="0">
+                <a:solidFill>
+                  <a:srgbClr val="202124"/>
+                </a:solidFill>
+                <a:effectLst/>
+                <a:latin typeface="나눔스퀘어OTF_ac Bold" panose="020B0600000101010101" pitchFamily="34" charset="-127"/>
+                <a:ea typeface="나눔스퀘어OTF_ac Bold" panose="020B0600000101010101" pitchFamily="34" charset="-127"/>
+              </a:rPr>
+              <a:t>Mean </a:t>
+            </a:r>
+            <a:r>
+              <a:rPr lang="en-US" dirty="0">
+                <a:solidFill>
+                  <a:srgbClr val="202124"/>
+                </a:solidFill>
+                <a:latin typeface="나눔스퀘어OTF_ac Bold" panose="020B0600000101010101" pitchFamily="34" charset="-127"/>
+                <a:ea typeface="나눔스퀘어OTF_ac Bold" panose="020B0600000101010101" pitchFamily="34" charset="-127"/>
+              </a:rPr>
+              <a:t>A</a:t>
+            </a:r>
+            <a:r>
+              <a:rPr lang="en-US" b="0" i="0" dirty="0">
+                <a:solidFill>
+                  <a:srgbClr val="202124"/>
+                </a:solidFill>
+                <a:effectLst/>
+                <a:latin typeface="나눔스퀘어OTF_ac Bold" panose="020B0600000101010101" pitchFamily="34" charset="-127"/>
+                <a:ea typeface="나눔스퀘어OTF_ac Bold" panose="020B0600000101010101" pitchFamily="34" charset="-127"/>
+              </a:rPr>
+              <a:t>bsolute </a:t>
+            </a:r>
+            <a:r>
+              <a:rPr lang="en-US" dirty="0">
+                <a:solidFill>
+                  <a:srgbClr val="202124"/>
+                </a:solidFill>
+                <a:latin typeface="나눔스퀘어OTF_ac Bold" panose="020B0600000101010101" pitchFamily="34" charset="-127"/>
+                <a:ea typeface="나눔스퀘어OTF_ac Bold" panose="020B0600000101010101" pitchFamily="34" charset="-127"/>
+              </a:rPr>
+              <a:t>E</a:t>
+            </a:r>
+            <a:r>
+              <a:rPr lang="en-US" b="0" i="0" dirty="0">
+                <a:solidFill>
+                  <a:srgbClr val="202124"/>
+                </a:solidFill>
+                <a:effectLst/>
+                <a:latin typeface="나눔스퀘어OTF_ac Bold" panose="020B0600000101010101" pitchFamily="34" charset="-127"/>
+                <a:ea typeface="나눔스퀘어OTF_ac Bold" panose="020B0600000101010101" pitchFamily="34" charset="-127"/>
+              </a:rPr>
+              <a:t>rror</a:t>
+            </a:r>
+            <a:r>
+              <a:rPr lang="en-US" altLang="ko-KR" sz="1800" dirty="0">
+                <a:latin typeface="나눔스퀘어OTF_ac Bold" panose="020B0600000101010101" pitchFamily="34" charset="-127"/>
+                <a:ea typeface="나눔스퀘어OTF_ac Bold" panose="020B0600000101010101" pitchFamily="34" charset="-127"/>
+              </a:rPr>
+              <a:t> &gt;</a:t>
+            </a:r>
+            <a:endParaRPr lang="ko-KR" altLang="en-US" dirty="0">
+              <a:latin typeface="나눔스퀘어OTF_ac Bold" panose="020B0600000101010101" pitchFamily="34" charset="-127"/>
+              <a:ea typeface="나눔스퀘어OTF_ac Bold" panose="020B0600000101010101" pitchFamily="34" charset="-127"/>
+            </a:endParaRPr>
           </a:p>
         </p:txBody>
       </p:sp>
@@ -4561,10 +5085,10 @@
       </p:grpSpPr>
       <p:cxnSp>
         <p:nvCxnSpPr>
-          <p:cNvPr id="13" name="직선 연결선 12">
-            <a:extLst>
-              <a:ext uri="{FF2B5EF4-FFF2-40B4-BE49-F238E27FC236}">
-                <a16:creationId xmlns:a16="http://schemas.microsoft.com/office/drawing/2014/main" id="{4D2D5B34-8DEC-ADFC-BA09-508C2DC46B15}"/>
+          <p:cNvPr id="9" name="직선 연결선 8">
+            <a:extLst>
+              <a:ext uri="{FF2B5EF4-FFF2-40B4-BE49-F238E27FC236}">
+                <a16:creationId xmlns:a16="http://schemas.microsoft.com/office/drawing/2014/main" id="{D28C4BEF-746C-FD46-15C6-35CDCE9AB56C}"/>
               </a:ext>
             </a:extLst>
           </p:cNvPr>
@@ -4605,10 +5129,10 @@
       </p:cxnSp>
       <p:sp>
         <p:nvSpPr>
-          <p:cNvPr id="14" name="TextBox 13">
-            <a:extLst>
-              <a:ext uri="{FF2B5EF4-FFF2-40B4-BE49-F238E27FC236}">
-                <a16:creationId xmlns:a16="http://schemas.microsoft.com/office/drawing/2014/main" id="{25725661-C888-6994-A816-2DA19B690930}"/>
+          <p:cNvPr id="10" name="TextBox 9">
+            <a:extLst>
+              <a:ext uri="{FF2B5EF4-FFF2-40B4-BE49-F238E27FC236}">
+                <a16:creationId xmlns:a16="http://schemas.microsoft.com/office/drawing/2014/main" id="{B89028CA-41CB-B90F-B2A2-E507B6A65E18}"/>
               </a:ext>
             </a:extLst>
           </p:cNvPr>
@@ -4637,24 +5161,21 @@
                 <a:latin typeface="나눔스퀘어OTF_ac Bold" panose="020B0600000101010101" pitchFamily="34" charset="-127"/>
                 <a:ea typeface="나눔스퀘어OTF_ac Bold" panose="020B0600000101010101" pitchFamily="34" charset="-127"/>
               </a:rPr>
-              <a:t>Model </a:t>
-            </a:r>
-            <a:r>
-              <a:rPr lang="ko-KR" altLang="en-US" sz="2400" dirty="0">
-                <a:latin typeface="나눔스퀘어OTF_ac Bold" panose="020B0600000101010101" pitchFamily="34" charset="-127"/>
-                <a:ea typeface="나눔스퀘어OTF_ac Bold" panose="020B0600000101010101" pitchFamily="34" charset="-127"/>
-              </a:rPr>
-              <a:t>성능평가</a:t>
-            </a:r>
-          </a:p>
-        </p:txBody>
-      </p:sp>
-      <p:sp>
-        <p:nvSpPr>
-          <p:cNvPr id="15" name="TextBox 14">
-            <a:extLst>
-              <a:ext uri="{FF2B5EF4-FFF2-40B4-BE49-F238E27FC236}">
-                <a16:creationId xmlns:a16="http://schemas.microsoft.com/office/drawing/2014/main" id="{CC2E4A72-69D2-18E9-770F-69E13B8A5168}"/>
+              <a:t>Linear Regression</a:t>
+            </a:r>
+            <a:endParaRPr lang="ko-KR" altLang="en-US" sz="2400" dirty="0">
+              <a:latin typeface="나눔스퀘어OTF_ac Bold" panose="020B0600000101010101" pitchFamily="34" charset="-127"/>
+              <a:ea typeface="나눔스퀘어OTF_ac Bold" panose="020B0600000101010101" pitchFamily="34" charset="-127"/>
+            </a:endParaRPr>
+          </a:p>
+        </p:txBody>
+      </p:sp>
+      <p:sp>
+        <p:nvSpPr>
+          <p:cNvPr id="11" name="TextBox 10">
+            <a:extLst>
+              <a:ext uri="{FF2B5EF4-FFF2-40B4-BE49-F238E27FC236}">
+                <a16:creationId xmlns:a16="http://schemas.microsoft.com/office/drawing/2014/main" id="{1EF0AECF-4978-49FD-2415-5C2D11191C1A}"/>
               </a:ext>
             </a:extLst>
           </p:cNvPr>
@@ -4692,12 +5213,68 @@
           </a:p>
         </p:txBody>
       </p:sp>
+      <p:pic>
+        <p:nvPicPr>
+          <p:cNvPr id="3074" name="Picture 2" descr="Linear Regression in Machine learning - Javatpoint">
+            <a:extLst>
+              <a:ext uri="{FF2B5EF4-FFF2-40B4-BE49-F238E27FC236}">
+                <a16:creationId xmlns:a16="http://schemas.microsoft.com/office/drawing/2014/main" id="{70059152-214E-EA8D-E85D-E987D116FE8E}"/>
+              </a:ext>
+            </a:extLst>
+          </p:cNvPr>
+          <p:cNvPicPr>
+            <a:picLocks noChangeAspect="1" noChangeArrowheads="1"/>
+          </p:cNvPicPr>
+          <p:nvPr/>
+        </p:nvPicPr>
+        <p:blipFill>
+          <a:blip r:embed="rId2">
+            <a:extLst>
+              <a:ext uri="{28A0092B-C50C-407E-A947-70E740481C1C}">
+                <a14:useLocalDpi xmlns:a14="http://schemas.microsoft.com/office/drawing/2010/main" val="0"/>
+              </a:ext>
+            </a:extLst>
+          </a:blip>
+          <a:srcRect/>
+          <a:stretch>
+            <a:fillRect/>
+          </a:stretch>
+        </p:blipFill>
+        <p:spPr bwMode="auto">
+          <a:xfrm>
+            <a:off x="4125686" y="1430393"/>
+            <a:ext cx="3810000" cy="3810000"/>
+          </a:xfrm>
+          <a:prstGeom prst="rect">
+            <a:avLst/>
+          </a:prstGeom>
+          <a:ln>
+            <a:noFill/>
+          </a:ln>
+          <a:effectLst>
+            <a:outerShdw blurRad="292100" dist="139700" dir="2700000" algn="tl" rotWithShape="0">
+              <a:srgbClr val="333333">
+                <a:alpha val="65000"/>
+              </a:srgbClr>
+            </a:outerShdw>
+          </a:effectLst>
+          <a:extLst>
+            <a:ext uri="{909E8E84-426E-40DD-AFC4-6F175D3DCCD1}">
+              <a14:hiddenFill xmlns:a14="http://schemas.microsoft.com/office/drawing/2010/main">
+                <a:solidFill>
+                  <a:srgbClr val="FFFFFF"/>
+                </a:solidFill>
+              </a14:hiddenFill>
+            </a:ext>
+          </a:extLst>
+        </p:spPr>
+      </p:pic>
       <p:cxnSp>
         <p:nvCxnSpPr>
-          <p:cNvPr id="26" name="직선 연결선 25">
-            <a:extLst>
-              <a:ext uri="{FF2B5EF4-FFF2-40B4-BE49-F238E27FC236}">
-                <a16:creationId xmlns:a16="http://schemas.microsoft.com/office/drawing/2014/main" id="{91F51CDE-BB09-0D41-B0C7-3AD3680AFE7D}"/>
+          <p:cNvPr id="30" name="직선 연결선 29">
+            <a:extLst>
+              <a:ext uri="{FF2B5EF4-FFF2-40B4-BE49-F238E27FC236}">
+                <a16:creationId xmlns:a16="http://schemas.microsoft.com/office/drawing/2014/main" id="{52AB7F12-99E2-33B9-A9DB-2E98F31B3C7F}"/>
               </a:ext>
             </a:extLst>
           </p:cNvPr>
@@ -4736,307 +5313,12 @@
           </a:fontRef>
         </p:style>
       </p:cxnSp>
-      <p:pic>
-        <p:nvPicPr>
-          <p:cNvPr id="2" name="그림 1">
-            <a:extLst>
-              <a:ext uri="{FF2B5EF4-FFF2-40B4-BE49-F238E27FC236}">
-                <a16:creationId xmlns:a16="http://schemas.microsoft.com/office/drawing/2014/main" id="{43C323DC-0CCB-2632-2514-5AD1A99CB93B}"/>
-              </a:ext>
-            </a:extLst>
-          </p:cNvPr>
-          <p:cNvPicPr>
-            <a:picLocks noChangeAspect="1"/>
-          </p:cNvPicPr>
-          <p:nvPr/>
-        </p:nvPicPr>
-        <p:blipFill>
-          <a:blip r:embed="rId2">
-            <a:extLst>
-              <a:ext uri="{28A0092B-C50C-407E-A947-70E740481C1C}">
-                <a14:useLocalDpi xmlns:a14="http://schemas.microsoft.com/office/drawing/2010/main" val="0"/>
-              </a:ext>
-            </a:extLst>
-          </a:blip>
-          <a:stretch>
-            <a:fillRect/>
-          </a:stretch>
-        </p:blipFill>
-        <p:spPr>
-          <a:xfrm>
-            <a:off x="3097918" y="1912437"/>
-            <a:ext cx="5349251" cy="3931928"/>
-          </a:xfrm>
-          <a:prstGeom prst="rect">
-            <a:avLst/>
-          </a:prstGeom>
-        </p:spPr>
-      </p:pic>
-      <p:sp>
-        <p:nvSpPr>
-          <p:cNvPr id="3" name="TextBox 2">
-            <a:extLst>
-              <a:ext uri="{FF2B5EF4-FFF2-40B4-BE49-F238E27FC236}">
-                <a16:creationId xmlns:a16="http://schemas.microsoft.com/office/drawing/2014/main" id="{7AB26591-0592-4502-EA39-AFBEA0129043}"/>
-              </a:ext>
-            </a:extLst>
-          </p:cNvPr>
-          <p:cNvSpPr txBox="1"/>
-          <p:nvPr/>
-        </p:nvSpPr>
-        <p:spPr>
-          <a:xfrm>
-            <a:off x="4612211" y="1386181"/>
-            <a:ext cx="2964246" cy="538609"/>
-          </a:xfrm>
-          <a:prstGeom prst="rect">
-            <a:avLst/>
-          </a:prstGeom>
-          <a:noFill/>
-        </p:spPr>
-        <p:txBody>
-          <a:bodyPr wrap="square" rtlCol="0">
-            <a:spAutoFit/>
-          </a:bodyPr>
-          <a:lstStyle/>
-          <a:p>
-            <a:pPr algn="ctr"/>
-            <a:r>
-              <a:rPr lang="ko-KR" altLang="en-US" sz="2000" dirty="0">
-                <a:latin typeface="나눔스퀘어OTF_ac Bold" panose="020B0600000101010101" pitchFamily="34" charset="-127"/>
-                <a:ea typeface="나눔스퀘어OTF_ac Bold" panose="020B0600000101010101" pitchFamily="34" charset="-127"/>
-              </a:rPr>
-              <a:t>평가지표</a:t>
-            </a:r>
-            <a:r>
-              <a:rPr lang="en-US" altLang="ko-KR" sz="2000" dirty="0">
-                <a:latin typeface="나눔스퀘어OTF_ac Bold" panose="020B0600000101010101" pitchFamily="34" charset="-127"/>
-                <a:ea typeface="나눔스퀘어OTF_ac Bold" panose="020B0600000101010101" pitchFamily="34" charset="-127"/>
-              </a:rPr>
-              <a:t>: MAE</a:t>
-            </a:r>
-          </a:p>
-          <a:p>
-            <a:pPr algn="ctr"/>
-            <a:r>
-              <a:rPr lang="en-US" altLang="ko-KR" sz="900" dirty="0">
-                <a:latin typeface="나눔스퀘어OTF_ac Bold" panose="020B0600000101010101" pitchFamily="34" charset="-127"/>
-                <a:ea typeface="나눔스퀘어OTF_ac Bold" panose="020B0600000101010101" pitchFamily="34" charset="-127"/>
-              </a:rPr>
-              <a:t>(</a:t>
-            </a:r>
-            <a:r>
-              <a:rPr lang="ko-KR" altLang="en-US" sz="900" dirty="0">
-                <a:latin typeface="나눔스퀘어OTF_ac Bold" panose="020B0600000101010101" pitchFamily="34" charset="-127"/>
-                <a:ea typeface="나눔스퀘어OTF_ac Bold" panose="020B0600000101010101" pitchFamily="34" charset="-127"/>
-              </a:rPr>
-              <a:t>작을수록 좋음</a:t>
-            </a:r>
-            <a:r>
-              <a:rPr lang="en-US" altLang="ko-KR" sz="900" dirty="0">
-                <a:latin typeface="나눔스퀘어OTF_ac Bold" panose="020B0600000101010101" pitchFamily="34" charset="-127"/>
-                <a:ea typeface="나눔스퀘어OTF_ac Bold" panose="020B0600000101010101" pitchFamily="34" charset="-127"/>
-              </a:rPr>
-              <a:t>)</a:t>
-            </a:r>
-            <a:endParaRPr lang="ko-KR" altLang="en-US" sz="900" dirty="0">
-              <a:latin typeface="나눔스퀘어OTF_ac Bold" panose="020B0600000101010101" pitchFamily="34" charset="-127"/>
-              <a:ea typeface="나눔스퀘어OTF_ac Bold" panose="020B0600000101010101" pitchFamily="34" charset="-127"/>
-            </a:endParaRPr>
-          </a:p>
-        </p:txBody>
-      </p:sp>
-      <p:sp>
-        <p:nvSpPr>
-          <p:cNvPr id="4" name="직사각형 3">
-            <a:extLst>
-              <a:ext uri="{FF2B5EF4-FFF2-40B4-BE49-F238E27FC236}">
-                <a16:creationId xmlns:a16="http://schemas.microsoft.com/office/drawing/2014/main" id="{5AFE1682-C890-0D37-7549-9069B9990F0A}"/>
-              </a:ext>
-            </a:extLst>
-          </p:cNvPr>
-          <p:cNvSpPr/>
-          <p:nvPr/>
-        </p:nvSpPr>
-        <p:spPr>
-          <a:xfrm>
-            <a:off x="5676900" y="4590929"/>
-            <a:ext cx="870857" cy="1253435"/>
-          </a:xfrm>
-          <a:custGeom>
-            <a:avLst/>
-            <a:gdLst>
-              <a:gd name="connsiteX0" fmla="*/ 0 w 870857"/>
-              <a:gd name="connsiteY0" fmla="*/ 0 h 1253435"/>
-              <a:gd name="connsiteX1" fmla="*/ 418011 w 870857"/>
-              <a:gd name="connsiteY1" fmla="*/ 0 h 1253435"/>
-              <a:gd name="connsiteX2" fmla="*/ 870857 w 870857"/>
-              <a:gd name="connsiteY2" fmla="*/ 0 h 1253435"/>
-              <a:gd name="connsiteX3" fmla="*/ 870857 w 870857"/>
-              <a:gd name="connsiteY3" fmla="*/ 442880 h 1253435"/>
-              <a:gd name="connsiteX4" fmla="*/ 870857 w 870857"/>
-              <a:gd name="connsiteY4" fmla="*/ 835623 h 1253435"/>
-              <a:gd name="connsiteX5" fmla="*/ 870857 w 870857"/>
-              <a:gd name="connsiteY5" fmla="*/ 1253435 h 1253435"/>
-              <a:gd name="connsiteX6" fmla="*/ 435429 w 870857"/>
-              <a:gd name="connsiteY6" fmla="*/ 1253435 h 1253435"/>
-              <a:gd name="connsiteX7" fmla="*/ 0 w 870857"/>
-              <a:gd name="connsiteY7" fmla="*/ 1253435 h 1253435"/>
-              <a:gd name="connsiteX8" fmla="*/ 0 w 870857"/>
-              <a:gd name="connsiteY8" fmla="*/ 823089 h 1253435"/>
-              <a:gd name="connsiteX9" fmla="*/ 0 w 870857"/>
-              <a:gd name="connsiteY9" fmla="*/ 442880 h 1253435"/>
-              <a:gd name="connsiteX10" fmla="*/ 0 w 870857"/>
-              <a:gd name="connsiteY10" fmla="*/ 0 h 1253435"/>
-            </a:gdLst>
-            <a:ahLst/>
-            <a:cxnLst>
-              <a:cxn ang="0">
-                <a:pos x="connsiteX0" y="connsiteY0"/>
-              </a:cxn>
-              <a:cxn ang="0">
-                <a:pos x="connsiteX1" y="connsiteY1"/>
-              </a:cxn>
-              <a:cxn ang="0">
-                <a:pos x="connsiteX2" y="connsiteY2"/>
-              </a:cxn>
-              <a:cxn ang="0">
-                <a:pos x="connsiteX3" y="connsiteY3"/>
-              </a:cxn>
-              <a:cxn ang="0">
-                <a:pos x="connsiteX4" y="connsiteY4"/>
-              </a:cxn>
-              <a:cxn ang="0">
-                <a:pos x="connsiteX5" y="connsiteY5"/>
-              </a:cxn>
-              <a:cxn ang="0">
-                <a:pos x="connsiteX6" y="connsiteY6"/>
-              </a:cxn>
-              <a:cxn ang="0">
-                <a:pos x="connsiteX7" y="connsiteY7"/>
-              </a:cxn>
-              <a:cxn ang="0">
-                <a:pos x="connsiteX8" y="connsiteY8"/>
-              </a:cxn>
-              <a:cxn ang="0">
-                <a:pos x="connsiteX9" y="connsiteY9"/>
-              </a:cxn>
-              <a:cxn ang="0">
-                <a:pos x="connsiteX10" y="connsiteY10"/>
-              </a:cxn>
-            </a:cxnLst>
-            <a:rect l="l" t="t" r="r" b="b"/>
-            <a:pathLst>
-              <a:path w="870857" h="1253435" extrusionOk="0">
-                <a:moveTo>
-                  <a:pt x="0" y="0"/>
-                </a:moveTo>
-                <a:cubicBezTo>
-                  <a:pt x="102839" y="-1517"/>
-                  <a:pt x="274487" y="4118"/>
-                  <a:pt x="418011" y="0"/>
-                </a:cubicBezTo>
-                <a:cubicBezTo>
-                  <a:pt x="561535" y="-4118"/>
-                  <a:pt x="756918" y="14326"/>
-                  <a:pt x="870857" y="0"/>
-                </a:cubicBezTo>
-                <a:cubicBezTo>
-                  <a:pt x="892991" y="204689"/>
-                  <a:pt x="862738" y="256735"/>
-                  <a:pt x="870857" y="442880"/>
-                </a:cubicBezTo>
-                <a:cubicBezTo>
-                  <a:pt x="878976" y="629025"/>
-                  <a:pt x="853229" y="655253"/>
-                  <a:pt x="870857" y="835623"/>
-                </a:cubicBezTo>
-                <a:cubicBezTo>
-                  <a:pt x="888485" y="1015993"/>
-                  <a:pt x="840862" y="1099716"/>
-                  <a:pt x="870857" y="1253435"/>
-                </a:cubicBezTo>
-                <a:cubicBezTo>
-                  <a:pt x="708565" y="1273245"/>
-                  <a:pt x="559420" y="1213274"/>
-                  <a:pt x="435429" y="1253435"/>
-                </a:cubicBezTo>
-                <a:cubicBezTo>
-                  <a:pt x="311438" y="1293596"/>
-                  <a:pt x="177798" y="1210775"/>
-                  <a:pt x="0" y="1253435"/>
-                </a:cubicBezTo>
-                <a:cubicBezTo>
-                  <a:pt x="-10531" y="1148090"/>
-                  <a:pt x="19557" y="988050"/>
-                  <a:pt x="0" y="823089"/>
-                </a:cubicBezTo>
-                <a:cubicBezTo>
-                  <a:pt x="-19557" y="658128"/>
-                  <a:pt x="39398" y="536076"/>
-                  <a:pt x="0" y="442880"/>
-                </a:cubicBezTo>
-                <a:cubicBezTo>
-                  <a:pt x="-39398" y="349684"/>
-                  <a:pt x="40857" y="136164"/>
-                  <a:pt x="0" y="0"/>
-                </a:cubicBezTo>
-                <a:close/>
-              </a:path>
-            </a:pathLst>
-          </a:custGeom>
-          <a:noFill/>
-          <a:ln w="9525" cap="flat" cmpd="sng" algn="ctr">
-            <a:solidFill>
-              <a:srgbClr val="FF0000"/>
-            </a:solidFill>
-            <a:prstDash val="solid"/>
-            <a:round/>
-            <a:headEnd type="none" w="med" len="med"/>
-            <a:tailEnd type="none" w="med" len="med"/>
-            <a:extLst>
-              <a:ext uri="{C807C97D-BFC1-408E-A445-0C87EB9F89A2}">
-                <ask:lineSketchStyleProps xmlns:ask="http://schemas.microsoft.com/office/drawing/2018/sketchyshapes" sd="2166486237">
-                  <a:prstGeom prst="rect">
-                    <a:avLst/>
-                  </a:prstGeom>
-                  <ask:type>
-                    <ask:lineSketchScribble/>
-                  </ask:type>
-                </ask:lineSketchStyleProps>
-              </a:ext>
-            </a:extLst>
-          </a:ln>
-        </p:spPr>
-        <p:style>
-          <a:lnRef idx="0">
-            <a:scrgbClr r="0" g="0" b="0"/>
-          </a:lnRef>
-          <a:fillRef idx="0">
-            <a:scrgbClr r="0" g="0" b="0"/>
-          </a:fillRef>
-          <a:effectRef idx="0">
-            <a:scrgbClr r="0" g="0" b="0"/>
-          </a:effectRef>
-          <a:fontRef idx="minor">
-            <a:schemeClr val="accent2"/>
-          </a:fontRef>
-        </p:style>
-        <p:txBody>
-          <a:bodyPr rtlCol="0" anchor="ctr"/>
-          <a:lstStyle/>
-          <a:p>
-            <a:pPr algn="ctr"/>
-            <a:endParaRPr lang="ko-KR" altLang="en-US"/>
-          </a:p>
-        </p:txBody>
-      </p:sp>
-      <p:sp>
-        <p:nvSpPr>
-          <p:cNvPr id="5" name="타원 4">
-            <a:extLst>
-              <a:ext uri="{FF2B5EF4-FFF2-40B4-BE49-F238E27FC236}">
-                <a16:creationId xmlns:a16="http://schemas.microsoft.com/office/drawing/2014/main" id="{D525DA3C-F766-F08B-231D-66DA83AA4FB8}"/>
+      <p:sp>
+        <p:nvSpPr>
+          <p:cNvPr id="4" name="타원 3">
+            <a:extLst>
+              <a:ext uri="{FF2B5EF4-FFF2-40B4-BE49-F238E27FC236}">
+                <a16:creationId xmlns:a16="http://schemas.microsoft.com/office/drawing/2014/main" id="{290CCE8C-56B4-93F8-B88B-262201642EFD}"/>
               </a:ext>
             </a:extLst>
           </p:cNvPr>
@@ -5087,10 +5369,10 @@
       </p:sp>
       <p:sp>
         <p:nvSpPr>
-          <p:cNvPr id="6" name="타원 5">
-            <a:extLst>
-              <a:ext uri="{FF2B5EF4-FFF2-40B4-BE49-F238E27FC236}">
-                <a16:creationId xmlns:a16="http://schemas.microsoft.com/office/drawing/2014/main" id="{8E972525-C5AF-6EA7-12D8-2E2098203C0E}"/>
+          <p:cNvPr id="5" name="타원 4">
+            <a:extLst>
+              <a:ext uri="{FF2B5EF4-FFF2-40B4-BE49-F238E27FC236}">
+                <a16:creationId xmlns:a16="http://schemas.microsoft.com/office/drawing/2014/main" id="{F71599F6-009C-37B7-C9DE-B9A8BDAB1937}"/>
               </a:ext>
             </a:extLst>
           </p:cNvPr>
@@ -5141,10 +5423,10 @@
       </p:sp>
       <p:sp>
         <p:nvSpPr>
-          <p:cNvPr id="7" name="타원 6">
-            <a:extLst>
-              <a:ext uri="{FF2B5EF4-FFF2-40B4-BE49-F238E27FC236}">
-                <a16:creationId xmlns:a16="http://schemas.microsoft.com/office/drawing/2014/main" id="{E5ABF6B0-3C49-5FB7-37DC-211ACE077CD5}"/>
+          <p:cNvPr id="6" name="타원 5">
+            <a:extLst>
+              <a:ext uri="{FF2B5EF4-FFF2-40B4-BE49-F238E27FC236}">
+                <a16:creationId xmlns:a16="http://schemas.microsoft.com/office/drawing/2014/main" id="{3548E1AB-171E-0974-16DB-33FA34E7EF9E}"/>
               </a:ext>
             </a:extLst>
           </p:cNvPr>
@@ -5195,10 +5477,10 @@
       </p:sp>
       <p:sp>
         <p:nvSpPr>
-          <p:cNvPr id="8" name="타원 7">
-            <a:extLst>
-              <a:ext uri="{FF2B5EF4-FFF2-40B4-BE49-F238E27FC236}">
-                <a16:creationId xmlns:a16="http://schemas.microsoft.com/office/drawing/2014/main" id="{84215786-8CEC-1092-0304-82956087F3D2}"/>
+          <p:cNvPr id="7" name="타원 6">
+            <a:extLst>
+              <a:ext uri="{FF2B5EF4-FFF2-40B4-BE49-F238E27FC236}">
+                <a16:creationId xmlns:a16="http://schemas.microsoft.com/office/drawing/2014/main" id="{C30CF287-A2F3-DED7-5603-C385B4419CB1}"/>
               </a:ext>
             </a:extLst>
           </p:cNvPr>
@@ -5244,10 +5526,10 @@
       </p:sp>
       <p:sp>
         <p:nvSpPr>
-          <p:cNvPr id="9" name="타원 8">
-            <a:extLst>
-              <a:ext uri="{FF2B5EF4-FFF2-40B4-BE49-F238E27FC236}">
-                <a16:creationId xmlns:a16="http://schemas.microsoft.com/office/drawing/2014/main" id="{E7643FEE-108E-BBE4-F94D-EB42C7B32169}"/>
+          <p:cNvPr id="8" name="타원 7">
+            <a:extLst>
+              <a:ext uri="{FF2B5EF4-FFF2-40B4-BE49-F238E27FC236}">
+                <a16:creationId xmlns:a16="http://schemas.microsoft.com/office/drawing/2014/main" id="{F8D75B6D-59F2-878D-08FA-2555FDA8731C}"/>
               </a:ext>
             </a:extLst>
           </p:cNvPr>
@@ -5299,7 +5581,7 @@
     </p:spTree>
     <p:extLst>
       <p:ext uri="{BB962C8B-B14F-4D97-AF65-F5344CB8AC3E}">
-        <p14:creationId xmlns:p14="http://schemas.microsoft.com/office/powerpoint/2010/main" val="2182151116"/>
+        <p14:creationId xmlns:p14="http://schemas.microsoft.com/office/powerpoint/2010/main" val="3180201149"/>
       </p:ext>
     </p:extLst>
   </p:cSld>
@@ -5400,11 +5682,11 @@
           <a:p>
             <a:pPr algn="ctr"/>
             <a:r>
-              <a:rPr lang="en-US" altLang="ko-KR" sz="2400" dirty="0">
+              <a:rPr lang="en-US" altLang="ko-KR" sz="2400" dirty="0" err="1">
                 <a:latin typeface="나눔스퀘어OTF_ac Bold" panose="020B0600000101010101" pitchFamily="34" charset="-127"/>
                 <a:ea typeface="나눔스퀘어OTF_ac Bold" panose="020B0600000101010101" pitchFamily="34" charset="-127"/>
               </a:rPr>
-              <a:t>Linear Regression</a:t>
+              <a:t>XGBoost</a:t>
             </a:r>
             <a:endParaRPr lang="ko-KR" altLang="en-US" sz="2400" dirty="0">
               <a:latin typeface="나눔스퀘어OTF_ac Bold" panose="020B0600000101010101" pitchFamily="34" charset="-127"/>
@@ -5458,10 +5740,10 @@
       </p:sp>
       <p:pic>
         <p:nvPicPr>
-          <p:cNvPr id="3074" name="Picture 2" descr="Linear Regression in Machine learning - Javatpoint">
-            <a:extLst>
-              <a:ext uri="{FF2B5EF4-FFF2-40B4-BE49-F238E27FC236}">
-                <a16:creationId xmlns:a16="http://schemas.microsoft.com/office/drawing/2014/main" id="{70059152-214E-EA8D-E85D-E987D116FE8E}"/>
+          <p:cNvPr id="13316" name="Picture 4" descr="XGBoost or Logistic Regression model for Diabetes Prediction | by Eason |  Medium">
+            <a:extLst>
+              <a:ext uri="{FF2B5EF4-FFF2-40B4-BE49-F238E27FC236}">
+                <a16:creationId xmlns:a16="http://schemas.microsoft.com/office/drawing/2014/main" id="{B2B26474-B884-4A62-77A4-9E458180CBDD}"/>
               </a:ext>
             </a:extLst>
           </p:cNvPr>
@@ -5470,7 +5752,7 @@
           </p:cNvPicPr>
           <p:nvPr/>
         </p:nvPicPr>
-        <p:blipFill>
+        <p:blipFill rotWithShape="1">
           <a:blip r:embed="rId2">
             <a:extLst>
               <a:ext uri="{28A0092B-C50C-407E-A947-70E740481C1C}">
@@ -5478,15 +5760,13 @@
               </a:ext>
             </a:extLst>
           </a:blip>
-          <a:srcRect/>
-          <a:stretch>
-            <a:fillRect/>
-          </a:stretch>
+          <a:srcRect r="50000"/>
+          <a:stretch/>
         </p:blipFill>
         <p:spPr bwMode="auto">
           <a:xfrm>
-            <a:off x="1295400" y="1720850"/>
-            <a:ext cx="3810000" cy="3810000"/>
+            <a:off x="3335625" y="1049374"/>
+            <a:ext cx="5390121" cy="4334556"/>
           </a:xfrm>
           <a:prstGeom prst="rect">
             <a:avLst/>
@@ -5512,48 +5792,12 @@
           </a:extLst>
         </p:spPr>
       </p:pic>
-      <p:pic>
-        <p:nvPicPr>
-          <p:cNvPr id="29" name="그림 28">
-            <a:extLst>
-              <a:ext uri="{FF2B5EF4-FFF2-40B4-BE49-F238E27FC236}">
-                <a16:creationId xmlns:a16="http://schemas.microsoft.com/office/drawing/2014/main" id="{A03FEEF7-BCD8-0B8C-D073-CAA40C93B5DF}"/>
-              </a:ext>
-            </a:extLst>
-          </p:cNvPr>
-          <p:cNvPicPr>
-            <a:picLocks noChangeAspect="1"/>
-          </p:cNvPicPr>
-          <p:nvPr/>
-        </p:nvPicPr>
-        <p:blipFill>
-          <a:blip r:embed="rId3">
-            <a:extLst>
-              <a:ext uri="{28A0092B-C50C-407E-A947-70E740481C1C}">
-                <a14:useLocalDpi xmlns:a14="http://schemas.microsoft.com/office/drawing/2010/main" val="0"/>
-              </a:ext>
-            </a:extLst>
-          </a:blip>
-          <a:stretch>
-            <a:fillRect/>
-          </a:stretch>
-        </p:blipFill>
-        <p:spPr>
-          <a:xfrm>
-            <a:off x="6351047" y="1405408"/>
-            <a:ext cx="5105400" cy="1691685"/>
-          </a:xfrm>
-          <a:prstGeom prst="rect">
-            <a:avLst/>
-          </a:prstGeom>
-        </p:spPr>
-      </p:pic>
       <p:cxnSp>
         <p:nvCxnSpPr>
-          <p:cNvPr id="30" name="직선 연결선 29">
-            <a:extLst>
-              <a:ext uri="{FF2B5EF4-FFF2-40B4-BE49-F238E27FC236}">
-                <a16:creationId xmlns:a16="http://schemas.microsoft.com/office/drawing/2014/main" id="{52AB7F12-99E2-33B9-A9DB-2E98F31B3C7F}"/>
+          <p:cNvPr id="3" name="직선 연결선 2">
+            <a:extLst>
+              <a:ext uri="{FF2B5EF4-FFF2-40B4-BE49-F238E27FC236}">
+                <a16:creationId xmlns:a16="http://schemas.microsoft.com/office/drawing/2014/main" id="{9D2E97B2-5219-AF0E-A972-A8424195DFED}"/>
               </a:ext>
             </a:extLst>
           </p:cNvPr>
@@ -5597,7 +5841,7 @@
           <p:cNvPr id="4" name="타원 3">
             <a:extLst>
               <a:ext uri="{FF2B5EF4-FFF2-40B4-BE49-F238E27FC236}">
-                <a16:creationId xmlns:a16="http://schemas.microsoft.com/office/drawing/2014/main" id="{290CCE8C-56B4-93F8-B88B-262201642EFD}"/>
+                <a16:creationId xmlns:a16="http://schemas.microsoft.com/office/drawing/2014/main" id="{229D1769-18D5-9F7C-42C7-3F935956E433}"/>
               </a:ext>
             </a:extLst>
           </p:cNvPr>
@@ -5651,7 +5895,7 @@
           <p:cNvPr id="5" name="타원 4">
             <a:extLst>
               <a:ext uri="{FF2B5EF4-FFF2-40B4-BE49-F238E27FC236}">
-                <a16:creationId xmlns:a16="http://schemas.microsoft.com/office/drawing/2014/main" id="{F71599F6-009C-37B7-C9DE-B9A8BDAB1937}"/>
+                <a16:creationId xmlns:a16="http://schemas.microsoft.com/office/drawing/2014/main" id="{FC4297EA-8082-1C6B-2DBB-D8A22C22516A}"/>
               </a:ext>
             </a:extLst>
           </p:cNvPr>
@@ -5705,7 +5949,7 @@
           <p:cNvPr id="6" name="타원 5">
             <a:extLst>
               <a:ext uri="{FF2B5EF4-FFF2-40B4-BE49-F238E27FC236}">
-                <a16:creationId xmlns:a16="http://schemas.microsoft.com/office/drawing/2014/main" id="{3548E1AB-171E-0974-16DB-33FA34E7EF9E}"/>
+                <a16:creationId xmlns:a16="http://schemas.microsoft.com/office/drawing/2014/main" id="{B9A179CA-EBDF-DF1B-2E29-224D18A9AF70}"/>
               </a:ext>
             </a:extLst>
           </p:cNvPr>
@@ -5759,7 +6003,7 @@
           <p:cNvPr id="7" name="타원 6">
             <a:extLst>
               <a:ext uri="{FF2B5EF4-FFF2-40B4-BE49-F238E27FC236}">
-                <a16:creationId xmlns:a16="http://schemas.microsoft.com/office/drawing/2014/main" id="{C30CF287-A2F3-DED7-5603-C385B4419CB1}"/>
+                <a16:creationId xmlns:a16="http://schemas.microsoft.com/office/drawing/2014/main" id="{ADB9145E-81F6-9352-B0D3-BB3D970847ED}"/>
               </a:ext>
             </a:extLst>
           </p:cNvPr>
@@ -5808,7 +6052,7 @@
           <p:cNvPr id="8" name="타원 7">
             <a:extLst>
               <a:ext uri="{FF2B5EF4-FFF2-40B4-BE49-F238E27FC236}">
-                <a16:creationId xmlns:a16="http://schemas.microsoft.com/office/drawing/2014/main" id="{F8D75B6D-59F2-878D-08FA-2555FDA8731C}"/>
+                <a16:creationId xmlns:a16="http://schemas.microsoft.com/office/drawing/2014/main" id="{5FF75523-D20B-567C-1CD3-9324C6E6BD69}"/>
               </a:ext>
             </a:extLst>
           </p:cNvPr>
@@ -5857,10 +6101,40 @@
           </a:p>
         </p:txBody>
       </p:sp>
+      <p:pic>
+        <p:nvPicPr>
+          <p:cNvPr id="13" name="Picture 12">
+            <a:extLst>
+              <a:ext uri="{FF2B5EF4-FFF2-40B4-BE49-F238E27FC236}">
+                <a16:creationId xmlns:a16="http://schemas.microsoft.com/office/drawing/2014/main" id="{BDA8E730-390B-71B4-9194-057BE45DDCC5}"/>
+              </a:ext>
+            </a:extLst>
+          </p:cNvPr>
+          <p:cNvPicPr>
+            <a:picLocks noChangeAspect="1"/>
+          </p:cNvPicPr>
+          <p:nvPr/>
+        </p:nvPicPr>
+        <p:blipFill>
+          <a:blip r:embed="rId3"/>
+          <a:stretch>
+            <a:fillRect/>
+          </a:stretch>
+        </p:blipFill>
+        <p:spPr>
+          <a:xfrm>
+            <a:off x="3032583" y="5590273"/>
+            <a:ext cx="6058425" cy="731583"/>
+          </a:xfrm>
+          <a:prstGeom prst="rect">
+            <a:avLst/>
+          </a:prstGeom>
+        </p:spPr>
+      </p:pic>
     </p:spTree>
     <p:extLst>
       <p:ext uri="{BB962C8B-B14F-4D97-AF65-F5344CB8AC3E}">
-        <p14:creationId xmlns:p14="http://schemas.microsoft.com/office/powerpoint/2010/main" val="3180201149"/>
+        <p14:creationId xmlns:p14="http://schemas.microsoft.com/office/powerpoint/2010/main" val="3347916113"/>
       </p:ext>
     </p:extLst>
   </p:cSld>
@@ -5965,7 +6239,7 @@
                 <a:latin typeface="나눔스퀘어OTF_ac Bold" panose="020B0600000101010101" pitchFamily="34" charset="-127"/>
                 <a:ea typeface="나눔스퀘어OTF_ac Bold" panose="020B0600000101010101" pitchFamily="34" charset="-127"/>
               </a:rPr>
-              <a:t>XGBoost</a:t>
+              <a:t>LightGBM</a:t>
             </a:r>
             <a:endParaRPr lang="ko-KR" altLang="en-US" sz="2400" dirty="0">
               <a:latin typeface="나눔스퀘어OTF_ac Bold" panose="020B0600000101010101" pitchFamily="34" charset="-127"/>
@@ -6019,10 +6293,10 @@
       </p:sp>
       <p:pic>
         <p:nvPicPr>
-          <p:cNvPr id="13316" name="Picture 4" descr="XGBoost or Logistic Regression model for Diabetes Prediction | by Eason |  Medium">
-            <a:extLst>
-              <a:ext uri="{FF2B5EF4-FFF2-40B4-BE49-F238E27FC236}">
-                <a16:creationId xmlns:a16="http://schemas.microsoft.com/office/drawing/2014/main" id="{B2B26474-B884-4A62-77A4-9E458180CBDD}"/>
+          <p:cNvPr id="14338" name="Picture 2" descr="MachineLearning] 앙상블 소개 / XGBoost 와 LightGBM 비교">
+            <a:extLst>
+              <a:ext uri="{FF2B5EF4-FFF2-40B4-BE49-F238E27FC236}">
+                <a16:creationId xmlns:a16="http://schemas.microsoft.com/office/drawing/2014/main" id="{5D128FA8-9090-1DE0-2251-D622AE7D00E9}"/>
               </a:ext>
             </a:extLst>
           </p:cNvPr>
@@ -6031,7 +6305,7 @@
           </p:cNvPicPr>
           <p:nvPr/>
         </p:nvPicPr>
-        <p:blipFill rotWithShape="1">
+        <p:blipFill>
           <a:blip r:embed="rId2">
             <a:extLst>
               <a:ext uri="{28A0092B-C50C-407E-A947-70E740481C1C}">
@@ -6039,13 +6313,15 @@
               </a:ext>
             </a:extLst>
           </a:blip>
-          <a:srcRect r="50000"/>
-          <a:stretch/>
+          <a:srcRect/>
+          <a:stretch>
+            <a:fillRect/>
+          </a:stretch>
         </p:blipFill>
         <p:spPr bwMode="auto">
           <a:xfrm>
-            <a:off x="450831" y="1545610"/>
-            <a:ext cx="5390121" cy="4334556"/>
+            <a:off x="3177814" y="985919"/>
+            <a:ext cx="5705744" cy="2692398"/>
           </a:xfrm>
           <a:prstGeom prst="rect">
             <a:avLst/>
@@ -6071,48 +6347,12 @@
           </a:extLst>
         </p:spPr>
       </p:pic>
-      <p:pic>
-        <p:nvPicPr>
-          <p:cNvPr id="2" name="그림 1">
-            <a:extLst>
-              <a:ext uri="{FF2B5EF4-FFF2-40B4-BE49-F238E27FC236}">
-                <a16:creationId xmlns:a16="http://schemas.microsoft.com/office/drawing/2014/main" id="{08C82A34-A3B1-13FD-E12F-D6D21C7970FF}"/>
-              </a:ext>
-            </a:extLst>
-          </p:cNvPr>
-          <p:cNvPicPr>
-            <a:picLocks noChangeAspect="1"/>
-          </p:cNvPicPr>
-          <p:nvPr/>
-        </p:nvPicPr>
-        <p:blipFill>
-          <a:blip r:embed="rId3">
-            <a:extLst>
-              <a:ext uri="{28A0092B-C50C-407E-A947-70E740481C1C}">
-                <a14:useLocalDpi xmlns:a14="http://schemas.microsoft.com/office/drawing/2010/main" val="0"/>
-              </a:ext>
-            </a:extLst>
-          </a:blip>
-          <a:stretch>
-            <a:fillRect/>
-          </a:stretch>
-        </p:blipFill>
-        <p:spPr>
-          <a:xfrm>
-            <a:off x="6351047" y="1405408"/>
-            <a:ext cx="5105400" cy="1691685"/>
-          </a:xfrm>
-          <a:prstGeom prst="rect">
-            <a:avLst/>
-          </a:prstGeom>
-        </p:spPr>
-      </p:pic>
       <p:cxnSp>
         <p:nvCxnSpPr>
           <p:cNvPr id="3" name="직선 연결선 2">
             <a:extLst>
               <a:ext uri="{FF2B5EF4-FFF2-40B4-BE49-F238E27FC236}">
-                <a16:creationId xmlns:a16="http://schemas.microsoft.com/office/drawing/2014/main" id="{9D2E97B2-5219-AF0E-A972-A8424195DFED}"/>
+                <a16:creationId xmlns:a16="http://schemas.microsoft.com/office/drawing/2014/main" id="{9B1971AC-5FE7-E8AD-1DAA-C547AA106949}"/>
               </a:ext>
             </a:extLst>
           </p:cNvPr>
@@ -6156,7 +6396,7 @@
           <p:cNvPr id="4" name="타원 3">
             <a:extLst>
               <a:ext uri="{FF2B5EF4-FFF2-40B4-BE49-F238E27FC236}">
-                <a16:creationId xmlns:a16="http://schemas.microsoft.com/office/drawing/2014/main" id="{229D1769-18D5-9F7C-42C7-3F935956E433}"/>
+                <a16:creationId xmlns:a16="http://schemas.microsoft.com/office/drawing/2014/main" id="{0A1D3A39-8446-BA7A-3AFA-914A9E8C6F67}"/>
               </a:ext>
             </a:extLst>
           </p:cNvPr>
@@ -6210,7 +6450,7 @@
           <p:cNvPr id="5" name="타원 4">
             <a:extLst>
               <a:ext uri="{FF2B5EF4-FFF2-40B4-BE49-F238E27FC236}">
-                <a16:creationId xmlns:a16="http://schemas.microsoft.com/office/drawing/2014/main" id="{FC4297EA-8082-1C6B-2DBB-D8A22C22516A}"/>
+                <a16:creationId xmlns:a16="http://schemas.microsoft.com/office/drawing/2014/main" id="{67D5C4CC-DFA2-55E6-8641-00F6A0D3AE29}"/>
               </a:ext>
             </a:extLst>
           </p:cNvPr>
@@ -6264,7 +6504,7 @@
           <p:cNvPr id="6" name="타원 5">
             <a:extLst>
               <a:ext uri="{FF2B5EF4-FFF2-40B4-BE49-F238E27FC236}">
-                <a16:creationId xmlns:a16="http://schemas.microsoft.com/office/drawing/2014/main" id="{B9A179CA-EBDF-DF1B-2E29-224D18A9AF70}"/>
+                <a16:creationId xmlns:a16="http://schemas.microsoft.com/office/drawing/2014/main" id="{578E273B-61A8-6243-B6E8-AB6CB2AE2A29}"/>
               </a:ext>
             </a:extLst>
           </p:cNvPr>
@@ -6318,7 +6558,7 @@
           <p:cNvPr id="7" name="타원 6">
             <a:extLst>
               <a:ext uri="{FF2B5EF4-FFF2-40B4-BE49-F238E27FC236}">
-                <a16:creationId xmlns:a16="http://schemas.microsoft.com/office/drawing/2014/main" id="{ADB9145E-81F6-9352-B0D3-BB3D970847ED}"/>
+                <a16:creationId xmlns:a16="http://schemas.microsoft.com/office/drawing/2014/main" id="{3256A686-024D-FE04-7798-B2199C1FD36D}"/>
               </a:ext>
             </a:extLst>
           </p:cNvPr>
@@ -6367,7 +6607,7 @@
           <p:cNvPr id="8" name="타원 7">
             <a:extLst>
               <a:ext uri="{FF2B5EF4-FFF2-40B4-BE49-F238E27FC236}">
-                <a16:creationId xmlns:a16="http://schemas.microsoft.com/office/drawing/2014/main" id="{5FF75523-D20B-567C-1CD3-9324C6E6BD69}"/>
+                <a16:creationId xmlns:a16="http://schemas.microsoft.com/office/drawing/2014/main" id="{DCB6E118-8390-979C-70B8-07AA5A15AF7D}"/>
               </a:ext>
             </a:extLst>
           </p:cNvPr>
@@ -6416,10 +6656,39 @@
           </a:p>
         </p:txBody>
       </p:sp>
+      <p:pic>
+        <p:nvPicPr>
+          <p:cNvPr id="13" name="Picture 12">
+            <a:extLst>
+              <a:ext uri="{FF2B5EF4-FFF2-40B4-BE49-F238E27FC236}">
+                <a16:creationId xmlns:a16="http://schemas.microsoft.com/office/drawing/2014/main" id="{7FEA1974-310C-D529-EB24-7EF7736AF400}"/>
+              </a:ext>
+            </a:extLst>
+          </p:cNvPr>
+          <p:cNvPicPr>
+            <a:picLocks noChangeAspect="1"/>
+          </p:cNvPicPr>
+          <p:nvPr/>
+        </p:nvPicPr>
+        <p:blipFill rotWithShape="1">
+          <a:blip r:embed="rId3"/>
+          <a:srcRect r="511" b="48095"/>
+          <a:stretch/>
+        </p:blipFill>
+        <p:spPr>
+          <a:xfrm>
+            <a:off x="2460425" y="3777005"/>
+            <a:ext cx="7140521" cy="2693880"/>
+          </a:xfrm>
+          <a:prstGeom prst="rect">
+            <a:avLst/>
+          </a:prstGeom>
+        </p:spPr>
+      </p:pic>
     </p:spTree>
     <p:extLst>
       <p:ext uri="{BB962C8B-B14F-4D97-AF65-F5344CB8AC3E}">
-        <p14:creationId xmlns:p14="http://schemas.microsoft.com/office/powerpoint/2010/main" val="3347916113"/>
+        <p14:creationId xmlns:p14="http://schemas.microsoft.com/office/powerpoint/2010/main" val="1643390064"/>
       </p:ext>
     </p:extLst>
   </p:cSld>
@@ -6524,7 +6793,7 @@
                 <a:latin typeface="나눔스퀘어OTF_ac Bold" panose="020B0600000101010101" pitchFamily="34" charset="-127"/>
                 <a:ea typeface="나눔스퀘어OTF_ac Bold" panose="020B0600000101010101" pitchFamily="34" charset="-127"/>
               </a:rPr>
-              <a:t>LightGBM</a:t>
+              <a:t>CatBoost</a:t>
             </a:r>
             <a:endParaRPr lang="ko-KR" altLang="en-US" sz="2400" dirty="0">
               <a:latin typeface="나눔스퀘어OTF_ac Bold" panose="020B0600000101010101" pitchFamily="34" charset="-127"/>
@@ -6578,10 +6847,10 @@
       </p:sp>
       <p:pic>
         <p:nvPicPr>
-          <p:cNvPr id="14338" name="Picture 2" descr="MachineLearning] 앙상블 소개 / XGBoost 와 LightGBM 비교">
-            <a:extLst>
-              <a:ext uri="{FF2B5EF4-FFF2-40B4-BE49-F238E27FC236}">
-                <a16:creationId xmlns:a16="http://schemas.microsoft.com/office/drawing/2014/main" id="{5D128FA8-9090-1DE0-2251-D622AE7D00E9}"/>
+          <p:cNvPr id="16386" name="Picture 2" descr="CatBoost algorithm: Supervised Machine Learning in Python">
+            <a:extLst>
+              <a:ext uri="{FF2B5EF4-FFF2-40B4-BE49-F238E27FC236}">
+                <a16:creationId xmlns:a16="http://schemas.microsoft.com/office/drawing/2014/main" id="{46C3C72B-6372-E4A5-8A62-8A34CF9FBFFA}"/>
               </a:ext>
             </a:extLst>
           </p:cNvPr>
@@ -6605,8 +6874,8 @@
         </p:blipFill>
         <p:spPr bwMode="auto">
           <a:xfrm>
-            <a:off x="279834" y="2298700"/>
-            <a:ext cx="5705744" cy="2692398"/>
+            <a:off x="435429" y="2236843"/>
+            <a:ext cx="5295609" cy="2966083"/>
           </a:xfrm>
           <a:prstGeom prst="rect">
             <a:avLst/>
@@ -6632,48 +6901,12 @@
           </a:extLst>
         </p:spPr>
       </p:pic>
-      <p:pic>
-        <p:nvPicPr>
-          <p:cNvPr id="2" name="그림 1">
-            <a:extLst>
-              <a:ext uri="{FF2B5EF4-FFF2-40B4-BE49-F238E27FC236}">
-                <a16:creationId xmlns:a16="http://schemas.microsoft.com/office/drawing/2014/main" id="{086DE30C-08C2-D22B-3570-66535C180681}"/>
-              </a:ext>
-            </a:extLst>
-          </p:cNvPr>
-          <p:cNvPicPr>
-            <a:picLocks noChangeAspect="1"/>
-          </p:cNvPicPr>
-          <p:nvPr/>
-        </p:nvPicPr>
-        <p:blipFill>
-          <a:blip r:embed="rId3">
-            <a:extLst>
-              <a:ext uri="{28A0092B-C50C-407E-A947-70E740481C1C}">
-                <a14:useLocalDpi xmlns:a14="http://schemas.microsoft.com/office/drawing/2010/main" val="0"/>
-              </a:ext>
-            </a:extLst>
-          </a:blip>
-          <a:stretch>
-            <a:fillRect/>
-          </a:stretch>
-        </p:blipFill>
-        <p:spPr>
-          <a:xfrm>
-            <a:off x="6351047" y="1927814"/>
-            <a:ext cx="5105400" cy="1691685"/>
-          </a:xfrm>
-          <a:prstGeom prst="rect">
-            <a:avLst/>
-          </a:prstGeom>
-        </p:spPr>
-      </p:pic>
       <p:cxnSp>
         <p:nvCxnSpPr>
           <p:cNvPr id="3" name="직선 연결선 2">
             <a:extLst>
               <a:ext uri="{FF2B5EF4-FFF2-40B4-BE49-F238E27FC236}">
-                <a16:creationId xmlns:a16="http://schemas.microsoft.com/office/drawing/2014/main" id="{9B1971AC-5FE7-E8AD-1DAA-C547AA106949}"/>
+                <a16:creationId xmlns:a16="http://schemas.microsoft.com/office/drawing/2014/main" id="{801000BA-C320-7449-B763-B2D4FB6B0384}"/>
               </a:ext>
             </a:extLst>
           </p:cNvPr>
@@ -6717,7 +6950,7 @@
           <p:cNvPr id="4" name="타원 3">
             <a:extLst>
               <a:ext uri="{FF2B5EF4-FFF2-40B4-BE49-F238E27FC236}">
-                <a16:creationId xmlns:a16="http://schemas.microsoft.com/office/drawing/2014/main" id="{0A1D3A39-8446-BA7A-3AFA-914A9E8C6F67}"/>
+                <a16:creationId xmlns:a16="http://schemas.microsoft.com/office/drawing/2014/main" id="{70717875-58A8-2556-C51B-7291A5C0C87C}"/>
               </a:ext>
             </a:extLst>
           </p:cNvPr>
@@ -6771,7 +7004,7 @@
           <p:cNvPr id="5" name="타원 4">
             <a:extLst>
               <a:ext uri="{FF2B5EF4-FFF2-40B4-BE49-F238E27FC236}">
-                <a16:creationId xmlns:a16="http://schemas.microsoft.com/office/drawing/2014/main" id="{67D5C4CC-DFA2-55E6-8641-00F6A0D3AE29}"/>
+                <a16:creationId xmlns:a16="http://schemas.microsoft.com/office/drawing/2014/main" id="{7A3B98DE-902D-75B2-E136-E9E584AF735B}"/>
               </a:ext>
             </a:extLst>
           </p:cNvPr>
@@ -6825,7 +7058,7 @@
           <p:cNvPr id="6" name="타원 5">
             <a:extLst>
               <a:ext uri="{FF2B5EF4-FFF2-40B4-BE49-F238E27FC236}">
-                <a16:creationId xmlns:a16="http://schemas.microsoft.com/office/drawing/2014/main" id="{578E273B-61A8-6243-B6E8-AB6CB2AE2A29}"/>
+                <a16:creationId xmlns:a16="http://schemas.microsoft.com/office/drawing/2014/main" id="{8B8F28FB-B426-2BFB-37B2-8E4BA7915EE8}"/>
               </a:ext>
             </a:extLst>
           </p:cNvPr>
@@ -6879,7 +7112,7 @@
           <p:cNvPr id="7" name="타원 6">
             <a:extLst>
               <a:ext uri="{FF2B5EF4-FFF2-40B4-BE49-F238E27FC236}">
-                <a16:creationId xmlns:a16="http://schemas.microsoft.com/office/drawing/2014/main" id="{3256A686-024D-FE04-7798-B2199C1FD36D}"/>
+                <a16:creationId xmlns:a16="http://schemas.microsoft.com/office/drawing/2014/main" id="{4BA82D63-2CA2-48F1-04B6-498D4D64F567}"/>
               </a:ext>
             </a:extLst>
           </p:cNvPr>
@@ -6928,7 +7161,7 @@
           <p:cNvPr id="8" name="타원 7">
             <a:extLst>
               <a:ext uri="{FF2B5EF4-FFF2-40B4-BE49-F238E27FC236}">
-                <a16:creationId xmlns:a16="http://schemas.microsoft.com/office/drawing/2014/main" id="{DCB6E118-8390-979C-70B8-07AA5A15AF7D}"/>
+                <a16:creationId xmlns:a16="http://schemas.microsoft.com/office/drawing/2014/main" id="{9BC8DBC1-DB64-FD18-5B96-42EC0E233AA9}"/>
               </a:ext>
             </a:extLst>
           </p:cNvPr>
@@ -6977,10 +7210,40 @@
           </a:p>
         </p:txBody>
       </p:sp>
+      <p:pic>
+        <p:nvPicPr>
+          <p:cNvPr id="17" name="Picture 16">
+            <a:extLst>
+              <a:ext uri="{FF2B5EF4-FFF2-40B4-BE49-F238E27FC236}">
+                <a16:creationId xmlns:a16="http://schemas.microsoft.com/office/drawing/2014/main" id="{B1E2C9B9-48D5-3837-F914-4823A3CFD41D}"/>
+              </a:ext>
+            </a:extLst>
+          </p:cNvPr>
+          <p:cNvPicPr>
+            <a:picLocks noChangeAspect="1"/>
+          </p:cNvPicPr>
+          <p:nvPr/>
+        </p:nvPicPr>
+        <p:blipFill>
+          <a:blip r:embed="rId3"/>
+          <a:stretch>
+            <a:fillRect/>
+          </a:stretch>
+        </p:blipFill>
+        <p:spPr>
+          <a:xfrm>
+            <a:off x="5917170" y="2416751"/>
+            <a:ext cx="6172735" cy="2606266"/>
+          </a:xfrm>
+          <a:prstGeom prst="rect">
+            <a:avLst/>
+          </a:prstGeom>
+        </p:spPr>
+      </p:pic>
     </p:spTree>
     <p:extLst>
       <p:ext uri="{BB962C8B-B14F-4D97-AF65-F5344CB8AC3E}">
-        <p14:creationId xmlns:p14="http://schemas.microsoft.com/office/powerpoint/2010/main" val="1643390064"/>
+        <p14:creationId xmlns:p14="http://schemas.microsoft.com/office/powerpoint/2010/main" val="2410039675"/>
       </p:ext>
     </p:extLst>
   </p:cSld>
@@ -7081,11 +7344,11 @@
           <a:p>
             <a:pPr algn="ctr"/>
             <a:r>
-              <a:rPr lang="en-US" altLang="ko-KR" sz="2400" dirty="0" err="1">
+              <a:rPr lang="en-US" altLang="ko-KR" sz="2400" dirty="0">
                 <a:latin typeface="나눔스퀘어OTF_ac Bold" panose="020B0600000101010101" pitchFamily="34" charset="-127"/>
                 <a:ea typeface="나눔스퀘어OTF_ac Bold" panose="020B0600000101010101" pitchFamily="34" charset="-127"/>
               </a:rPr>
-              <a:t>CatBoost</a:t>
+              <a:t>CNN to Regression</a:t>
             </a:r>
             <a:endParaRPr lang="ko-KR" altLang="en-US" sz="2400" dirty="0">
               <a:latin typeface="나눔스퀘어OTF_ac Bold" panose="020B0600000101010101" pitchFamily="34" charset="-127"/>
@@ -7137,104 +7400,12 @@
           </a:p>
         </p:txBody>
       </p:sp>
-      <p:pic>
-        <p:nvPicPr>
-          <p:cNvPr id="2" name="그림 1">
-            <a:extLst>
-              <a:ext uri="{FF2B5EF4-FFF2-40B4-BE49-F238E27FC236}">
-                <a16:creationId xmlns:a16="http://schemas.microsoft.com/office/drawing/2014/main" id="{F3C3A85F-CE6E-8B35-CE52-9614500AC6C9}"/>
-              </a:ext>
-            </a:extLst>
-          </p:cNvPr>
-          <p:cNvPicPr>
-            <a:picLocks noChangeAspect="1"/>
-          </p:cNvPicPr>
-          <p:nvPr/>
-        </p:nvPicPr>
-        <p:blipFill>
-          <a:blip r:embed="rId2">
-            <a:extLst>
-              <a:ext uri="{28A0092B-C50C-407E-A947-70E740481C1C}">
-                <a14:useLocalDpi xmlns:a14="http://schemas.microsoft.com/office/drawing/2010/main" val="0"/>
-              </a:ext>
-            </a:extLst>
-          </a:blip>
-          <a:stretch>
-            <a:fillRect/>
-          </a:stretch>
-        </p:blipFill>
-        <p:spPr>
-          <a:xfrm>
-            <a:off x="6351047" y="1900708"/>
-            <a:ext cx="5105400" cy="1691685"/>
-          </a:xfrm>
-          <a:prstGeom prst="rect">
-            <a:avLst/>
-          </a:prstGeom>
-        </p:spPr>
-      </p:pic>
-      <p:pic>
-        <p:nvPicPr>
-          <p:cNvPr id="16386" name="Picture 2" descr="CatBoost algorithm: Supervised Machine Learning in Python">
-            <a:extLst>
-              <a:ext uri="{FF2B5EF4-FFF2-40B4-BE49-F238E27FC236}">
-                <a16:creationId xmlns:a16="http://schemas.microsoft.com/office/drawing/2014/main" id="{46C3C72B-6372-E4A5-8A62-8A34CF9FBFFA}"/>
-              </a:ext>
-            </a:extLst>
-          </p:cNvPr>
-          <p:cNvPicPr>
-            <a:picLocks noChangeAspect="1" noChangeArrowheads="1"/>
-          </p:cNvPicPr>
-          <p:nvPr/>
-        </p:nvPicPr>
-        <p:blipFill>
-          <a:blip r:embed="rId3">
-            <a:extLst>
-              <a:ext uri="{28A0092B-C50C-407E-A947-70E740481C1C}">
-                <a14:useLocalDpi xmlns:a14="http://schemas.microsoft.com/office/drawing/2010/main" val="0"/>
-              </a:ext>
-            </a:extLst>
-          </a:blip>
-          <a:srcRect/>
-          <a:stretch>
-            <a:fillRect/>
-          </a:stretch>
-        </p:blipFill>
-        <p:spPr bwMode="auto">
-          <a:xfrm>
-            <a:off x="435429" y="2236843"/>
-            <a:ext cx="5295609" cy="2966083"/>
-          </a:xfrm>
-          <a:prstGeom prst="rect">
-            <a:avLst/>
-          </a:prstGeom>
-          <a:ln>
-            <a:noFill/>
-          </a:ln>
-          <a:effectLst>
-            <a:outerShdw blurRad="292100" dist="139700" dir="2700000" algn="tl" rotWithShape="0">
-              <a:srgbClr val="333333">
-                <a:alpha val="65000"/>
-              </a:srgbClr>
-            </a:outerShdw>
-          </a:effectLst>
-          <a:extLst>
-            <a:ext uri="{909E8E84-426E-40DD-AFC4-6F175D3DCCD1}">
-              <a14:hiddenFill xmlns:a14="http://schemas.microsoft.com/office/drawing/2010/main">
-                <a:solidFill>
-                  <a:srgbClr val="FFFFFF"/>
-                </a:solidFill>
-              </a14:hiddenFill>
-            </a:ext>
-          </a:extLst>
-        </p:spPr>
-      </p:pic>
       <p:cxnSp>
         <p:nvCxnSpPr>
-          <p:cNvPr id="3" name="직선 연결선 2">
-            <a:extLst>
-              <a:ext uri="{FF2B5EF4-FFF2-40B4-BE49-F238E27FC236}">
-                <a16:creationId xmlns:a16="http://schemas.microsoft.com/office/drawing/2014/main" id="{801000BA-C320-7449-B763-B2D4FB6B0384}"/>
+          <p:cNvPr id="5" name="직선 연결선 4">
+            <a:extLst>
+              <a:ext uri="{FF2B5EF4-FFF2-40B4-BE49-F238E27FC236}">
+                <a16:creationId xmlns:a16="http://schemas.microsoft.com/office/drawing/2014/main" id="{0BD63AA6-AF68-AD56-AF8D-4B8B28FF7700}"/>
               </a:ext>
             </a:extLst>
           </p:cNvPr>
@@ -7275,10 +7446,10 @@
       </p:cxnSp>
       <p:sp>
         <p:nvSpPr>
-          <p:cNvPr id="4" name="타원 3">
-            <a:extLst>
-              <a:ext uri="{FF2B5EF4-FFF2-40B4-BE49-F238E27FC236}">
-                <a16:creationId xmlns:a16="http://schemas.microsoft.com/office/drawing/2014/main" id="{70717875-58A8-2556-C51B-7291A5C0C87C}"/>
+          <p:cNvPr id="2" name="직사각형 1">
+            <a:extLst>
+              <a:ext uri="{FF2B5EF4-FFF2-40B4-BE49-F238E27FC236}">
+                <a16:creationId xmlns:a16="http://schemas.microsoft.com/office/drawing/2014/main" id="{71A5987B-0CE4-9DF9-5085-D8501F1067D3}"/>
               </a:ext>
             </a:extLst>
           </p:cNvPr>
@@ -7287,477 +7458,8 @@
         </p:nvSpPr>
         <p:spPr>
           <a:xfrm>
-            <a:off x="5772544" y="6600068"/>
-            <a:ext cx="68408" cy="68408"/>
-          </a:xfrm>
-          <a:prstGeom prst="ellipse">
-            <a:avLst/>
-          </a:prstGeom>
-          <a:solidFill>
-            <a:schemeClr val="bg1"/>
-          </a:solidFill>
-          <a:ln>
-            <a:solidFill>
-              <a:schemeClr val="tx1"/>
-            </a:solidFill>
-          </a:ln>
-        </p:spPr>
-        <p:style>
-          <a:lnRef idx="2">
-            <a:schemeClr val="dk1">
-              <a:shade val="50000"/>
-            </a:schemeClr>
-          </a:lnRef>
-          <a:fillRef idx="1">
-            <a:schemeClr val="dk1"/>
-          </a:fillRef>
-          <a:effectRef idx="0">
-            <a:schemeClr val="dk1"/>
-          </a:effectRef>
-          <a:fontRef idx="minor">
-            <a:schemeClr val="lt1"/>
-          </a:fontRef>
-        </p:style>
-        <p:txBody>
-          <a:bodyPr rtlCol="0" anchor="ctr"/>
-          <a:lstStyle/>
-          <a:p>
-            <a:pPr algn="ctr"/>
-            <a:endParaRPr lang="ko-KR" altLang="en-US"/>
-          </a:p>
-        </p:txBody>
-      </p:sp>
-      <p:sp>
-        <p:nvSpPr>
-          <p:cNvPr id="5" name="타원 4">
-            <a:extLst>
-              <a:ext uri="{FF2B5EF4-FFF2-40B4-BE49-F238E27FC236}">
-                <a16:creationId xmlns:a16="http://schemas.microsoft.com/office/drawing/2014/main" id="{7A3B98DE-902D-75B2-E136-E9E584AF735B}"/>
-              </a:ext>
-            </a:extLst>
-          </p:cNvPr>
-          <p:cNvSpPr/>
-          <p:nvPr/>
-        </p:nvSpPr>
-        <p:spPr>
-          <a:xfrm>
-            <a:off x="5917170" y="6600068"/>
-            <a:ext cx="68408" cy="68408"/>
-          </a:xfrm>
-          <a:prstGeom prst="ellipse">
-            <a:avLst/>
-          </a:prstGeom>
-          <a:solidFill>
-            <a:schemeClr val="bg1"/>
-          </a:solidFill>
-          <a:ln>
-            <a:solidFill>
-              <a:schemeClr val="tx1"/>
-            </a:solidFill>
-          </a:ln>
-        </p:spPr>
-        <p:style>
-          <a:lnRef idx="2">
-            <a:schemeClr val="dk1">
-              <a:shade val="50000"/>
-            </a:schemeClr>
-          </a:lnRef>
-          <a:fillRef idx="1">
-            <a:schemeClr val="dk1"/>
-          </a:fillRef>
-          <a:effectRef idx="0">
-            <a:schemeClr val="dk1"/>
-          </a:effectRef>
-          <a:fontRef idx="minor">
-            <a:schemeClr val="lt1"/>
-          </a:fontRef>
-        </p:style>
-        <p:txBody>
-          <a:bodyPr rtlCol="0" anchor="ctr"/>
-          <a:lstStyle/>
-          <a:p>
-            <a:pPr algn="ctr"/>
-            <a:endParaRPr lang="ko-KR" altLang="en-US"/>
-          </a:p>
-        </p:txBody>
-      </p:sp>
-      <p:sp>
-        <p:nvSpPr>
-          <p:cNvPr id="6" name="타원 5">
-            <a:extLst>
-              <a:ext uri="{FF2B5EF4-FFF2-40B4-BE49-F238E27FC236}">
-                <a16:creationId xmlns:a16="http://schemas.microsoft.com/office/drawing/2014/main" id="{8B8F28FB-B426-2BFB-37B2-8E4BA7915EE8}"/>
-              </a:ext>
-            </a:extLst>
-          </p:cNvPr>
-          <p:cNvSpPr/>
-          <p:nvPr/>
-        </p:nvSpPr>
-        <p:spPr>
-          <a:xfrm>
-            <a:off x="6061796" y="6600068"/>
-            <a:ext cx="68408" cy="68408"/>
-          </a:xfrm>
-          <a:prstGeom prst="ellipse">
-            <a:avLst/>
-          </a:prstGeom>
-          <a:solidFill>
-            <a:schemeClr val="bg1"/>
-          </a:solidFill>
-          <a:ln>
-            <a:solidFill>
-              <a:schemeClr val="tx1"/>
-            </a:solidFill>
-          </a:ln>
-        </p:spPr>
-        <p:style>
-          <a:lnRef idx="2">
-            <a:schemeClr val="dk1">
-              <a:shade val="50000"/>
-            </a:schemeClr>
-          </a:lnRef>
-          <a:fillRef idx="1">
-            <a:schemeClr val="dk1"/>
-          </a:fillRef>
-          <a:effectRef idx="0">
-            <a:schemeClr val="dk1"/>
-          </a:effectRef>
-          <a:fontRef idx="minor">
-            <a:schemeClr val="lt1"/>
-          </a:fontRef>
-        </p:style>
-        <p:txBody>
-          <a:bodyPr rtlCol="0" anchor="ctr"/>
-          <a:lstStyle/>
-          <a:p>
-            <a:pPr algn="ctr"/>
-            <a:endParaRPr lang="ko-KR" altLang="en-US"/>
-          </a:p>
-        </p:txBody>
-      </p:sp>
-      <p:sp>
-        <p:nvSpPr>
-          <p:cNvPr id="7" name="타원 6">
-            <a:extLst>
-              <a:ext uri="{FF2B5EF4-FFF2-40B4-BE49-F238E27FC236}">
-                <a16:creationId xmlns:a16="http://schemas.microsoft.com/office/drawing/2014/main" id="{4BA82D63-2CA2-48F1-04B6-498D4D64F567}"/>
-              </a:ext>
-            </a:extLst>
-          </p:cNvPr>
-          <p:cNvSpPr/>
-          <p:nvPr/>
-        </p:nvSpPr>
-        <p:spPr>
-          <a:xfrm>
-            <a:off x="6206421" y="6600068"/>
-            <a:ext cx="68408" cy="68408"/>
-          </a:xfrm>
-          <a:prstGeom prst="ellipse">
-            <a:avLst/>
-          </a:prstGeom>
-          <a:ln>
-            <a:noFill/>
-          </a:ln>
-        </p:spPr>
-        <p:style>
-          <a:lnRef idx="2">
-            <a:schemeClr val="dk1">
-              <a:shade val="50000"/>
-            </a:schemeClr>
-          </a:lnRef>
-          <a:fillRef idx="1">
-            <a:schemeClr val="dk1"/>
-          </a:fillRef>
-          <a:effectRef idx="0">
-            <a:schemeClr val="dk1"/>
-          </a:effectRef>
-          <a:fontRef idx="minor">
-            <a:schemeClr val="lt1"/>
-          </a:fontRef>
-        </p:style>
-        <p:txBody>
-          <a:bodyPr rtlCol="0" anchor="ctr"/>
-          <a:lstStyle/>
-          <a:p>
-            <a:pPr algn="ctr"/>
-            <a:endParaRPr lang="ko-KR" altLang="en-US"/>
-          </a:p>
-        </p:txBody>
-      </p:sp>
-      <p:sp>
-        <p:nvSpPr>
-          <p:cNvPr id="8" name="타원 7">
-            <a:extLst>
-              <a:ext uri="{FF2B5EF4-FFF2-40B4-BE49-F238E27FC236}">
-                <a16:creationId xmlns:a16="http://schemas.microsoft.com/office/drawing/2014/main" id="{9BC8DBC1-DB64-FD18-5B96-42EC0E233AA9}"/>
-              </a:ext>
-            </a:extLst>
-          </p:cNvPr>
-          <p:cNvSpPr/>
-          <p:nvPr/>
-        </p:nvSpPr>
-        <p:spPr>
-          <a:xfrm>
-            <a:off x="6351047" y="6600068"/>
-            <a:ext cx="68408" cy="68408"/>
-          </a:xfrm>
-          <a:prstGeom prst="ellipse">
-            <a:avLst/>
-          </a:prstGeom>
-          <a:solidFill>
-            <a:schemeClr val="bg1"/>
-          </a:solidFill>
-          <a:ln>
-            <a:solidFill>
-              <a:schemeClr val="tx1"/>
-            </a:solidFill>
-          </a:ln>
-        </p:spPr>
-        <p:style>
-          <a:lnRef idx="2">
-            <a:schemeClr val="dk1">
-              <a:shade val="50000"/>
-            </a:schemeClr>
-          </a:lnRef>
-          <a:fillRef idx="1">
-            <a:schemeClr val="dk1"/>
-          </a:fillRef>
-          <a:effectRef idx="0">
-            <a:schemeClr val="dk1"/>
-          </a:effectRef>
-          <a:fontRef idx="minor">
-            <a:schemeClr val="lt1"/>
-          </a:fontRef>
-        </p:style>
-        <p:txBody>
-          <a:bodyPr rtlCol="0" anchor="ctr"/>
-          <a:lstStyle/>
-          <a:p>
-            <a:pPr algn="ctr"/>
-            <a:endParaRPr lang="ko-KR" altLang="en-US"/>
-          </a:p>
-        </p:txBody>
-      </p:sp>
-    </p:spTree>
-    <p:extLst>
-      <p:ext uri="{BB962C8B-B14F-4D97-AF65-F5344CB8AC3E}">
-        <p14:creationId xmlns:p14="http://schemas.microsoft.com/office/powerpoint/2010/main" val="2410039675"/>
-      </p:ext>
-    </p:extLst>
-  </p:cSld>
-  <p:clrMapOvr>
-    <a:masterClrMapping/>
-  </p:clrMapOvr>
-</p:sld>
-</file>
-
-<file path=ppt/slides/slide16.xml><?xml version="1.0" encoding="utf-8"?>
-<p:sld xmlns:a="http://schemas.openxmlformats.org/drawingml/2006/main" xmlns:r="http://schemas.openxmlformats.org/officeDocument/2006/relationships" xmlns:p="http://schemas.openxmlformats.org/presentationml/2006/main">
-  <p:cSld>
-    <p:spTree>
-      <p:nvGrpSpPr>
-        <p:cNvPr id="1" name=""/>
-        <p:cNvGrpSpPr/>
-        <p:nvPr/>
-      </p:nvGrpSpPr>
-      <p:grpSpPr>
-        <a:xfrm>
-          <a:off x="0" y="0"/>
-          <a:ext cx="0" cy="0"/>
-          <a:chOff x="0" y="0"/>
-          <a:chExt cx="0" cy="0"/>
-        </a:xfrm>
-      </p:grpSpPr>
-      <p:cxnSp>
-        <p:nvCxnSpPr>
-          <p:cNvPr id="9" name="직선 연결선 8">
-            <a:extLst>
-              <a:ext uri="{FF2B5EF4-FFF2-40B4-BE49-F238E27FC236}">
-                <a16:creationId xmlns:a16="http://schemas.microsoft.com/office/drawing/2014/main" id="{D28C4BEF-746C-FD46-15C6-35CDCE9AB56C}"/>
-              </a:ext>
-            </a:extLst>
-          </p:cNvPr>
-          <p:cNvCxnSpPr/>
-          <p:nvPr/>
-        </p:nvCxnSpPr>
-        <p:spPr>
-          <a:xfrm>
-            <a:off x="435429" y="901935"/>
-            <a:ext cx="11190514" cy="0"/>
-          </a:xfrm>
-          <a:prstGeom prst="line">
-            <a:avLst/>
-          </a:prstGeom>
-          <a:ln w="9525">
-            <a:solidFill>
-              <a:schemeClr val="tx1">
-                <a:lumMod val="65000"/>
-                <a:lumOff val="35000"/>
-              </a:schemeClr>
-            </a:solidFill>
-          </a:ln>
-        </p:spPr>
-        <p:style>
-          <a:lnRef idx="1">
-            <a:schemeClr val="accent1"/>
-          </a:lnRef>
-          <a:fillRef idx="0">
-            <a:schemeClr val="accent1"/>
-          </a:fillRef>
-          <a:effectRef idx="0">
-            <a:schemeClr val="accent1"/>
-          </a:effectRef>
-          <a:fontRef idx="minor">
-            <a:schemeClr val="tx1"/>
-          </a:fontRef>
-        </p:style>
-      </p:cxnSp>
-      <p:sp>
-        <p:nvSpPr>
-          <p:cNvPr id="10" name="TextBox 9">
-            <a:extLst>
-              <a:ext uri="{FF2B5EF4-FFF2-40B4-BE49-F238E27FC236}">
-                <a16:creationId xmlns:a16="http://schemas.microsoft.com/office/drawing/2014/main" id="{B89028CA-41CB-B90F-B2A2-E507B6A65E18}"/>
-              </a:ext>
-            </a:extLst>
-          </p:cNvPr>
-          <p:cNvSpPr txBox="1"/>
-          <p:nvPr/>
-        </p:nvSpPr>
-        <p:spPr>
-          <a:xfrm>
-            <a:off x="4612211" y="432178"/>
-            <a:ext cx="2964246" cy="461665"/>
-          </a:xfrm>
-          <a:prstGeom prst="rect">
-            <a:avLst/>
-          </a:prstGeom>
-          <a:noFill/>
-        </p:spPr>
-        <p:txBody>
-          <a:bodyPr wrap="square" rtlCol="0">
-            <a:spAutoFit/>
-          </a:bodyPr>
-          <a:lstStyle/>
-          <a:p>
-            <a:pPr algn="ctr"/>
-            <a:r>
-              <a:rPr lang="en-US" altLang="ko-KR" sz="2400" dirty="0">
-                <a:latin typeface="나눔스퀘어OTF_ac Bold" panose="020B0600000101010101" pitchFamily="34" charset="-127"/>
-                <a:ea typeface="나눔스퀘어OTF_ac Bold" panose="020B0600000101010101" pitchFamily="34" charset="-127"/>
-              </a:rPr>
-              <a:t>CNN to Regression</a:t>
-            </a:r>
-            <a:endParaRPr lang="ko-KR" altLang="en-US" sz="2400" dirty="0">
-              <a:latin typeface="나눔스퀘어OTF_ac Bold" panose="020B0600000101010101" pitchFamily="34" charset="-127"/>
-              <a:ea typeface="나눔스퀘어OTF_ac Bold" panose="020B0600000101010101" pitchFamily="34" charset="-127"/>
-            </a:endParaRPr>
-          </a:p>
-        </p:txBody>
-      </p:sp>
-      <p:sp>
-        <p:nvSpPr>
-          <p:cNvPr id="11" name="TextBox 10">
-            <a:extLst>
-              <a:ext uri="{FF2B5EF4-FFF2-40B4-BE49-F238E27FC236}">
-                <a16:creationId xmlns:a16="http://schemas.microsoft.com/office/drawing/2014/main" id="{1EF0AECF-4978-49FD-2415-5C2D11191C1A}"/>
-              </a:ext>
-            </a:extLst>
-          </p:cNvPr>
-          <p:cNvSpPr txBox="1"/>
-          <p:nvPr/>
-        </p:nvSpPr>
-        <p:spPr>
-          <a:xfrm>
-            <a:off x="5340350" y="93624"/>
-            <a:ext cx="1507968" cy="338554"/>
-          </a:xfrm>
-          <a:prstGeom prst="rect">
-            <a:avLst/>
-          </a:prstGeom>
-          <a:noFill/>
-        </p:spPr>
-        <p:txBody>
-          <a:bodyPr wrap="square" rtlCol="0">
-            <a:spAutoFit/>
-          </a:bodyPr>
-          <a:lstStyle/>
-          <a:p>
-            <a:pPr algn="ctr"/>
-            <a:r>
-              <a:rPr lang="en-US" altLang="ko-KR" sz="1600" dirty="0">
-                <a:latin typeface="나눔스퀘어OTF_ac Bold" panose="020B0600000101010101" pitchFamily="34" charset="-127"/>
-                <a:ea typeface="나눔스퀘어OTF_ac Bold" panose="020B0600000101010101" pitchFamily="34" charset="-127"/>
-              </a:rPr>
-              <a:t>How</a:t>
-            </a:r>
-            <a:endParaRPr lang="ko-KR" altLang="en-US" sz="1600" dirty="0">
-              <a:latin typeface="나눔스퀘어OTF_ac Bold" panose="020B0600000101010101" pitchFamily="34" charset="-127"/>
-              <a:ea typeface="나눔스퀘어OTF_ac Bold" panose="020B0600000101010101" pitchFamily="34" charset="-127"/>
-            </a:endParaRPr>
-          </a:p>
-        </p:txBody>
-      </p:sp>
-      <p:cxnSp>
-        <p:nvCxnSpPr>
-          <p:cNvPr id="5" name="직선 연결선 4">
-            <a:extLst>
-              <a:ext uri="{FF2B5EF4-FFF2-40B4-BE49-F238E27FC236}">
-                <a16:creationId xmlns:a16="http://schemas.microsoft.com/office/drawing/2014/main" id="{0BD63AA6-AF68-AD56-AF8D-4B8B28FF7700}"/>
-              </a:ext>
-            </a:extLst>
-          </p:cNvPr>
-          <p:cNvCxnSpPr/>
-          <p:nvPr/>
-        </p:nvCxnSpPr>
-        <p:spPr>
-          <a:xfrm>
-            <a:off x="435429" y="6470885"/>
-            <a:ext cx="11190514" cy="0"/>
-          </a:xfrm>
-          <a:prstGeom prst="line">
-            <a:avLst/>
-          </a:prstGeom>
-          <a:ln w="9525">
-            <a:solidFill>
-              <a:schemeClr val="tx1">
-                <a:lumMod val="65000"/>
-                <a:lumOff val="35000"/>
-              </a:schemeClr>
-            </a:solidFill>
-          </a:ln>
-        </p:spPr>
-        <p:style>
-          <a:lnRef idx="1">
-            <a:schemeClr val="accent1"/>
-          </a:lnRef>
-          <a:fillRef idx="0">
-            <a:schemeClr val="accent1"/>
-          </a:fillRef>
-          <a:effectRef idx="0">
-            <a:schemeClr val="accent1"/>
-          </a:effectRef>
-          <a:fontRef idx="minor">
-            <a:schemeClr val="tx1"/>
-          </a:fontRef>
-        </p:style>
-      </p:cxnSp>
-      <p:sp>
-        <p:nvSpPr>
-          <p:cNvPr id="2" name="직사각형 1">
-            <a:extLst>
-              <a:ext uri="{FF2B5EF4-FFF2-40B4-BE49-F238E27FC236}">
-                <a16:creationId xmlns:a16="http://schemas.microsoft.com/office/drawing/2014/main" id="{71A5987B-0CE4-9DF9-5085-D8501F1067D3}"/>
-              </a:ext>
-            </a:extLst>
-          </p:cNvPr>
-          <p:cNvSpPr/>
-          <p:nvPr/>
-        </p:nvSpPr>
-        <p:spPr>
-          <a:xfrm>
-            <a:off x="7007170" y="2849342"/>
-            <a:ext cx="223157" cy="234041"/>
+            <a:off x="4334930" y="2879392"/>
+            <a:ext cx="252618" cy="264939"/>
           </a:xfrm>
           <a:prstGeom prst="rect">
             <a:avLst/>
@@ -7805,8 +7507,8 @@
         </p:nvSpPr>
         <p:spPr>
           <a:xfrm>
-            <a:off x="7230327" y="2849342"/>
-            <a:ext cx="223157" cy="234041"/>
+            <a:off x="4558087" y="2879392"/>
+            <a:ext cx="252618" cy="264939"/>
           </a:xfrm>
           <a:prstGeom prst="rect">
             <a:avLst/>
@@ -7849,8 +7551,8 @@
         </p:nvSpPr>
         <p:spPr>
           <a:xfrm>
-            <a:off x="7453484" y="2849342"/>
-            <a:ext cx="223157" cy="234041"/>
+            <a:off x="4781244" y="2879392"/>
+            <a:ext cx="252618" cy="264939"/>
           </a:xfrm>
           <a:prstGeom prst="rect">
             <a:avLst/>
@@ -7893,8 +7595,8 @@
         </p:nvSpPr>
         <p:spPr>
           <a:xfrm>
-            <a:off x="7676641" y="2849342"/>
-            <a:ext cx="223157" cy="234041"/>
+            <a:off x="5004401" y="2879392"/>
+            <a:ext cx="252618" cy="264939"/>
           </a:xfrm>
           <a:prstGeom prst="rect">
             <a:avLst/>
@@ -7937,8 +7639,8 @@
         </p:nvSpPr>
         <p:spPr>
           <a:xfrm>
-            <a:off x="7899798" y="2849342"/>
-            <a:ext cx="223157" cy="234041"/>
+            <a:off x="5227558" y="2879392"/>
+            <a:ext cx="252618" cy="264939"/>
           </a:xfrm>
           <a:prstGeom prst="rect">
             <a:avLst/>
@@ -7981,8 +7683,8 @@
         </p:nvSpPr>
         <p:spPr>
           <a:xfrm>
-            <a:off x="8122955" y="2849342"/>
-            <a:ext cx="223157" cy="234041"/>
+            <a:off x="5450715" y="2879392"/>
+            <a:ext cx="252618" cy="264939"/>
           </a:xfrm>
           <a:prstGeom prst="rect">
             <a:avLst/>
@@ -8025,8 +7727,8 @@
         </p:nvSpPr>
         <p:spPr>
           <a:xfrm>
-            <a:off x="8346112" y="2849342"/>
-            <a:ext cx="223157" cy="234041"/>
+            <a:off x="5673872" y="2879392"/>
+            <a:ext cx="252618" cy="264939"/>
           </a:xfrm>
           <a:prstGeom prst="rect">
             <a:avLst/>
@@ -8069,8 +7771,8 @@
         </p:nvSpPr>
         <p:spPr>
           <a:xfrm>
-            <a:off x="8569269" y="2849342"/>
-            <a:ext cx="223157" cy="234041"/>
+            <a:off x="5897029" y="2879392"/>
+            <a:ext cx="252618" cy="264939"/>
           </a:xfrm>
           <a:prstGeom prst="rect">
             <a:avLst/>
@@ -8113,8 +7815,8 @@
         </p:nvSpPr>
         <p:spPr>
           <a:xfrm>
-            <a:off x="7007170" y="3080661"/>
-            <a:ext cx="223157" cy="234041"/>
+            <a:off x="4334930" y="3110711"/>
+            <a:ext cx="252618" cy="264939"/>
           </a:xfrm>
           <a:prstGeom prst="rect">
             <a:avLst/>
@@ -8157,8 +7859,8 @@
         </p:nvSpPr>
         <p:spPr>
           <a:xfrm>
-            <a:off x="7230327" y="3080661"/>
-            <a:ext cx="223157" cy="234041"/>
+            <a:off x="4558087" y="3110711"/>
+            <a:ext cx="252618" cy="264939"/>
           </a:xfrm>
           <a:prstGeom prst="rect">
             <a:avLst/>
@@ -8206,8 +7908,8 @@
         </p:nvSpPr>
         <p:spPr>
           <a:xfrm>
-            <a:off x="7453484" y="3080661"/>
-            <a:ext cx="223157" cy="234041"/>
+            <a:off x="4781244" y="3110711"/>
+            <a:ext cx="252618" cy="264939"/>
           </a:xfrm>
           <a:prstGeom prst="rect">
             <a:avLst/>
@@ -8250,8 +7952,8 @@
         </p:nvSpPr>
         <p:spPr>
           <a:xfrm>
-            <a:off x="7676641" y="3080661"/>
-            <a:ext cx="223157" cy="234041"/>
+            <a:off x="5004401" y="3110711"/>
+            <a:ext cx="252618" cy="264939"/>
           </a:xfrm>
           <a:prstGeom prst="rect">
             <a:avLst/>
@@ -8294,8 +7996,8 @@
         </p:nvSpPr>
         <p:spPr>
           <a:xfrm>
-            <a:off x="7899798" y="3080661"/>
-            <a:ext cx="223157" cy="234041"/>
+            <a:off x="5227558" y="3110711"/>
+            <a:ext cx="252618" cy="264939"/>
           </a:xfrm>
           <a:prstGeom prst="rect">
             <a:avLst/>
@@ -8338,8 +8040,8 @@
         </p:nvSpPr>
         <p:spPr>
           <a:xfrm>
-            <a:off x="8122955" y="3080661"/>
-            <a:ext cx="223157" cy="234041"/>
+            <a:off x="5450715" y="3110711"/>
+            <a:ext cx="252618" cy="264939"/>
           </a:xfrm>
           <a:prstGeom prst="rect">
             <a:avLst/>
@@ -8382,8 +8084,8 @@
         </p:nvSpPr>
         <p:spPr>
           <a:xfrm>
-            <a:off x="8346112" y="3080661"/>
-            <a:ext cx="223157" cy="234041"/>
+            <a:off x="5673872" y="3110711"/>
+            <a:ext cx="252618" cy="264939"/>
           </a:xfrm>
           <a:prstGeom prst="rect">
             <a:avLst/>
@@ -8426,8 +8128,8 @@
         </p:nvSpPr>
         <p:spPr>
           <a:xfrm>
-            <a:off x="8569269" y="3080661"/>
-            <a:ext cx="223157" cy="234041"/>
+            <a:off x="5897029" y="3110711"/>
+            <a:ext cx="252618" cy="264939"/>
           </a:xfrm>
           <a:prstGeom prst="rect">
             <a:avLst/>
@@ -8470,8 +8172,8 @@
         </p:nvSpPr>
         <p:spPr>
           <a:xfrm>
-            <a:off x="7007170" y="3311980"/>
-            <a:ext cx="223157" cy="234041"/>
+            <a:off x="4334930" y="3342030"/>
+            <a:ext cx="252618" cy="264939"/>
           </a:xfrm>
           <a:prstGeom prst="rect">
             <a:avLst/>
@@ -8514,8 +8216,8 @@
         </p:nvSpPr>
         <p:spPr>
           <a:xfrm>
-            <a:off x="7230327" y="3311980"/>
-            <a:ext cx="223157" cy="234041"/>
+            <a:off x="4558087" y="3342030"/>
+            <a:ext cx="252618" cy="264939"/>
           </a:xfrm>
           <a:prstGeom prst="rect">
             <a:avLst/>
@@ -8558,8 +8260,8 @@
         </p:nvSpPr>
         <p:spPr>
           <a:xfrm>
-            <a:off x="7453484" y="3311980"/>
-            <a:ext cx="223157" cy="234041"/>
+            <a:off x="4781244" y="3342030"/>
+            <a:ext cx="252618" cy="264939"/>
           </a:xfrm>
           <a:prstGeom prst="rect">
             <a:avLst/>
@@ -8607,8 +8309,8 @@
         </p:nvSpPr>
         <p:spPr>
           <a:xfrm>
-            <a:off x="7676641" y="3311980"/>
-            <a:ext cx="223157" cy="234041"/>
+            <a:off x="5004401" y="3342030"/>
+            <a:ext cx="252618" cy="264939"/>
           </a:xfrm>
           <a:prstGeom prst="rect">
             <a:avLst/>
@@ -8651,8 +8353,8 @@
         </p:nvSpPr>
         <p:spPr>
           <a:xfrm>
-            <a:off x="7899798" y="3311980"/>
-            <a:ext cx="223157" cy="234041"/>
+            <a:off x="5227558" y="3342030"/>
+            <a:ext cx="252618" cy="264939"/>
           </a:xfrm>
           <a:prstGeom prst="rect">
             <a:avLst/>
@@ -8695,8 +8397,8 @@
         </p:nvSpPr>
         <p:spPr>
           <a:xfrm>
-            <a:off x="8122955" y="3311980"/>
-            <a:ext cx="223157" cy="234041"/>
+            <a:off x="5450715" y="3342030"/>
+            <a:ext cx="252618" cy="264939"/>
           </a:xfrm>
           <a:prstGeom prst="rect">
             <a:avLst/>
@@ -8739,8 +8441,8 @@
         </p:nvSpPr>
         <p:spPr>
           <a:xfrm>
-            <a:off x="8346112" y="3311980"/>
-            <a:ext cx="223157" cy="234041"/>
+            <a:off x="5673872" y="3342030"/>
+            <a:ext cx="252618" cy="264939"/>
           </a:xfrm>
           <a:prstGeom prst="rect">
             <a:avLst/>
@@ -8783,8 +8485,8 @@
         </p:nvSpPr>
         <p:spPr>
           <a:xfrm>
-            <a:off x="8569269" y="3311980"/>
-            <a:ext cx="223157" cy="234041"/>
+            <a:off x="5897029" y="3342030"/>
+            <a:ext cx="252618" cy="264939"/>
           </a:xfrm>
           <a:prstGeom prst="rect">
             <a:avLst/>
@@ -8827,8 +8529,8 @@
         </p:nvSpPr>
         <p:spPr>
           <a:xfrm>
-            <a:off x="7007170" y="3973293"/>
-            <a:ext cx="223157" cy="234041"/>
+            <a:off x="4334930" y="4003343"/>
+            <a:ext cx="252618" cy="264939"/>
           </a:xfrm>
           <a:prstGeom prst="rect">
             <a:avLst/>
@@ -8871,8 +8573,8 @@
         </p:nvSpPr>
         <p:spPr>
           <a:xfrm>
-            <a:off x="7230327" y="3973293"/>
-            <a:ext cx="223157" cy="234041"/>
+            <a:off x="4558087" y="4003343"/>
+            <a:ext cx="252618" cy="264939"/>
           </a:xfrm>
           <a:prstGeom prst="rect">
             <a:avLst/>
@@ -8915,8 +8617,8 @@
         </p:nvSpPr>
         <p:spPr>
           <a:xfrm>
-            <a:off x="7453484" y="3973293"/>
-            <a:ext cx="223157" cy="234041"/>
+            <a:off x="4781244" y="4003343"/>
+            <a:ext cx="252618" cy="264939"/>
           </a:xfrm>
           <a:prstGeom prst="rect">
             <a:avLst/>
@@ -8959,8 +8661,8 @@
         </p:nvSpPr>
         <p:spPr>
           <a:xfrm>
-            <a:off x="7676641" y="3973293"/>
-            <a:ext cx="223157" cy="234041"/>
+            <a:off x="5004401" y="4003343"/>
+            <a:ext cx="252618" cy="264939"/>
           </a:xfrm>
           <a:prstGeom prst="rect">
             <a:avLst/>
@@ -9003,8 +8705,8 @@
         </p:nvSpPr>
         <p:spPr>
           <a:xfrm>
-            <a:off x="7899798" y="3973293"/>
-            <a:ext cx="223157" cy="234041"/>
+            <a:off x="5227558" y="4003343"/>
+            <a:ext cx="252618" cy="264939"/>
           </a:xfrm>
           <a:prstGeom prst="rect">
             <a:avLst/>
@@ -9047,8 +8749,8 @@
         </p:nvSpPr>
         <p:spPr>
           <a:xfrm>
-            <a:off x="8122955" y="3973293"/>
-            <a:ext cx="223157" cy="234041"/>
+            <a:off x="5450715" y="4003343"/>
+            <a:ext cx="252618" cy="264939"/>
           </a:xfrm>
           <a:prstGeom prst="rect">
             <a:avLst/>
@@ -9091,8 +8793,8 @@
         </p:nvSpPr>
         <p:spPr>
           <a:xfrm>
-            <a:off x="8346112" y="3973293"/>
-            <a:ext cx="223157" cy="234041"/>
+            <a:off x="5673872" y="4003343"/>
+            <a:ext cx="252618" cy="264939"/>
           </a:xfrm>
           <a:prstGeom prst="rect">
             <a:avLst/>
@@ -9135,8 +8837,8 @@
         </p:nvSpPr>
         <p:spPr>
           <a:xfrm>
-            <a:off x="8569269" y="3973293"/>
-            <a:ext cx="223157" cy="234041"/>
+            <a:off x="5897029" y="4003343"/>
+            <a:ext cx="252618" cy="264939"/>
           </a:xfrm>
           <a:prstGeom prst="rect">
             <a:avLst/>
@@ -9184,8 +8886,8 @@
         </p:nvSpPr>
         <p:spPr>
           <a:xfrm>
-            <a:off x="7899798" y="3591384"/>
-            <a:ext cx="45719" cy="45719"/>
+            <a:off x="5250982" y="3646296"/>
+            <a:ext cx="51755" cy="51755"/>
           </a:xfrm>
           <a:prstGeom prst="ellipse">
             <a:avLst/>
@@ -9232,8 +8934,8 @@
         </p:nvSpPr>
         <p:spPr>
           <a:xfrm>
-            <a:off x="7899798" y="3713937"/>
-            <a:ext cx="45719" cy="45719"/>
+            <a:off x="5250982" y="3768849"/>
+            <a:ext cx="51755" cy="51755"/>
           </a:xfrm>
           <a:prstGeom prst="ellipse">
             <a:avLst/>
@@ -9280,8 +8982,8 @@
         </p:nvSpPr>
         <p:spPr>
           <a:xfrm>
-            <a:off x="7899798" y="3839029"/>
-            <a:ext cx="45719" cy="45719"/>
+            <a:off x="5250982" y="3893941"/>
+            <a:ext cx="51755" cy="51755"/>
           </a:xfrm>
           <a:prstGeom prst="ellipse">
             <a:avLst/>
@@ -9328,8 +9030,8 @@
         </p:nvGrpSpPr>
         <p:grpSpPr>
           <a:xfrm rot="16200000">
-            <a:off x="9418356" y="3429000"/>
-            <a:ext cx="1785256" cy="234041"/>
+            <a:off x="6642283" y="3356655"/>
+            <a:ext cx="2020945" cy="264939"/>
             <a:chOff x="8686014" y="3717473"/>
             <a:chExt cx="1785256" cy="234041"/>
           </a:xfrm>
@@ -9701,8 +9403,8 @@
         </p:nvSpPr>
         <p:spPr>
           <a:xfrm>
-            <a:off x="9337498" y="3429000"/>
-            <a:ext cx="315686" cy="208103"/>
+            <a:off x="6653041" y="3462474"/>
+            <a:ext cx="357363" cy="235577"/>
           </a:xfrm>
           <a:prstGeom prst="rightArrow">
             <a:avLst/>
@@ -9764,8 +9466,8 @@
         </p:blipFill>
         <p:spPr bwMode="auto">
           <a:xfrm>
-            <a:off x="723086" y="2911004"/>
-            <a:ext cx="4801961" cy="1230299"/>
+            <a:off x="192298" y="3010271"/>
+            <a:ext cx="3780319" cy="968547"/>
           </a:xfrm>
           <a:prstGeom prst="rect">
             <a:avLst/>
@@ -9782,24 +9484,577 @@
           </a:extLst>
         </p:spPr>
       </p:pic>
+      <p:sp>
+        <p:nvSpPr>
+          <p:cNvPr id="62" name="TextBox 61">
+            <a:extLst>
+              <a:ext uri="{FF2B5EF4-FFF2-40B4-BE49-F238E27FC236}">
+                <a16:creationId xmlns:a16="http://schemas.microsoft.com/office/drawing/2014/main" id="{95BED376-072A-B3D2-CE44-97455859FC7E}"/>
+              </a:ext>
+            </a:extLst>
+          </p:cNvPr>
+          <p:cNvSpPr txBox="1"/>
+          <p:nvPr/>
+        </p:nvSpPr>
+        <p:spPr>
+          <a:xfrm>
+            <a:off x="600335" y="1880283"/>
+            <a:ext cx="2964246" cy="461665"/>
+          </a:xfrm>
+          <a:prstGeom prst="rect">
+            <a:avLst/>
+          </a:prstGeom>
+          <a:noFill/>
+        </p:spPr>
+        <p:txBody>
+          <a:bodyPr wrap="square" rtlCol="0">
+            <a:spAutoFit/>
+          </a:bodyPr>
+          <a:lstStyle/>
+          <a:p>
+            <a:pPr algn="ctr"/>
+            <a:r>
+              <a:rPr lang="ko-KR" altLang="en-US" sz="2400" dirty="0">
+                <a:latin typeface="나눔스퀘어OTF_ac Bold" panose="020B0600000101010101" pitchFamily="34" charset="-127"/>
+                <a:ea typeface="나눔스퀘어OTF_ac Bold" panose="020B0600000101010101" pitchFamily="34" charset="-127"/>
+              </a:rPr>
+              <a:t>일반적인 </a:t>
+            </a:r>
+            <a:r>
+              <a:rPr lang="en-US" altLang="ko-KR" sz="2400" dirty="0">
+                <a:latin typeface="나눔스퀘어OTF_ac Bold" panose="020B0600000101010101" pitchFamily="34" charset="-127"/>
+                <a:ea typeface="나눔스퀘어OTF_ac Bold" panose="020B0600000101010101" pitchFamily="34" charset="-127"/>
+              </a:rPr>
+              <a:t>CNN</a:t>
+            </a:r>
+            <a:endParaRPr lang="ko-KR" altLang="en-US" sz="2400" dirty="0">
+              <a:latin typeface="나눔스퀘어OTF_ac Bold" panose="020B0600000101010101" pitchFamily="34" charset="-127"/>
+              <a:ea typeface="나눔스퀘어OTF_ac Bold" panose="020B0600000101010101" pitchFamily="34" charset="-127"/>
+            </a:endParaRPr>
+          </a:p>
+        </p:txBody>
+      </p:sp>
+      <p:sp>
+        <p:nvSpPr>
+          <p:cNvPr id="63" name="TextBox 62">
+            <a:extLst>
+              <a:ext uri="{FF2B5EF4-FFF2-40B4-BE49-F238E27FC236}">
+                <a16:creationId xmlns:a16="http://schemas.microsoft.com/office/drawing/2014/main" id="{30F5E8FB-498E-EC04-2057-346CFC50AE6B}"/>
+              </a:ext>
+            </a:extLst>
+          </p:cNvPr>
+          <p:cNvSpPr txBox="1"/>
+          <p:nvPr/>
+        </p:nvSpPr>
+        <p:spPr>
+          <a:xfrm>
+            <a:off x="4416541" y="1881388"/>
+            <a:ext cx="3355586" cy="461665"/>
+          </a:xfrm>
+          <a:prstGeom prst="rect">
+            <a:avLst/>
+          </a:prstGeom>
+          <a:noFill/>
+        </p:spPr>
+        <p:txBody>
+          <a:bodyPr wrap="square" rtlCol="0">
+            <a:spAutoFit/>
+          </a:bodyPr>
+          <a:lstStyle/>
+          <a:p>
+            <a:pPr algn="ctr"/>
+            <a:r>
+              <a:rPr lang="en-US" altLang="ko-KR" sz="2400" dirty="0">
+                <a:latin typeface="나눔스퀘어OTF_ac Bold" panose="020B0600000101010101" pitchFamily="34" charset="-127"/>
+                <a:ea typeface="나눔스퀘어OTF_ac Bold" panose="020B0600000101010101" pitchFamily="34" charset="-127"/>
+              </a:rPr>
+              <a:t>Regression</a:t>
+            </a:r>
+            <a:endParaRPr lang="ko-KR" altLang="en-US" sz="2400" dirty="0">
+              <a:latin typeface="나눔스퀘어OTF_ac Bold" panose="020B0600000101010101" pitchFamily="34" charset="-127"/>
+              <a:ea typeface="나눔스퀘어OTF_ac Bold" panose="020B0600000101010101" pitchFamily="34" charset="-127"/>
+            </a:endParaRPr>
+          </a:p>
+        </p:txBody>
+      </p:sp>
+      <p:sp>
+        <p:nvSpPr>
+          <p:cNvPr id="1024" name="TextBox 1023">
+            <a:extLst>
+              <a:ext uri="{FF2B5EF4-FFF2-40B4-BE49-F238E27FC236}">
+                <a16:creationId xmlns:a16="http://schemas.microsoft.com/office/drawing/2014/main" id="{B82099E4-B7EB-5FAE-83CF-3E85EAD09FCE}"/>
+              </a:ext>
+            </a:extLst>
+          </p:cNvPr>
+          <p:cNvSpPr txBox="1"/>
+          <p:nvPr/>
+        </p:nvSpPr>
+        <p:spPr>
+          <a:xfrm>
+            <a:off x="4352892" y="4849405"/>
+            <a:ext cx="3355587" cy="338554"/>
+          </a:xfrm>
+          <a:prstGeom prst="rect">
+            <a:avLst/>
+          </a:prstGeom>
+          <a:noFill/>
+        </p:spPr>
+        <p:txBody>
+          <a:bodyPr wrap="square" rtlCol="0">
+            <a:spAutoFit/>
+          </a:bodyPr>
+          <a:lstStyle/>
+          <a:p>
+            <a:pPr algn="ctr"/>
+            <a:r>
+              <a:rPr lang="en-US" altLang="ko-KR" sz="1600" dirty="0">
+                <a:latin typeface="나눔스퀘어OTF_ac Bold" panose="020B0600000101010101" pitchFamily="34" charset="-127"/>
+                <a:ea typeface="나눔스퀘어OTF_ac Bold" panose="020B0600000101010101" pitchFamily="34" charset="-127"/>
+              </a:rPr>
+              <a:t>Stride =1, </a:t>
+            </a:r>
+            <a:r>
+              <a:rPr lang="en-US" altLang="ko-KR" sz="1600" dirty="0" err="1">
+                <a:latin typeface="나눔스퀘어OTF_ac Bold" panose="020B0600000101010101" pitchFamily="34" charset="-127"/>
+                <a:ea typeface="나눔스퀘어OTF_ac Bold" panose="020B0600000101010101" pitchFamily="34" charset="-127"/>
+              </a:rPr>
+              <a:t>max_pooling</a:t>
+            </a:r>
+            <a:endParaRPr lang="ko-KR" altLang="en-US" sz="1600" dirty="0">
+              <a:latin typeface="나눔스퀘어OTF_ac Bold" panose="020B0600000101010101" pitchFamily="34" charset="-127"/>
+              <a:ea typeface="나눔스퀘어OTF_ac Bold" panose="020B0600000101010101" pitchFamily="34" charset="-127"/>
+            </a:endParaRPr>
+          </a:p>
+        </p:txBody>
+      </p:sp>
+      <p:sp>
+        <p:nvSpPr>
+          <p:cNvPr id="1025" name="TextBox 1024">
+            <a:extLst>
+              <a:ext uri="{FF2B5EF4-FFF2-40B4-BE49-F238E27FC236}">
+                <a16:creationId xmlns:a16="http://schemas.microsoft.com/office/drawing/2014/main" id="{8FC24859-879E-9DAF-BD52-8D33AD65A8B5}"/>
+              </a:ext>
+            </a:extLst>
+          </p:cNvPr>
+          <p:cNvSpPr txBox="1"/>
+          <p:nvPr/>
+        </p:nvSpPr>
+        <p:spPr>
+          <a:xfrm>
+            <a:off x="6365543" y="3148501"/>
+            <a:ext cx="872304" cy="261610"/>
+          </a:xfrm>
+          <a:prstGeom prst="rect">
+            <a:avLst/>
+          </a:prstGeom>
+          <a:noFill/>
+        </p:spPr>
+        <p:txBody>
+          <a:bodyPr wrap="square" rtlCol="0">
+            <a:spAutoFit/>
+          </a:bodyPr>
+          <a:lstStyle/>
+          <a:p>
+            <a:pPr algn="ctr"/>
+            <a:r>
+              <a:rPr lang="en-US" altLang="ko-KR" sz="1100" dirty="0">
+                <a:latin typeface="나눔스퀘어OTF_ac Bold" panose="020B0600000101010101" pitchFamily="34" charset="-127"/>
+                <a:ea typeface="나눔스퀘어OTF_ac Bold" panose="020B0600000101010101" pitchFamily="34" charset="-127"/>
+              </a:rPr>
+              <a:t>flatten</a:t>
+            </a:r>
+            <a:endParaRPr lang="ko-KR" altLang="en-US" sz="1100" dirty="0">
+              <a:latin typeface="나눔스퀘어OTF_ac Bold" panose="020B0600000101010101" pitchFamily="34" charset="-127"/>
+              <a:ea typeface="나눔스퀘어OTF_ac Bold" panose="020B0600000101010101" pitchFamily="34" charset="-127"/>
+            </a:endParaRPr>
+          </a:p>
+        </p:txBody>
+      </p:sp>
+      <p:sp>
+        <p:nvSpPr>
+          <p:cNvPr id="1027" name="타원 1026">
+            <a:extLst>
+              <a:ext uri="{FF2B5EF4-FFF2-40B4-BE49-F238E27FC236}">
+                <a16:creationId xmlns:a16="http://schemas.microsoft.com/office/drawing/2014/main" id="{01CE6EE8-5909-B781-9425-5EE8EB775086}"/>
+              </a:ext>
+            </a:extLst>
+          </p:cNvPr>
+          <p:cNvSpPr/>
+          <p:nvPr/>
+        </p:nvSpPr>
+        <p:spPr>
+          <a:xfrm>
+            <a:off x="5772544" y="6600068"/>
+            <a:ext cx="68408" cy="68408"/>
+          </a:xfrm>
+          <a:prstGeom prst="ellipse">
+            <a:avLst/>
+          </a:prstGeom>
+          <a:solidFill>
+            <a:schemeClr val="bg1"/>
+          </a:solidFill>
+          <a:ln>
+            <a:solidFill>
+              <a:schemeClr val="tx1"/>
+            </a:solidFill>
+          </a:ln>
+        </p:spPr>
+        <p:style>
+          <a:lnRef idx="2">
+            <a:schemeClr val="dk1">
+              <a:shade val="50000"/>
+            </a:schemeClr>
+          </a:lnRef>
+          <a:fillRef idx="1">
+            <a:schemeClr val="dk1"/>
+          </a:fillRef>
+          <a:effectRef idx="0">
+            <a:schemeClr val="dk1"/>
+          </a:effectRef>
+          <a:fontRef idx="minor">
+            <a:schemeClr val="lt1"/>
+          </a:fontRef>
+        </p:style>
+        <p:txBody>
+          <a:bodyPr rtlCol="0" anchor="ctr"/>
+          <a:lstStyle/>
+          <a:p>
+            <a:pPr algn="ctr"/>
+            <a:endParaRPr lang="ko-KR" altLang="en-US"/>
+          </a:p>
+        </p:txBody>
+      </p:sp>
+      <p:sp>
+        <p:nvSpPr>
+          <p:cNvPr id="1028" name="타원 1027">
+            <a:extLst>
+              <a:ext uri="{FF2B5EF4-FFF2-40B4-BE49-F238E27FC236}">
+                <a16:creationId xmlns:a16="http://schemas.microsoft.com/office/drawing/2014/main" id="{ACAAC001-64ED-CC74-2F3C-57B7F266BCCC}"/>
+              </a:ext>
+            </a:extLst>
+          </p:cNvPr>
+          <p:cNvSpPr/>
+          <p:nvPr/>
+        </p:nvSpPr>
+        <p:spPr>
+          <a:xfrm>
+            <a:off x="5917170" y="6600068"/>
+            <a:ext cx="68408" cy="68408"/>
+          </a:xfrm>
+          <a:prstGeom prst="ellipse">
+            <a:avLst/>
+          </a:prstGeom>
+          <a:solidFill>
+            <a:schemeClr val="bg1"/>
+          </a:solidFill>
+          <a:ln>
+            <a:solidFill>
+              <a:schemeClr val="tx1"/>
+            </a:solidFill>
+          </a:ln>
+        </p:spPr>
+        <p:style>
+          <a:lnRef idx="2">
+            <a:schemeClr val="dk1">
+              <a:shade val="50000"/>
+            </a:schemeClr>
+          </a:lnRef>
+          <a:fillRef idx="1">
+            <a:schemeClr val="dk1"/>
+          </a:fillRef>
+          <a:effectRef idx="0">
+            <a:schemeClr val="dk1"/>
+          </a:effectRef>
+          <a:fontRef idx="minor">
+            <a:schemeClr val="lt1"/>
+          </a:fontRef>
+        </p:style>
+        <p:txBody>
+          <a:bodyPr rtlCol="0" anchor="ctr"/>
+          <a:lstStyle/>
+          <a:p>
+            <a:pPr algn="ctr"/>
+            <a:endParaRPr lang="ko-KR" altLang="en-US"/>
+          </a:p>
+        </p:txBody>
+      </p:sp>
+      <p:sp>
+        <p:nvSpPr>
+          <p:cNvPr id="1029" name="타원 1028">
+            <a:extLst>
+              <a:ext uri="{FF2B5EF4-FFF2-40B4-BE49-F238E27FC236}">
+                <a16:creationId xmlns:a16="http://schemas.microsoft.com/office/drawing/2014/main" id="{9F6678F9-D3E7-C3EF-FCAC-95E96985DDC7}"/>
+              </a:ext>
+            </a:extLst>
+          </p:cNvPr>
+          <p:cNvSpPr/>
+          <p:nvPr/>
+        </p:nvSpPr>
+        <p:spPr>
+          <a:xfrm>
+            <a:off x="6061796" y="6600068"/>
+            <a:ext cx="68408" cy="68408"/>
+          </a:xfrm>
+          <a:prstGeom prst="ellipse">
+            <a:avLst/>
+          </a:prstGeom>
+          <a:solidFill>
+            <a:schemeClr val="bg1"/>
+          </a:solidFill>
+          <a:ln>
+            <a:solidFill>
+              <a:schemeClr val="tx1"/>
+            </a:solidFill>
+          </a:ln>
+        </p:spPr>
+        <p:style>
+          <a:lnRef idx="2">
+            <a:schemeClr val="dk1">
+              <a:shade val="50000"/>
+            </a:schemeClr>
+          </a:lnRef>
+          <a:fillRef idx="1">
+            <a:schemeClr val="dk1"/>
+          </a:fillRef>
+          <a:effectRef idx="0">
+            <a:schemeClr val="dk1"/>
+          </a:effectRef>
+          <a:fontRef idx="minor">
+            <a:schemeClr val="lt1"/>
+          </a:fontRef>
+        </p:style>
+        <p:txBody>
+          <a:bodyPr rtlCol="0" anchor="ctr"/>
+          <a:lstStyle/>
+          <a:p>
+            <a:pPr algn="ctr"/>
+            <a:endParaRPr lang="ko-KR" altLang="en-US"/>
+          </a:p>
+        </p:txBody>
+      </p:sp>
+      <p:sp>
+        <p:nvSpPr>
+          <p:cNvPr id="1030" name="타원 1029">
+            <a:extLst>
+              <a:ext uri="{FF2B5EF4-FFF2-40B4-BE49-F238E27FC236}">
+                <a16:creationId xmlns:a16="http://schemas.microsoft.com/office/drawing/2014/main" id="{68EE3D03-76D8-2028-4358-99B5B13350CA}"/>
+              </a:ext>
+            </a:extLst>
+          </p:cNvPr>
+          <p:cNvSpPr/>
+          <p:nvPr/>
+        </p:nvSpPr>
+        <p:spPr>
+          <a:xfrm>
+            <a:off x="6206421" y="6600068"/>
+            <a:ext cx="68408" cy="68408"/>
+          </a:xfrm>
+          <a:prstGeom prst="ellipse">
+            <a:avLst/>
+          </a:prstGeom>
+          <a:ln>
+            <a:noFill/>
+          </a:ln>
+        </p:spPr>
+        <p:style>
+          <a:lnRef idx="2">
+            <a:schemeClr val="dk1">
+              <a:shade val="50000"/>
+            </a:schemeClr>
+          </a:lnRef>
+          <a:fillRef idx="1">
+            <a:schemeClr val="dk1"/>
+          </a:fillRef>
+          <a:effectRef idx="0">
+            <a:schemeClr val="dk1"/>
+          </a:effectRef>
+          <a:fontRef idx="minor">
+            <a:schemeClr val="lt1"/>
+          </a:fontRef>
+        </p:style>
+        <p:txBody>
+          <a:bodyPr rtlCol="0" anchor="ctr"/>
+          <a:lstStyle/>
+          <a:p>
+            <a:pPr algn="ctr"/>
+            <a:endParaRPr lang="ko-KR" altLang="en-US"/>
+          </a:p>
+        </p:txBody>
+      </p:sp>
+      <p:sp>
+        <p:nvSpPr>
+          <p:cNvPr id="1031" name="타원 1030">
+            <a:extLst>
+              <a:ext uri="{FF2B5EF4-FFF2-40B4-BE49-F238E27FC236}">
+                <a16:creationId xmlns:a16="http://schemas.microsoft.com/office/drawing/2014/main" id="{8F028F7A-1C72-B5AF-A512-8C79B38EEFFA}"/>
+              </a:ext>
+            </a:extLst>
+          </p:cNvPr>
+          <p:cNvSpPr/>
+          <p:nvPr/>
+        </p:nvSpPr>
+        <p:spPr>
+          <a:xfrm>
+            <a:off x="6351047" y="6600068"/>
+            <a:ext cx="68408" cy="68408"/>
+          </a:xfrm>
+          <a:prstGeom prst="ellipse">
+            <a:avLst/>
+          </a:prstGeom>
+          <a:solidFill>
+            <a:schemeClr val="bg1"/>
+          </a:solidFill>
+          <a:ln>
+            <a:solidFill>
+              <a:schemeClr val="tx1"/>
+            </a:solidFill>
+          </a:ln>
+        </p:spPr>
+        <p:style>
+          <a:lnRef idx="2">
+            <a:schemeClr val="dk1">
+              <a:shade val="50000"/>
+            </a:schemeClr>
+          </a:lnRef>
+          <a:fillRef idx="1">
+            <a:schemeClr val="dk1"/>
+          </a:fillRef>
+          <a:effectRef idx="0">
+            <a:schemeClr val="dk1"/>
+          </a:effectRef>
+          <a:fontRef idx="minor">
+            <a:schemeClr val="lt1"/>
+          </a:fontRef>
+        </p:style>
+        <p:txBody>
+          <a:bodyPr rtlCol="0" anchor="ctr"/>
+          <a:lstStyle/>
+          <a:p>
+            <a:pPr algn="ctr"/>
+            <a:endParaRPr lang="ko-KR" altLang="en-US"/>
+          </a:p>
+        </p:txBody>
+      </p:sp>
+      <p:sp>
+        <p:nvSpPr>
+          <p:cNvPr id="1032" name="TextBox 1031">
+            <a:extLst>
+              <a:ext uri="{FF2B5EF4-FFF2-40B4-BE49-F238E27FC236}">
+                <a16:creationId xmlns:a16="http://schemas.microsoft.com/office/drawing/2014/main" id="{93D8B485-B648-90F2-B377-BD2E2EA03D15}"/>
+              </a:ext>
+            </a:extLst>
+          </p:cNvPr>
+          <p:cNvSpPr txBox="1"/>
+          <p:nvPr/>
+        </p:nvSpPr>
+        <p:spPr>
+          <a:xfrm>
+            <a:off x="600334" y="4854641"/>
+            <a:ext cx="2964246" cy="338554"/>
+          </a:xfrm>
+          <a:prstGeom prst="rect">
+            <a:avLst/>
+          </a:prstGeom>
+          <a:noFill/>
+        </p:spPr>
+        <p:txBody>
+          <a:bodyPr wrap="square" rtlCol="0">
+            <a:spAutoFit/>
+          </a:bodyPr>
+          <a:lstStyle/>
+          <a:p>
+            <a:pPr algn="ctr"/>
+            <a:r>
+              <a:rPr lang="ko-KR" altLang="en-US" sz="1600" dirty="0">
+                <a:latin typeface="나눔스퀘어OTF_ac Bold" panose="020B0600000101010101" pitchFamily="34" charset="-127"/>
+                <a:ea typeface="나눔스퀘어OTF_ac Bold" panose="020B0600000101010101" pitchFamily="34" charset="-127"/>
+              </a:rPr>
+              <a:t>특징을 잡아내는 특성</a:t>
+            </a:r>
+          </a:p>
+        </p:txBody>
+      </p:sp>
+      <p:pic>
+        <p:nvPicPr>
+          <p:cNvPr id="60" name="Picture 59" descr="Shape, square&#10;&#10;Description automatically generated with medium confidence">
+            <a:extLst>
+              <a:ext uri="{FF2B5EF4-FFF2-40B4-BE49-F238E27FC236}">
+                <a16:creationId xmlns:a16="http://schemas.microsoft.com/office/drawing/2014/main" id="{98C04151-A2F9-4550-6F50-0AB2CF1BCFF1}"/>
+              </a:ext>
+            </a:extLst>
+          </p:cNvPr>
+          <p:cNvPicPr>
+            <a:picLocks noChangeAspect="1"/>
+          </p:cNvPicPr>
+          <p:nvPr/>
+        </p:nvPicPr>
+        <p:blipFill rotWithShape="1">
+          <a:blip r:embed="rId3">
+            <a:extLst>
+              <a:ext uri="{28A0092B-C50C-407E-A947-70E740481C1C}">
+                <a14:useLocalDpi xmlns:a14="http://schemas.microsoft.com/office/drawing/2010/main" val="0"/>
+              </a:ext>
+            </a:extLst>
+          </a:blip>
+          <a:srcRect l="440" t="-1493" r="50201" b="1493"/>
+          <a:stretch/>
+        </p:blipFill>
+        <p:spPr>
+          <a:xfrm>
+            <a:off x="8295106" y="1791793"/>
+            <a:ext cx="3633016" cy="3812516"/>
+          </a:xfrm>
+          <a:prstGeom prst="rect">
+            <a:avLst/>
+          </a:prstGeom>
+        </p:spPr>
+      </p:pic>
+    </p:spTree>
+    <p:extLst>
+      <p:ext uri="{BB962C8B-B14F-4D97-AF65-F5344CB8AC3E}">
+        <p14:creationId xmlns:p14="http://schemas.microsoft.com/office/powerpoint/2010/main" val="1275560111"/>
+      </p:ext>
+    </p:extLst>
+  </p:cSld>
+  <p:clrMapOvr>
+    <a:masterClrMapping/>
+  </p:clrMapOvr>
+</p:sld>
+</file>
+
+<file path=ppt/slides/slide16.xml><?xml version="1.0" encoding="utf-8"?>
+<p:sld xmlns:a="http://schemas.openxmlformats.org/drawingml/2006/main" xmlns:r="http://schemas.openxmlformats.org/officeDocument/2006/relationships" xmlns:p="http://schemas.openxmlformats.org/presentationml/2006/main">
+  <p:cSld>
+    <p:spTree>
+      <p:nvGrpSpPr>
+        <p:cNvPr id="1" name=""/>
+        <p:cNvGrpSpPr/>
+        <p:nvPr/>
+      </p:nvGrpSpPr>
+      <p:grpSpPr>
+        <a:xfrm>
+          <a:off x="0" y="0"/>
+          <a:ext cx="0" cy="0"/>
+          <a:chOff x="0" y="0"/>
+          <a:chExt cx="0" cy="0"/>
+        </a:xfrm>
+      </p:grpSpPr>
       <p:cxnSp>
         <p:nvCxnSpPr>
-          <p:cNvPr id="61" name="직선 연결선 60">
-            <a:extLst>
-              <a:ext uri="{FF2B5EF4-FFF2-40B4-BE49-F238E27FC236}">
-                <a16:creationId xmlns:a16="http://schemas.microsoft.com/office/drawing/2014/main" id="{4129F7E3-5825-512C-4D02-4C4501FE9D10}"/>
-              </a:ext>
-            </a:extLst>
-          </p:cNvPr>
-          <p:cNvCxnSpPr>
-            <a:cxnSpLocks/>
-          </p:cNvCxnSpPr>
+          <p:cNvPr id="13" name="직선 연결선 12">
+            <a:extLst>
+              <a:ext uri="{FF2B5EF4-FFF2-40B4-BE49-F238E27FC236}">
+                <a16:creationId xmlns:a16="http://schemas.microsoft.com/office/drawing/2014/main" id="{4D2D5B34-8DEC-ADFC-BA09-508C2DC46B15}"/>
+              </a:ext>
+            </a:extLst>
+          </p:cNvPr>
+          <p:cNvCxnSpPr/>
           <p:nvPr/>
         </p:nvCxnSpPr>
         <p:spPr>
           <a:xfrm>
-            <a:off x="6094334" y="937830"/>
-            <a:ext cx="0" cy="5360000"/>
+            <a:off x="435429" y="901935"/>
+            <a:ext cx="11190514" cy="0"/>
           </a:xfrm>
           <a:prstGeom prst="line">
             <a:avLst/>
@@ -9830,10 +10085,10 @@
       </p:cxnSp>
       <p:sp>
         <p:nvSpPr>
-          <p:cNvPr id="62" name="TextBox 61">
-            <a:extLst>
-              <a:ext uri="{FF2B5EF4-FFF2-40B4-BE49-F238E27FC236}">
-                <a16:creationId xmlns:a16="http://schemas.microsoft.com/office/drawing/2014/main" id="{95BED376-072A-B3D2-CE44-97455859FC7E}"/>
+          <p:cNvPr id="14" name="TextBox 13">
+            <a:extLst>
+              <a:ext uri="{FF2B5EF4-FFF2-40B4-BE49-F238E27FC236}">
+                <a16:creationId xmlns:a16="http://schemas.microsoft.com/office/drawing/2014/main" id="{25725661-C888-6994-A816-2DA19B690930}"/>
               </a:ext>
             </a:extLst>
           </p:cNvPr>
@@ -9842,7 +10097,7 @@
         </p:nvSpPr>
         <p:spPr>
           <a:xfrm>
-            <a:off x="1647965" y="1880283"/>
+            <a:off x="4612211" y="432178"/>
             <a:ext cx="2964246" cy="461665"/>
           </a:xfrm>
           <a:prstGeom prst="rect">
@@ -9857,33 +10112,29 @@
           <a:lstStyle/>
           <a:p>
             <a:pPr algn="ctr"/>
+            <a:r>
+              <a:rPr lang="en-US" altLang="ko-KR" sz="2400" dirty="0">
+                <a:latin typeface="나눔스퀘어OTF_ac Bold" panose="020B0600000101010101" pitchFamily="34" charset="-127"/>
+                <a:ea typeface="나눔스퀘어OTF_ac Bold" panose="020B0600000101010101" pitchFamily="34" charset="-127"/>
+              </a:rPr>
+              <a:t>Model </a:t>
+            </a:r>
             <a:r>
               <a:rPr lang="ko-KR" altLang="en-US" sz="2400" dirty="0">
                 <a:latin typeface="나눔스퀘어OTF_ac Bold" panose="020B0600000101010101" pitchFamily="34" charset="-127"/>
                 <a:ea typeface="나눔스퀘어OTF_ac Bold" panose="020B0600000101010101" pitchFamily="34" charset="-127"/>
               </a:rPr>
-              <a:t>일반적인 </a:t>
-            </a:r>
-            <a:r>
-              <a:rPr lang="en-US" altLang="ko-KR" sz="2400" dirty="0">
-                <a:latin typeface="나눔스퀘어OTF_ac Bold" panose="020B0600000101010101" pitchFamily="34" charset="-127"/>
-                <a:ea typeface="나눔스퀘어OTF_ac Bold" panose="020B0600000101010101" pitchFamily="34" charset="-127"/>
-              </a:rPr>
-              <a:t>CNN</a:t>
-            </a:r>
-            <a:endParaRPr lang="ko-KR" altLang="en-US" sz="2400" dirty="0">
-              <a:latin typeface="나눔스퀘어OTF_ac Bold" panose="020B0600000101010101" pitchFamily="34" charset="-127"/>
-              <a:ea typeface="나눔스퀘어OTF_ac Bold" panose="020B0600000101010101" pitchFamily="34" charset="-127"/>
-            </a:endParaRPr>
-          </a:p>
-        </p:txBody>
-      </p:sp>
-      <p:sp>
-        <p:nvSpPr>
-          <p:cNvPr id="63" name="TextBox 62">
-            <a:extLst>
-              <a:ext uri="{FF2B5EF4-FFF2-40B4-BE49-F238E27FC236}">
-                <a16:creationId xmlns:a16="http://schemas.microsoft.com/office/drawing/2014/main" id="{30F5E8FB-498E-EC04-2057-346CFC50AE6B}"/>
+              <a:t>성능평가</a:t>
+            </a:r>
+          </a:p>
+        </p:txBody>
+      </p:sp>
+      <p:sp>
+        <p:nvSpPr>
+          <p:cNvPr id="15" name="TextBox 14">
+            <a:extLst>
+              <a:ext uri="{FF2B5EF4-FFF2-40B4-BE49-F238E27FC236}">
+                <a16:creationId xmlns:a16="http://schemas.microsoft.com/office/drawing/2014/main" id="{CC2E4A72-69D2-18E9-770F-69E13B8A5168}"/>
               </a:ext>
             </a:extLst>
           </p:cNvPr>
@@ -9892,51 +10143,8 @@
         </p:nvSpPr>
         <p:spPr>
           <a:xfrm>
-            <a:off x="7341905" y="1880283"/>
-            <a:ext cx="2964246" cy="461665"/>
-          </a:xfrm>
-          <a:prstGeom prst="rect">
-            <a:avLst/>
-          </a:prstGeom>
-          <a:noFill/>
-        </p:spPr>
-        <p:txBody>
-          <a:bodyPr wrap="square" rtlCol="0">
-            <a:spAutoFit/>
-          </a:bodyPr>
-          <a:lstStyle/>
-          <a:p>
-            <a:pPr algn="ctr"/>
-            <a:r>
-              <a:rPr lang="en-US" altLang="ko-KR" sz="2400" dirty="0">
-                <a:latin typeface="나눔스퀘어OTF_ac Bold" panose="020B0600000101010101" pitchFamily="34" charset="-127"/>
-                <a:ea typeface="나눔스퀘어OTF_ac Bold" panose="020B0600000101010101" pitchFamily="34" charset="-127"/>
-              </a:rPr>
-              <a:t>Regression</a:t>
-            </a:r>
-            <a:endParaRPr lang="ko-KR" altLang="en-US" sz="2400" dirty="0">
-              <a:latin typeface="나눔스퀘어OTF_ac Bold" panose="020B0600000101010101" pitchFamily="34" charset="-127"/>
-              <a:ea typeface="나눔스퀘어OTF_ac Bold" panose="020B0600000101010101" pitchFamily="34" charset="-127"/>
-            </a:endParaRPr>
-          </a:p>
-        </p:txBody>
-      </p:sp>
-      <p:sp>
-        <p:nvSpPr>
-          <p:cNvPr id="1024" name="TextBox 1023">
-            <a:extLst>
-              <a:ext uri="{FF2B5EF4-FFF2-40B4-BE49-F238E27FC236}">
-                <a16:creationId xmlns:a16="http://schemas.microsoft.com/office/drawing/2014/main" id="{B82099E4-B7EB-5FAE-83CF-3E85EAD09FCE}"/>
-              </a:ext>
-            </a:extLst>
-          </p:cNvPr>
-          <p:cNvSpPr txBox="1"/>
-          <p:nvPr/>
-        </p:nvSpPr>
-        <p:spPr>
-          <a:xfrm>
-            <a:off x="7341905" y="4724155"/>
-            <a:ext cx="2964246" cy="338554"/>
+            <a:off x="5340350" y="93624"/>
+            <a:ext cx="1507968" cy="338554"/>
           </a:xfrm>
           <a:prstGeom prst="rect">
             <a:avLst/>
@@ -9955,14 +10163,7 @@
                 <a:latin typeface="나눔스퀘어OTF_ac Bold" panose="020B0600000101010101" pitchFamily="34" charset="-127"/>
                 <a:ea typeface="나눔스퀘어OTF_ac Bold" panose="020B0600000101010101" pitchFamily="34" charset="-127"/>
               </a:rPr>
-              <a:t>Stride =1, </a:t>
-            </a:r>
-            <a:r>
-              <a:rPr lang="en-US" altLang="ko-KR" sz="1600" dirty="0" err="1">
-                <a:latin typeface="나눔스퀘어OTF_ac Bold" panose="020B0600000101010101" pitchFamily="34" charset="-127"/>
-                <a:ea typeface="나눔스퀘어OTF_ac Bold" panose="020B0600000101010101" pitchFamily="34" charset="-127"/>
-              </a:rPr>
-              <a:t>max_pooling</a:t>
+              <a:t>How</a:t>
             </a:r>
             <a:endParaRPr lang="ko-KR" altLang="en-US" sz="1600" dirty="0">
               <a:latin typeface="나눔스퀘어OTF_ac Bold" panose="020B0600000101010101" pitchFamily="34" charset="-127"/>
@@ -9971,55 +10172,56 @@
           </a:p>
         </p:txBody>
       </p:sp>
-      <p:sp>
-        <p:nvSpPr>
-          <p:cNvPr id="1025" name="TextBox 1024">
-            <a:extLst>
-              <a:ext uri="{FF2B5EF4-FFF2-40B4-BE49-F238E27FC236}">
-                <a16:creationId xmlns:a16="http://schemas.microsoft.com/office/drawing/2014/main" id="{8FC24859-879E-9DAF-BD52-8D33AD65A8B5}"/>
-              </a:ext>
-            </a:extLst>
-          </p:cNvPr>
-          <p:cNvSpPr txBox="1"/>
-          <p:nvPr/>
-        </p:nvSpPr>
-        <p:spPr>
-          <a:xfrm>
-            <a:off x="9110055" y="3122091"/>
-            <a:ext cx="770572" cy="261610"/>
-          </a:xfrm>
-          <a:prstGeom prst="rect">
-            <a:avLst/>
-          </a:prstGeom>
-          <a:noFill/>
-        </p:spPr>
-        <p:txBody>
-          <a:bodyPr wrap="square" rtlCol="0">
-            <a:spAutoFit/>
-          </a:bodyPr>
-          <a:lstStyle/>
-          <a:p>
-            <a:pPr algn="ctr"/>
-            <a:r>
-              <a:rPr lang="en-US" altLang="ko-KR" sz="1100" dirty="0">
-                <a:latin typeface="나눔스퀘어OTF_ac Bold" panose="020B0600000101010101" pitchFamily="34" charset="-127"/>
-                <a:ea typeface="나눔스퀘어OTF_ac Bold" panose="020B0600000101010101" pitchFamily="34" charset="-127"/>
-              </a:rPr>
-              <a:t>flatten</a:t>
-            </a:r>
-            <a:endParaRPr lang="ko-KR" altLang="en-US" sz="1100" dirty="0">
-              <a:latin typeface="나눔스퀘어OTF_ac Bold" panose="020B0600000101010101" pitchFamily="34" charset="-127"/>
-              <a:ea typeface="나눔스퀘어OTF_ac Bold" panose="020B0600000101010101" pitchFamily="34" charset="-127"/>
-            </a:endParaRPr>
-          </a:p>
-        </p:txBody>
-      </p:sp>
-      <p:sp>
-        <p:nvSpPr>
-          <p:cNvPr id="1027" name="타원 1026">
-            <a:extLst>
-              <a:ext uri="{FF2B5EF4-FFF2-40B4-BE49-F238E27FC236}">
-                <a16:creationId xmlns:a16="http://schemas.microsoft.com/office/drawing/2014/main" id="{01CE6EE8-5909-B781-9425-5EE8EB775086}"/>
+      <p:cxnSp>
+        <p:nvCxnSpPr>
+          <p:cNvPr id="26" name="직선 연결선 25">
+            <a:extLst>
+              <a:ext uri="{FF2B5EF4-FFF2-40B4-BE49-F238E27FC236}">
+                <a16:creationId xmlns:a16="http://schemas.microsoft.com/office/drawing/2014/main" id="{91F51CDE-BB09-0D41-B0C7-3AD3680AFE7D}"/>
+              </a:ext>
+            </a:extLst>
+          </p:cNvPr>
+          <p:cNvCxnSpPr/>
+          <p:nvPr/>
+        </p:nvCxnSpPr>
+        <p:spPr>
+          <a:xfrm>
+            <a:off x="435429" y="6470885"/>
+            <a:ext cx="11190514" cy="0"/>
+          </a:xfrm>
+          <a:prstGeom prst="line">
+            <a:avLst/>
+          </a:prstGeom>
+          <a:ln w="9525">
+            <a:solidFill>
+              <a:schemeClr val="tx1">
+                <a:lumMod val="65000"/>
+                <a:lumOff val="35000"/>
+              </a:schemeClr>
+            </a:solidFill>
+          </a:ln>
+        </p:spPr>
+        <p:style>
+          <a:lnRef idx="1">
+            <a:schemeClr val="accent1"/>
+          </a:lnRef>
+          <a:fillRef idx="0">
+            <a:schemeClr val="accent1"/>
+          </a:fillRef>
+          <a:effectRef idx="0">
+            <a:schemeClr val="accent1"/>
+          </a:effectRef>
+          <a:fontRef idx="minor">
+            <a:schemeClr val="tx1"/>
+          </a:fontRef>
+        </p:style>
+      </p:cxnSp>
+      <p:sp>
+        <p:nvSpPr>
+          <p:cNvPr id="5" name="타원 4">
+            <a:extLst>
+              <a:ext uri="{FF2B5EF4-FFF2-40B4-BE49-F238E27FC236}">
+                <a16:creationId xmlns:a16="http://schemas.microsoft.com/office/drawing/2014/main" id="{D525DA3C-F766-F08B-231D-66DA83AA4FB8}"/>
               </a:ext>
             </a:extLst>
           </p:cNvPr>
@@ -10070,10 +10272,10 @@
       </p:sp>
       <p:sp>
         <p:nvSpPr>
-          <p:cNvPr id="1028" name="타원 1027">
-            <a:extLst>
-              <a:ext uri="{FF2B5EF4-FFF2-40B4-BE49-F238E27FC236}">
-                <a16:creationId xmlns:a16="http://schemas.microsoft.com/office/drawing/2014/main" id="{ACAAC001-64ED-CC74-2F3C-57B7F266BCCC}"/>
+          <p:cNvPr id="6" name="타원 5">
+            <a:extLst>
+              <a:ext uri="{FF2B5EF4-FFF2-40B4-BE49-F238E27FC236}">
+                <a16:creationId xmlns:a16="http://schemas.microsoft.com/office/drawing/2014/main" id="{8E972525-C5AF-6EA7-12D8-2E2098203C0E}"/>
               </a:ext>
             </a:extLst>
           </p:cNvPr>
@@ -10124,10 +10326,10 @@
       </p:sp>
       <p:sp>
         <p:nvSpPr>
-          <p:cNvPr id="1029" name="타원 1028">
-            <a:extLst>
-              <a:ext uri="{FF2B5EF4-FFF2-40B4-BE49-F238E27FC236}">
-                <a16:creationId xmlns:a16="http://schemas.microsoft.com/office/drawing/2014/main" id="{9F6678F9-D3E7-C3EF-FCAC-95E96985DDC7}"/>
+          <p:cNvPr id="7" name="타원 6">
+            <a:extLst>
+              <a:ext uri="{FF2B5EF4-FFF2-40B4-BE49-F238E27FC236}">
+                <a16:creationId xmlns:a16="http://schemas.microsoft.com/office/drawing/2014/main" id="{E5ABF6B0-3C49-5FB7-37DC-211ACE077CD5}"/>
               </a:ext>
             </a:extLst>
           </p:cNvPr>
@@ -10178,10 +10380,10 @@
       </p:sp>
       <p:sp>
         <p:nvSpPr>
-          <p:cNvPr id="1030" name="타원 1029">
-            <a:extLst>
-              <a:ext uri="{FF2B5EF4-FFF2-40B4-BE49-F238E27FC236}">
-                <a16:creationId xmlns:a16="http://schemas.microsoft.com/office/drawing/2014/main" id="{68EE3D03-76D8-2028-4358-99B5B13350CA}"/>
+          <p:cNvPr id="8" name="타원 7">
+            <a:extLst>
+              <a:ext uri="{FF2B5EF4-FFF2-40B4-BE49-F238E27FC236}">
+                <a16:creationId xmlns:a16="http://schemas.microsoft.com/office/drawing/2014/main" id="{84215786-8CEC-1092-0304-82956087F3D2}"/>
               </a:ext>
             </a:extLst>
           </p:cNvPr>
@@ -10227,10 +10429,10 @@
       </p:sp>
       <p:sp>
         <p:nvSpPr>
-          <p:cNvPr id="1031" name="타원 1030">
-            <a:extLst>
-              <a:ext uri="{FF2B5EF4-FFF2-40B4-BE49-F238E27FC236}">
-                <a16:creationId xmlns:a16="http://schemas.microsoft.com/office/drawing/2014/main" id="{8F028F7A-1C72-B5AF-A512-8C79B38EEFFA}"/>
+          <p:cNvPr id="9" name="타원 8">
+            <a:extLst>
+              <a:ext uri="{FF2B5EF4-FFF2-40B4-BE49-F238E27FC236}">
+                <a16:creationId xmlns:a16="http://schemas.microsoft.com/office/drawing/2014/main" id="{E7643FEE-108E-BBE4-F94D-EB42C7B32169}"/>
               </a:ext>
             </a:extLst>
           </p:cNvPr>
@@ -10279,49 +10481,46 @@
           </a:p>
         </p:txBody>
       </p:sp>
-      <p:sp>
-        <p:nvSpPr>
-          <p:cNvPr id="1032" name="TextBox 1031">
-            <a:extLst>
-              <a:ext uri="{FF2B5EF4-FFF2-40B4-BE49-F238E27FC236}">
-                <a16:creationId xmlns:a16="http://schemas.microsoft.com/office/drawing/2014/main" id="{93D8B485-B648-90F2-B377-BD2E2EA03D15}"/>
-              </a:ext>
-            </a:extLst>
-          </p:cNvPr>
-          <p:cNvSpPr txBox="1"/>
-          <p:nvPr/>
-        </p:nvSpPr>
-        <p:spPr>
-          <a:xfrm>
-            <a:off x="1647965" y="4724155"/>
-            <a:ext cx="2964246" cy="338554"/>
+      <p:pic>
+        <p:nvPicPr>
+          <p:cNvPr id="11" name="Picture 10" descr="Chart, bar chart&#10;&#10;Description automatically generated">
+            <a:extLst>
+              <a:ext uri="{FF2B5EF4-FFF2-40B4-BE49-F238E27FC236}">
+                <a16:creationId xmlns:a16="http://schemas.microsoft.com/office/drawing/2014/main" id="{62DBAB3F-116A-FE17-7CE8-BDD10E9DD47D}"/>
+              </a:ext>
+            </a:extLst>
+          </p:cNvPr>
+          <p:cNvPicPr>
+            <a:picLocks noChangeAspect="1"/>
+          </p:cNvPicPr>
+          <p:nvPr/>
+        </p:nvPicPr>
+        <p:blipFill>
+          <a:blip r:embed="rId2">
+            <a:extLst>
+              <a:ext uri="{28A0092B-C50C-407E-A947-70E740481C1C}">
+                <a14:useLocalDpi xmlns:a14="http://schemas.microsoft.com/office/drawing/2010/main" val="0"/>
+              </a:ext>
+            </a:extLst>
+          </a:blip>
+          <a:stretch>
+            <a:fillRect/>
+          </a:stretch>
+        </p:blipFill>
+        <p:spPr>
+          <a:xfrm>
+            <a:off x="2767323" y="1287699"/>
+            <a:ext cx="6526725" cy="4797422"/>
           </a:xfrm>
           <a:prstGeom prst="rect">
             <a:avLst/>
           </a:prstGeom>
-          <a:noFill/>
-        </p:spPr>
-        <p:txBody>
-          <a:bodyPr wrap="square" rtlCol="0">
-            <a:spAutoFit/>
-          </a:bodyPr>
-          <a:lstStyle/>
-          <a:p>
-            <a:pPr algn="ctr"/>
-            <a:r>
-              <a:rPr lang="ko-KR" altLang="en-US" sz="1600" dirty="0">
-                <a:latin typeface="나눔스퀘어OTF_ac Bold" panose="020B0600000101010101" pitchFamily="34" charset="-127"/>
-                <a:ea typeface="나눔스퀘어OTF_ac Bold" panose="020B0600000101010101" pitchFamily="34" charset="-127"/>
-              </a:rPr>
-              <a:t>특징을 잡아내는 특성</a:t>
-            </a:r>
-          </a:p>
-        </p:txBody>
-      </p:sp>
+        </p:spPr>
+      </p:pic>
     </p:spTree>
     <p:extLst>
       <p:ext uri="{BB962C8B-B14F-4D97-AF65-F5344CB8AC3E}">
-        <p14:creationId xmlns:p14="http://schemas.microsoft.com/office/powerpoint/2010/main" val="1275560111"/>
+        <p14:creationId xmlns:p14="http://schemas.microsoft.com/office/powerpoint/2010/main" val="2422736286"/>
       </p:ext>
     </p:extLst>
   </p:cSld>
@@ -10985,7 +11184,7 @@
         <p:spPr>
           <a:xfrm>
             <a:off x="1320800" y="1905506"/>
-            <a:ext cx="9550400" cy="3046988"/>
+            <a:ext cx="9550400" cy="3785652"/>
           </a:xfrm>
           <a:prstGeom prst="rect">
             <a:avLst/>
@@ -11011,88 +11210,11 @@
             <a:pPr algn="l"/>
             <a:r>
               <a:rPr lang="en-US" altLang="ko-KR" sz="2400" dirty="0"/>
-              <a:t>1.</a:t>
+              <a:t>-  </a:t>
             </a:r>
             <a:r>
               <a:rPr lang="ko-KR" altLang="en-US" sz="2400" dirty="0"/>
-              <a:t>공동주택 신규공급 시 주거면적 외 선택사항으로 주차장면적 별도 공급이 필요하다</a:t>
-            </a:r>
-          </a:p>
-          <a:p>
-            <a:pPr algn="l"/>
-            <a:r>
-              <a:rPr lang="en-US" altLang="ko-KR" sz="2400" dirty="0"/>
-              <a:t>2.</a:t>
-            </a:r>
-            <a:r>
-              <a:rPr lang="ko-KR" altLang="en-US" sz="2400" dirty="0"/>
-              <a:t>공동주택의 법정주차대수를 전용면적기준과 상관없이 세대당 1대 이상으로 강화할 </a:t>
-            </a:r>
-            <a:r>
-              <a:rPr lang="ko-KR" altLang="en-US" sz="2400"/>
-              <a:t>필요가 있다</a:t>
-            </a:r>
-            <a:r>
-              <a:rPr lang="en-US" altLang="ko-KR" sz="2400" dirty="0"/>
-              <a:t>( </a:t>
-            </a:r>
-            <a:r>
-              <a:rPr lang="en-US" altLang="ko-KR" sz="2400"/>
-              <a:t>ex)세대당</a:t>
-            </a:r>
-            <a:r>
-              <a:rPr lang="en-US" altLang="ko-KR" sz="2400" dirty="0"/>
-              <a:t> 1.5</a:t>
-            </a:r>
-            <a:r>
-              <a:rPr lang="en-US" altLang="ko-KR" sz="2400"/>
-              <a:t>대 이하 아파트에</a:t>
-            </a:r>
-            <a:r>
-              <a:rPr lang="en-US" altLang="ko-KR" sz="2400" dirty="0"/>
-              <a:t> 3~4</a:t>
-            </a:r>
-            <a:r>
-              <a:rPr lang="en-US" altLang="ko-KR" sz="2400"/>
-              <a:t>대 차량 등록은 </a:t>
-            </a:r>
-            <a:r>
-              <a:rPr lang="ko-KR" altLang="en-US" sz="2400"/>
-              <a:t>막아야한다</a:t>
-            </a:r>
-            <a:r>
-              <a:rPr lang="en-US" altLang="ko-KR" sz="2400" dirty="0"/>
-              <a:t>.)</a:t>
-            </a:r>
-          </a:p>
-          <a:p>
-            <a:pPr algn="l"/>
-            <a:r>
-              <a:rPr lang="en-US" altLang="ko-KR" sz="2400" dirty="0"/>
-              <a:t>3 .</a:t>
-            </a:r>
-            <a:r>
-              <a:rPr lang="ko-KR" altLang="en-US" sz="2400" dirty="0"/>
-              <a:t> 최소한의 면적을 차지하며 많은 차고지를 </a:t>
-            </a:r>
-            <a:r>
-              <a:rPr lang="ko-KR" altLang="en-US" sz="2400" dirty="0" err="1"/>
-              <a:t>보유할수</a:t>
-            </a:r>
-            <a:r>
-              <a:rPr lang="ko-KR" altLang="en-US" sz="2400" dirty="0"/>
-              <a:t> 있는</a:t>
-            </a:r>
-          </a:p>
-          <a:p>
-            <a:pPr algn="l"/>
-            <a:r>
-              <a:rPr lang="ko-KR" altLang="en-US" sz="2400" err="1"/>
-              <a:t>주차타워등의</a:t>
-            </a:r>
-            <a:r>
-              <a:rPr lang="ko-KR" altLang="en-US" sz="2400"/>
-              <a:t> 건설</a:t>
+              <a:t>공동주택 신규공급 시</a:t>
             </a:r>
             <a:r>
               <a:rPr lang="en-US" altLang="ko-KR" sz="2400" dirty="0"/>
@@ -11100,34 +11222,103 @@
             </a:r>
             <a:r>
               <a:rPr lang="ko-KR" altLang="en-US" sz="2400" dirty="0"/>
-              <a:t> 공원의 지하를 이용한 주차시설 재건 등</a:t>
-            </a:r>
+              <a:t> 주거면적 외 개별 주차면적 수요조사 필요</a:t>
+            </a:r>
+            <a:endParaRPr lang="en-US" altLang="ko-KR" sz="2400" dirty="0"/>
           </a:p>
           <a:p>
             <a:pPr algn="l"/>
+            <a:endParaRPr lang="en-US" altLang="ko-KR" sz="2400" dirty="0"/>
+          </a:p>
+          <a:p>
+            <a:pPr marL="342900" indent="-342900" algn="l">
+              <a:buFontTx/>
+              <a:buChar char="-"/>
+            </a:pPr>
+            <a:r>
+              <a:rPr lang="ko-KR" altLang="en-US" sz="2400" dirty="0"/>
+              <a:t>공동주택의 법정주차대수를</a:t>
+            </a:r>
             <a:r>
               <a:rPr lang="en-US" altLang="ko-KR" sz="2400" dirty="0"/>
-              <a:t>4.</a:t>
+              <a:t>,</a:t>
             </a:r>
             <a:r>
               <a:rPr lang="ko-KR" altLang="en-US" sz="2400" dirty="0"/>
-              <a:t> 지역의 배정 </a:t>
-            </a:r>
-            <a:r>
-              <a:rPr lang="ko-KR" altLang="en-US" sz="2400" dirty="0" err="1"/>
-              <a:t>차고지</a:t>
+              <a:t> 전용면적기준과 상관없이</a:t>
+            </a:r>
+            <a:endParaRPr lang="en-US" altLang="ko-KR" sz="2400" dirty="0"/>
+          </a:p>
+          <a:p>
+            <a:pPr algn="l"/>
+            <a:r>
+              <a:rPr lang="en-US" altLang="ko-KR" sz="2400" dirty="0"/>
+              <a:t>   </a:t>
             </a:r>
             <a:r>
               <a:rPr lang="ko-KR" altLang="en-US" sz="2400" dirty="0"/>
-              <a:t> </a:t>
-            </a:r>
-            <a:r>
-              <a:rPr lang="ko-KR" altLang="en-US" sz="2400" dirty="0" err="1"/>
-              <a:t>등록없이는</a:t>
-            </a:r>
+              <a:t>세대당 요구 주차량에 맞게 할당</a:t>
+            </a:r>
+            <a:endParaRPr lang="en-US" altLang="ko-KR" sz="2400" dirty="0"/>
+          </a:p>
+          <a:p>
+            <a:pPr algn="l"/>
+            <a:endParaRPr lang="en-US" altLang="ko-KR" sz="2400" dirty="0"/>
+          </a:p>
+          <a:p>
+            <a:pPr marL="342900" indent="-342900" algn="l">
+              <a:buFontTx/>
+              <a:buChar char="-"/>
+            </a:pPr>
             <a:r>
               <a:rPr lang="ko-KR" altLang="en-US" sz="2400" dirty="0"/>
-              <a:t> 신규 차량 소유하지 못하도록 하는 법안 제정</a:t>
+              <a:t>지자체 배정 차고지의 여유량이 부족할 시</a:t>
+            </a:r>
+            <a:r>
+              <a:rPr lang="en-US" altLang="ko-KR" sz="2400" dirty="0"/>
+              <a:t>,</a:t>
+            </a:r>
+            <a:r>
+              <a:rPr lang="ko-KR" altLang="en-US" sz="2400" dirty="0"/>
+              <a:t> 순차적으로</a:t>
+            </a:r>
+            <a:endParaRPr lang="en-US" altLang="ko-KR" sz="2400" dirty="0"/>
+          </a:p>
+          <a:p>
+            <a:pPr algn="l"/>
+            <a:r>
+              <a:rPr lang="en-US" altLang="ko-KR" sz="2400" dirty="0"/>
+              <a:t>   </a:t>
+            </a:r>
+            <a:r>
+              <a:rPr lang="ko-KR" altLang="en-US" sz="2400" dirty="0"/>
+              <a:t>신규 차량 등록을 허가하는 차량등록법안 제정 고려 </a:t>
+            </a:r>
+            <a:endParaRPr lang="en-US" altLang="ko-KR" sz="2400" dirty="0"/>
+          </a:p>
+          <a:p>
+            <a:pPr algn="l"/>
+            <a:endParaRPr lang="en-US" altLang="ko-KR" sz="2400" dirty="0"/>
+          </a:p>
+          <a:p>
+            <a:pPr marL="342900" indent="-342900" algn="l">
+              <a:buFontTx/>
+              <a:buChar char="-"/>
+            </a:pPr>
+            <a:r>
+              <a:rPr lang="ko-KR" altLang="en-US" sz="2400" dirty="0"/>
+              <a:t>적은 면적대비 많은 주차대수를 가진 시설</a:t>
+            </a:r>
+            <a:r>
+              <a:rPr lang="en-US" altLang="ko-KR" sz="2400" dirty="0"/>
+              <a:t>,</a:t>
+            </a:r>
+          </a:p>
+          <a:p>
+            <a:pPr algn="l"/>
+            <a:r>
+              <a:rPr lang="ko-KR" altLang="en-US" sz="2400" dirty="0"/>
+              <a:t>   공공시설의 지하면적을 활용한 지하 주차 시설등 재건 필요</a:t>
             </a:r>
           </a:p>
         </p:txBody>
@@ -11985,6 +12176,547 @@
           <a:p>
             <a:pPr algn="ctr"/>
             <a:endParaRPr lang="ko-KR" altLang="en-US"/>
+          </a:p>
+        </p:txBody>
+      </p:sp>
+      <p:sp>
+        <p:nvSpPr>
+          <p:cNvPr id="12" name="Rectangle: Rounded Corners 11">
+            <a:extLst>
+              <a:ext uri="{FF2B5EF4-FFF2-40B4-BE49-F238E27FC236}">
+                <a16:creationId xmlns:a16="http://schemas.microsoft.com/office/drawing/2014/main" id="{8983985A-F2A9-5FD5-0299-648BB66353DA}"/>
+              </a:ext>
+            </a:extLst>
+          </p:cNvPr>
+          <p:cNvSpPr/>
+          <p:nvPr/>
+        </p:nvSpPr>
+        <p:spPr>
+          <a:xfrm>
+            <a:off x="1348292" y="1737698"/>
+            <a:ext cx="2678654" cy="1581374"/>
+          </a:xfrm>
+          <a:prstGeom prst="roundRect">
+            <a:avLst/>
+          </a:prstGeom>
+          <a:solidFill>
+            <a:schemeClr val="bg2">
+              <a:lumMod val="75000"/>
+            </a:schemeClr>
+          </a:solidFill>
+          <a:ln>
+            <a:noFill/>
+          </a:ln>
+        </p:spPr>
+        <p:style>
+          <a:lnRef idx="2">
+            <a:schemeClr val="accent1">
+              <a:shade val="50000"/>
+            </a:schemeClr>
+          </a:lnRef>
+          <a:fillRef idx="1">
+            <a:schemeClr val="accent1"/>
+          </a:fillRef>
+          <a:effectRef idx="0">
+            <a:schemeClr val="accent1"/>
+          </a:effectRef>
+          <a:fontRef idx="minor">
+            <a:schemeClr val="lt1"/>
+          </a:fontRef>
+        </p:style>
+        <p:txBody>
+          <a:bodyPr rtlCol="0" anchor="ctr"/>
+          <a:lstStyle/>
+          <a:p>
+            <a:pPr algn="ctr"/>
+            <a:r>
+              <a:rPr lang="ko-KR" altLang="en-US" dirty="0">
+                <a:latin typeface="나눔스퀘어OTF_ac" panose="020B0600000101010101" pitchFamily="34" charset="-127"/>
+                <a:ea typeface="나눔스퀘어OTF_ac" panose="020B0600000101010101" pitchFamily="34" charset="-127"/>
+              </a:rPr>
+              <a:t>신규주택 공급 시</a:t>
+            </a:r>
+            <a:endParaRPr lang="en-US" altLang="ko-KR" dirty="0">
+              <a:latin typeface="나눔스퀘어OTF_ac" panose="020B0600000101010101" pitchFamily="34" charset="-127"/>
+              <a:ea typeface="나눔스퀘어OTF_ac" panose="020B0600000101010101" pitchFamily="34" charset="-127"/>
+            </a:endParaRPr>
+          </a:p>
+          <a:p>
+            <a:pPr algn="ctr"/>
+            <a:r>
+              <a:rPr lang="ko-KR" altLang="en-US" dirty="0">
+                <a:latin typeface="나눔스퀘어OTF_ac" panose="020B0600000101010101" pitchFamily="34" charset="-127"/>
+                <a:ea typeface="나눔스퀘어OTF_ac" panose="020B0600000101010101" pitchFamily="34" charset="-127"/>
+              </a:rPr>
+              <a:t>주차공간 수요 예측</a:t>
+            </a:r>
+            <a:endParaRPr lang="en-US" altLang="ko-KR" dirty="0">
+              <a:latin typeface="나눔스퀘어OTF_ac" panose="020B0600000101010101" pitchFamily="34" charset="-127"/>
+              <a:ea typeface="나눔스퀘어OTF_ac" panose="020B0600000101010101" pitchFamily="34" charset="-127"/>
+            </a:endParaRPr>
+          </a:p>
+        </p:txBody>
+      </p:sp>
+      <p:sp>
+        <p:nvSpPr>
+          <p:cNvPr id="13" name="Rectangle: Rounded Corners 12">
+            <a:extLst>
+              <a:ext uri="{FF2B5EF4-FFF2-40B4-BE49-F238E27FC236}">
+                <a16:creationId xmlns:a16="http://schemas.microsoft.com/office/drawing/2014/main" id="{E169C93C-6293-DA15-6EC0-959253F7B137}"/>
+              </a:ext>
+            </a:extLst>
+          </p:cNvPr>
+          <p:cNvSpPr/>
+          <p:nvPr/>
+        </p:nvSpPr>
+        <p:spPr>
+          <a:xfrm>
+            <a:off x="1348292" y="4053748"/>
+            <a:ext cx="2678654" cy="1581374"/>
+          </a:xfrm>
+          <a:prstGeom prst="roundRect">
+            <a:avLst/>
+          </a:prstGeom>
+          <a:solidFill>
+            <a:schemeClr val="bg2">
+              <a:lumMod val="75000"/>
+            </a:schemeClr>
+          </a:solidFill>
+          <a:ln>
+            <a:noFill/>
+          </a:ln>
+        </p:spPr>
+        <p:style>
+          <a:lnRef idx="2">
+            <a:schemeClr val="accent1">
+              <a:shade val="50000"/>
+            </a:schemeClr>
+          </a:lnRef>
+          <a:fillRef idx="1">
+            <a:schemeClr val="accent1"/>
+          </a:fillRef>
+          <a:effectRef idx="0">
+            <a:schemeClr val="accent1"/>
+          </a:effectRef>
+          <a:fontRef idx="minor">
+            <a:schemeClr val="lt1"/>
+          </a:fontRef>
+        </p:style>
+        <p:txBody>
+          <a:bodyPr rtlCol="0" anchor="ctr"/>
+          <a:lstStyle/>
+          <a:p>
+            <a:pPr algn="ctr"/>
+            <a:r>
+              <a:rPr lang="ko-KR" altLang="en-US" dirty="0">
+                <a:latin typeface="나눔스퀘어OTF_ac" panose="020B0600000101010101" pitchFamily="34" charset="-127"/>
+                <a:ea typeface="나눔스퀘어OTF_ac" panose="020B0600000101010101" pitchFamily="34" charset="-127"/>
+              </a:rPr>
+              <a:t>기존주택 정보를</a:t>
+            </a:r>
+            <a:endParaRPr lang="en-US" altLang="ko-KR" dirty="0">
+              <a:latin typeface="나눔스퀘어OTF_ac" panose="020B0600000101010101" pitchFamily="34" charset="-127"/>
+              <a:ea typeface="나눔스퀘어OTF_ac" panose="020B0600000101010101" pitchFamily="34" charset="-127"/>
+            </a:endParaRPr>
+          </a:p>
+          <a:p>
+            <a:pPr algn="ctr"/>
+            <a:r>
+              <a:rPr lang="ko-KR" altLang="en-US" dirty="0">
+                <a:latin typeface="나눔스퀘어OTF_ac" panose="020B0600000101010101" pitchFamily="34" charset="-127"/>
+                <a:ea typeface="나눔스퀘어OTF_ac" panose="020B0600000101010101" pitchFamily="34" charset="-127"/>
+              </a:rPr>
+              <a:t>기반으로 주차공간 </a:t>
+            </a:r>
+            <a:endParaRPr lang="en-US" altLang="ko-KR" dirty="0">
+              <a:latin typeface="나눔스퀘어OTF_ac" panose="020B0600000101010101" pitchFamily="34" charset="-127"/>
+              <a:ea typeface="나눔스퀘어OTF_ac" panose="020B0600000101010101" pitchFamily="34" charset="-127"/>
+            </a:endParaRPr>
+          </a:p>
+          <a:p>
+            <a:pPr algn="ctr"/>
+            <a:r>
+              <a:rPr lang="ko-KR" altLang="en-US" dirty="0">
+                <a:latin typeface="나눔스퀘어OTF_ac" panose="020B0600000101010101" pitchFamily="34" charset="-127"/>
+                <a:ea typeface="나눔스퀘어OTF_ac" panose="020B0600000101010101" pitchFamily="34" charset="-127"/>
+              </a:rPr>
+              <a:t>요구량 예측</a:t>
+            </a:r>
+            <a:endParaRPr lang="en-US" altLang="ko-KR" dirty="0">
+              <a:latin typeface="나눔스퀘어OTF_ac" panose="020B0600000101010101" pitchFamily="34" charset="-127"/>
+              <a:ea typeface="나눔스퀘어OTF_ac" panose="020B0600000101010101" pitchFamily="34" charset="-127"/>
+            </a:endParaRPr>
+          </a:p>
+        </p:txBody>
+      </p:sp>
+      <p:sp>
+        <p:nvSpPr>
+          <p:cNvPr id="17" name="Rectangle: Rounded Corners 16">
+            <a:extLst>
+              <a:ext uri="{FF2B5EF4-FFF2-40B4-BE49-F238E27FC236}">
+                <a16:creationId xmlns:a16="http://schemas.microsoft.com/office/drawing/2014/main" id="{56A9C633-B7D7-06A9-EF3D-490D243345FF}"/>
+              </a:ext>
+            </a:extLst>
+          </p:cNvPr>
+          <p:cNvSpPr/>
+          <p:nvPr/>
+        </p:nvSpPr>
+        <p:spPr>
+          <a:xfrm>
+            <a:off x="4756673" y="2895723"/>
+            <a:ext cx="2678654" cy="1581374"/>
+          </a:xfrm>
+          <a:prstGeom prst="roundRect">
+            <a:avLst/>
+          </a:prstGeom>
+          <a:solidFill>
+            <a:schemeClr val="tx1"/>
+          </a:solidFill>
+          <a:ln>
+            <a:noFill/>
+          </a:ln>
+        </p:spPr>
+        <p:style>
+          <a:lnRef idx="2">
+            <a:schemeClr val="accent1">
+              <a:shade val="50000"/>
+            </a:schemeClr>
+          </a:lnRef>
+          <a:fillRef idx="1">
+            <a:schemeClr val="accent1"/>
+          </a:fillRef>
+          <a:effectRef idx="0">
+            <a:schemeClr val="accent1"/>
+          </a:effectRef>
+          <a:fontRef idx="minor">
+            <a:schemeClr val="lt1"/>
+          </a:fontRef>
+        </p:style>
+        <p:txBody>
+          <a:bodyPr rtlCol="0" anchor="ctr"/>
+          <a:lstStyle/>
+          <a:p>
+            <a:pPr algn="ctr"/>
+            <a:r>
+              <a:rPr lang="ko-KR" altLang="en-US" sz="2000" b="1" dirty="0">
+                <a:latin typeface="나눔스퀘어OTF_ac" panose="020B0600000101010101" pitchFamily="34" charset="-127"/>
+                <a:ea typeface="나눔스퀘어OTF_ac" panose="020B0600000101010101" pitchFamily="34" charset="-127"/>
+              </a:rPr>
+              <a:t>주차문제 해결</a:t>
+            </a:r>
+            <a:endParaRPr lang="en-US" altLang="ko-KR" sz="2000" b="1" dirty="0">
+              <a:latin typeface="나눔스퀘어OTF_ac" panose="020B0600000101010101" pitchFamily="34" charset="-127"/>
+              <a:ea typeface="나눔스퀘어OTF_ac" panose="020B0600000101010101" pitchFamily="34" charset="-127"/>
+            </a:endParaRPr>
+          </a:p>
+          <a:p>
+            <a:pPr algn="ctr"/>
+            <a:endParaRPr lang="en-US" altLang="ko-KR" sz="2000" b="1" dirty="0">
+              <a:latin typeface="나눔스퀘어OTF_ac" panose="020B0600000101010101" pitchFamily="34" charset="-127"/>
+              <a:ea typeface="나눔스퀘어OTF_ac" panose="020B0600000101010101" pitchFamily="34" charset="-127"/>
+            </a:endParaRPr>
+          </a:p>
+          <a:p>
+            <a:pPr algn="ctr"/>
+            <a:r>
+              <a:rPr lang="ko-KR" altLang="en-US" sz="2000" b="1" dirty="0">
+                <a:latin typeface="나눔스퀘어OTF_ac" panose="020B0600000101010101" pitchFamily="34" charset="-127"/>
+                <a:ea typeface="나눔스퀘어OTF_ac" panose="020B0600000101010101" pitchFamily="34" charset="-127"/>
+              </a:rPr>
+              <a:t>불법주차량 감소</a:t>
+            </a:r>
+            <a:endParaRPr lang="en-US" altLang="ko-KR" sz="2000" b="1" dirty="0">
+              <a:latin typeface="나눔스퀘어OTF_ac" panose="020B0600000101010101" pitchFamily="34" charset="-127"/>
+              <a:ea typeface="나눔스퀘어OTF_ac" panose="020B0600000101010101" pitchFamily="34" charset="-127"/>
+            </a:endParaRPr>
+          </a:p>
+        </p:txBody>
+      </p:sp>
+      <p:sp>
+        <p:nvSpPr>
+          <p:cNvPr id="18" name="Rectangle: Rounded Corners 17">
+            <a:extLst>
+              <a:ext uri="{FF2B5EF4-FFF2-40B4-BE49-F238E27FC236}">
+                <a16:creationId xmlns:a16="http://schemas.microsoft.com/office/drawing/2014/main" id="{1E2E13A2-2A35-DA67-C727-DFCCFE3F5DA6}"/>
+              </a:ext>
+            </a:extLst>
+          </p:cNvPr>
+          <p:cNvSpPr/>
+          <p:nvPr/>
+        </p:nvSpPr>
+        <p:spPr>
+          <a:xfrm>
+            <a:off x="8165054" y="1396868"/>
+            <a:ext cx="3058756" cy="879454"/>
+          </a:xfrm>
+          <a:prstGeom prst="roundRect">
+            <a:avLst/>
+          </a:prstGeom>
+          <a:solidFill>
+            <a:schemeClr val="tx2">
+              <a:lumMod val="40000"/>
+              <a:lumOff val="60000"/>
+            </a:schemeClr>
+          </a:solidFill>
+          <a:ln>
+            <a:noFill/>
+          </a:ln>
+        </p:spPr>
+        <p:style>
+          <a:lnRef idx="2">
+            <a:schemeClr val="accent1">
+              <a:shade val="50000"/>
+            </a:schemeClr>
+          </a:lnRef>
+          <a:fillRef idx="1">
+            <a:schemeClr val="accent1"/>
+          </a:fillRef>
+          <a:effectRef idx="0">
+            <a:schemeClr val="accent1"/>
+          </a:effectRef>
+          <a:fontRef idx="minor">
+            <a:schemeClr val="lt1"/>
+          </a:fontRef>
+        </p:style>
+        <p:txBody>
+          <a:bodyPr rtlCol="0" anchor="ctr"/>
+          <a:lstStyle/>
+          <a:p>
+            <a:pPr algn="ctr"/>
+            <a:r>
+              <a:rPr lang="ko-KR" altLang="en-US" dirty="0">
+                <a:latin typeface="나눔스퀘어OTF_ac" panose="020B0600000101010101" pitchFamily="34" charset="-127"/>
+                <a:ea typeface="나눔스퀘어OTF_ac" panose="020B0600000101010101" pitchFamily="34" charset="-127"/>
+              </a:rPr>
+              <a:t>주민 불편 해결</a:t>
+            </a:r>
+            <a:endParaRPr lang="en-US" dirty="0">
+              <a:latin typeface="나눔스퀘어OTF_ac" panose="020B0600000101010101" pitchFamily="34" charset="-127"/>
+              <a:ea typeface="나눔스퀘어OTF_ac" panose="020B0600000101010101" pitchFamily="34" charset="-127"/>
+            </a:endParaRPr>
+          </a:p>
+        </p:txBody>
+      </p:sp>
+      <p:sp>
+        <p:nvSpPr>
+          <p:cNvPr id="22" name="Rectangle: Rounded Corners 21">
+            <a:extLst>
+              <a:ext uri="{FF2B5EF4-FFF2-40B4-BE49-F238E27FC236}">
+                <a16:creationId xmlns:a16="http://schemas.microsoft.com/office/drawing/2014/main" id="{E43E1A83-FC53-0A3F-7C1A-2AA61183F460}"/>
+              </a:ext>
+            </a:extLst>
+          </p:cNvPr>
+          <p:cNvSpPr/>
+          <p:nvPr/>
+        </p:nvSpPr>
+        <p:spPr>
+          <a:xfrm>
+            <a:off x="8165054" y="2620445"/>
+            <a:ext cx="3058756" cy="879454"/>
+          </a:xfrm>
+          <a:prstGeom prst="roundRect">
+            <a:avLst/>
+          </a:prstGeom>
+          <a:solidFill>
+            <a:schemeClr val="tx2">
+              <a:lumMod val="40000"/>
+              <a:lumOff val="60000"/>
+            </a:schemeClr>
+          </a:solidFill>
+          <a:ln>
+            <a:noFill/>
+          </a:ln>
+        </p:spPr>
+        <p:style>
+          <a:lnRef idx="2">
+            <a:schemeClr val="accent1">
+              <a:shade val="50000"/>
+            </a:schemeClr>
+          </a:lnRef>
+          <a:fillRef idx="1">
+            <a:schemeClr val="accent1"/>
+          </a:fillRef>
+          <a:effectRef idx="0">
+            <a:schemeClr val="accent1"/>
+          </a:effectRef>
+          <a:fontRef idx="minor">
+            <a:schemeClr val="lt1"/>
+          </a:fontRef>
+        </p:style>
+        <p:txBody>
+          <a:bodyPr rtlCol="0" anchor="ctr"/>
+          <a:lstStyle/>
+          <a:p>
+            <a:pPr algn="ctr"/>
+            <a:r>
+              <a:rPr lang="ko-KR" altLang="en-US" dirty="0">
+                <a:latin typeface="나눔스퀘어OTF_ac" panose="020B0600000101010101" pitchFamily="34" charset="-127"/>
+                <a:ea typeface="나눔스퀘어OTF_ac" panose="020B0600000101010101" pitchFamily="34" charset="-127"/>
+              </a:rPr>
+              <a:t>지자체 민원 감소</a:t>
+            </a:r>
+            <a:endParaRPr lang="en-US" dirty="0">
+              <a:latin typeface="나눔스퀘어OTF_ac" panose="020B0600000101010101" pitchFamily="34" charset="-127"/>
+              <a:ea typeface="나눔스퀘어OTF_ac" panose="020B0600000101010101" pitchFamily="34" charset="-127"/>
+            </a:endParaRPr>
+          </a:p>
+        </p:txBody>
+      </p:sp>
+      <p:sp>
+        <p:nvSpPr>
+          <p:cNvPr id="25" name="Rectangle: Rounded Corners 24">
+            <a:extLst>
+              <a:ext uri="{FF2B5EF4-FFF2-40B4-BE49-F238E27FC236}">
+                <a16:creationId xmlns:a16="http://schemas.microsoft.com/office/drawing/2014/main" id="{29B47281-8DD7-82FA-15BC-466D68E308A2}"/>
+              </a:ext>
+            </a:extLst>
+          </p:cNvPr>
+          <p:cNvSpPr/>
+          <p:nvPr/>
+        </p:nvSpPr>
+        <p:spPr>
+          <a:xfrm>
+            <a:off x="8165054" y="5096499"/>
+            <a:ext cx="3058756" cy="879454"/>
+          </a:xfrm>
+          <a:prstGeom prst="roundRect">
+            <a:avLst/>
+          </a:prstGeom>
+          <a:solidFill>
+            <a:schemeClr val="tx2">
+              <a:lumMod val="40000"/>
+              <a:lumOff val="60000"/>
+            </a:schemeClr>
+          </a:solidFill>
+          <a:ln>
+            <a:noFill/>
+          </a:ln>
+        </p:spPr>
+        <p:style>
+          <a:lnRef idx="2">
+            <a:schemeClr val="accent1">
+              <a:shade val="50000"/>
+            </a:schemeClr>
+          </a:lnRef>
+          <a:fillRef idx="1">
+            <a:schemeClr val="accent1"/>
+          </a:fillRef>
+          <a:effectRef idx="0">
+            <a:schemeClr val="accent1"/>
+          </a:effectRef>
+          <a:fontRef idx="minor">
+            <a:schemeClr val="lt1"/>
+          </a:fontRef>
+        </p:style>
+        <p:txBody>
+          <a:bodyPr rtlCol="0" anchor="ctr"/>
+          <a:lstStyle/>
+          <a:p>
+            <a:pPr algn="ctr"/>
+            <a:r>
+              <a:rPr lang="ko-KR" altLang="en-US" dirty="0">
+                <a:latin typeface="나눔스퀘어OTF_ac" panose="020B0600000101010101" pitchFamily="34" charset="-127"/>
+                <a:ea typeface="나눔스퀘어OTF_ac" panose="020B0600000101010101" pitchFamily="34" charset="-127"/>
+              </a:rPr>
+              <a:t>재난상황 발생시</a:t>
+            </a:r>
+            <a:endParaRPr lang="en-US" altLang="ko-KR" dirty="0">
+              <a:latin typeface="나눔스퀘어OTF_ac" panose="020B0600000101010101" pitchFamily="34" charset="-127"/>
+              <a:ea typeface="나눔스퀘어OTF_ac" panose="020B0600000101010101" pitchFamily="34" charset="-127"/>
+            </a:endParaRPr>
+          </a:p>
+          <a:p>
+            <a:pPr algn="ctr"/>
+            <a:r>
+              <a:rPr lang="ko-KR" altLang="en-US" dirty="0">
+                <a:latin typeface="나눔스퀘어OTF_ac" panose="020B0600000101010101" pitchFamily="34" charset="-127"/>
+                <a:ea typeface="나눔스퀘어OTF_ac" panose="020B0600000101010101" pitchFamily="34" charset="-127"/>
+              </a:rPr>
+              <a:t>소방당국의 빠른 대처 가능</a:t>
+            </a:r>
+            <a:endParaRPr lang="en-US" altLang="ko-KR" dirty="0">
+              <a:latin typeface="나눔스퀘어OTF_ac" panose="020B0600000101010101" pitchFamily="34" charset="-127"/>
+              <a:ea typeface="나눔스퀘어OTF_ac" panose="020B0600000101010101" pitchFamily="34" charset="-127"/>
+            </a:endParaRPr>
+          </a:p>
+        </p:txBody>
+      </p:sp>
+      <p:sp>
+        <p:nvSpPr>
+          <p:cNvPr id="26" name="Rectangle: Rounded Corners 25">
+            <a:extLst>
+              <a:ext uri="{FF2B5EF4-FFF2-40B4-BE49-F238E27FC236}">
+                <a16:creationId xmlns:a16="http://schemas.microsoft.com/office/drawing/2014/main" id="{D58BB0D5-8889-25CE-A24D-399376DD2C49}"/>
+              </a:ext>
+            </a:extLst>
+          </p:cNvPr>
+          <p:cNvSpPr/>
+          <p:nvPr/>
+        </p:nvSpPr>
+        <p:spPr>
+          <a:xfrm>
+            <a:off x="8165054" y="3858472"/>
+            <a:ext cx="3058756" cy="879454"/>
+          </a:xfrm>
+          <a:prstGeom prst="roundRect">
+            <a:avLst/>
+          </a:prstGeom>
+          <a:solidFill>
+            <a:schemeClr val="tx2">
+              <a:lumMod val="40000"/>
+              <a:lumOff val="60000"/>
+            </a:schemeClr>
+          </a:solidFill>
+          <a:ln>
+            <a:noFill/>
+          </a:ln>
+        </p:spPr>
+        <p:style>
+          <a:lnRef idx="2">
+            <a:schemeClr val="accent1">
+              <a:shade val="50000"/>
+            </a:schemeClr>
+          </a:lnRef>
+          <a:fillRef idx="1">
+            <a:schemeClr val="accent1"/>
+          </a:fillRef>
+          <a:effectRef idx="0">
+            <a:schemeClr val="accent1"/>
+          </a:effectRef>
+          <a:fontRef idx="minor">
+            <a:schemeClr val="lt1"/>
+          </a:fontRef>
+        </p:style>
+        <p:txBody>
+          <a:bodyPr rtlCol="0" anchor="ctr"/>
+          <a:lstStyle/>
+          <a:p>
+            <a:pPr algn="ctr"/>
+            <a:r>
+              <a:rPr lang="ko-KR" altLang="en-US" dirty="0">
+                <a:latin typeface="나눔스퀘어OTF_ac" panose="020B0600000101010101" pitchFamily="34" charset="-127"/>
+                <a:ea typeface="나눔스퀘어OTF_ac" panose="020B0600000101010101" pitchFamily="34" charset="-127"/>
+              </a:rPr>
+              <a:t>도로기능 정상화</a:t>
+            </a:r>
+            <a:endParaRPr lang="en-US" altLang="ko-KR" dirty="0">
+              <a:latin typeface="나눔스퀘어OTF_ac" panose="020B0600000101010101" pitchFamily="34" charset="-127"/>
+              <a:ea typeface="나눔스퀘어OTF_ac" panose="020B0600000101010101" pitchFamily="34" charset="-127"/>
+            </a:endParaRPr>
+          </a:p>
+          <a:p>
+            <a:pPr algn="ctr"/>
+            <a:r>
+              <a:rPr lang="ko-KR" altLang="en-US" dirty="0">
+                <a:latin typeface="나눔스퀘어OTF_ac" panose="020B0600000101010101" pitchFamily="34" charset="-127"/>
+                <a:ea typeface="나눔스퀘어OTF_ac" panose="020B0600000101010101" pitchFamily="34" charset="-127"/>
+              </a:rPr>
+              <a:t>교통정체량 감소</a:t>
+            </a:r>
+            <a:endParaRPr lang="en-US" altLang="ko-KR" dirty="0">
+              <a:latin typeface="나눔스퀘어OTF_ac" panose="020B0600000101010101" pitchFamily="34" charset="-127"/>
+              <a:ea typeface="나눔스퀘어OTF_ac" panose="020B0600000101010101" pitchFamily="34" charset="-127"/>
+            </a:endParaRPr>
           </a:p>
         </p:txBody>
       </p:sp>
@@ -13377,6 +14109,1070 @@
           <a:p>
             <a:pPr algn="ctr"/>
             <a:endParaRPr lang="ko-KR" altLang="en-US"/>
+          </a:p>
+        </p:txBody>
+      </p:sp>
+      <p:pic>
+        <p:nvPicPr>
+          <p:cNvPr id="1026" name="Picture 2">
+            <a:extLst>
+              <a:ext uri="{FF2B5EF4-FFF2-40B4-BE49-F238E27FC236}">
+                <a16:creationId xmlns:a16="http://schemas.microsoft.com/office/drawing/2014/main" id="{769C9445-876F-DF7F-0FAF-56EE109E1D05}"/>
+              </a:ext>
+            </a:extLst>
+          </p:cNvPr>
+          <p:cNvPicPr>
+            <a:picLocks noChangeAspect="1" noChangeArrowheads="1"/>
+          </p:cNvPicPr>
+          <p:nvPr/>
+        </p:nvPicPr>
+        <p:blipFill rotWithShape="1">
+          <a:blip r:embed="rId3">
+            <a:extLst>
+              <a:ext uri="{28A0092B-C50C-407E-A947-70E740481C1C}">
+                <a14:useLocalDpi xmlns:a14="http://schemas.microsoft.com/office/drawing/2010/main" val="0"/>
+              </a:ext>
+            </a:extLst>
+          </a:blip>
+          <a:srcRect l="3942"/>
+          <a:stretch/>
+        </p:blipFill>
+        <p:spPr bwMode="auto">
+          <a:xfrm>
+            <a:off x="4835362" y="3334265"/>
+            <a:ext cx="2591090" cy="2697441"/>
+          </a:xfrm>
+          <a:prstGeom prst="rect">
+            <a:avLst/>
+          </a:prstGeom>
+          <a:noFill/>
+          <a:extLst>
+            <a:ext uri="{909E8E84-426E-40DD-AFC4-6F175D3DCCD1}">
+              <a14:hiddenFill xmlns:a14="http://schemas.microsoft.com/office/drawing/2010/main">
+                <a:solidFill>
+                  <a:srgbClr val="FFFFFF"/>
+                </a:solidFill>
+              </a14:hiddenFill>
+            </a:ext>
+          </a:extLst>
+        </p:spPr>
+      </p:pic>
+      <p:sp>
+        <p:nvSpPr>
+          <p:cNvPr id="8" name="TextBox 7">
+            <a:extLst>
+              <a:ext uri="{FF2B5EF4-FFF2-40B4-BE49-F238E27FC236}">
+                <a16:creationId xmlns:a16="http://schemas.microsoft.com/office/drawing/2014/main" id="{2F1EE260-27F4-3548-5652-BA8A0EA37E68}"/>
+              </a:ext>
+            </a:extLst>
+          </p:cNvPr>
+          <p:cNvSpPr txBox="1"/>
+          <p:nvPr/>
+        </p:nvSpPr>
+        <p:spPr>
+          <a:xfrm>
+            <a:off x="370523" y="2062925"/>
+            <a:ext cx="3508498" cy="923330"/>
+          </a:xfrm>
+          <a:prstGeom prst="rect">
+            <a:avLst/>
+          </a:prstGeom>
+          <a:noFill/>
+        </p:spPr>
+        <p:txBody>
+          <a:bodyPr wrap="square" rtlCol="0">
+            <a:spAutoFit/>
+          </a:bodyPr>
+          <a:lstStyle/>
+          <a:p>
+            <a:pPr algn="ctr"/>
+            <a:r>
+              <a:rPr lang="ko-KR" altLang="en-US" b="0" i="0" dirty="0">
+                <a:solidFill>
+                  <a:srgbClr val="1D1C1D"/>
+                </a:solidFill>
+                <a:effectLst/>
+                <a:latin typeface="나눔스퀘어OTF_ac" panose="020B0600000101010101" pitchFamily="34" charset="-127"/>
+                <a:ea typeface="나눔스퀘어OTF_ac" panose="020B0600000101010101" pitchFamily="34" charset="-127"/>
+              </a:rPr>
+              <a:t>하이퍼파라미터 튜닝에 시간이 부족해 최적의 파라미터를 뽑아내지</a:t>
+            </a:r>
+            <a:endParaRPr lang="en-US" altLang="ko-KR" b="0" i="0" dirty="0">
+              <a:solidFill>
+                <a:srgbClr val="1D1C1D"/>
+              </a:solidFill>
+              <a:effectLst/>
+              <a:latin typeface="나눔스퀘어OTF_ac" panose="020B0600000101010101" pitchFamily="34" charset="-127"/>
+              <a:ea typeface="나눔스퀘어OTF_ac" panose="020B0600000101010101" pitchFamily="34" charset="-127"/>
+            </a:endParaRPr>
+          </a:p>
+          <a:p>
+            <a:pPr algn="ctr"/>
+            <a:r>
+              <a:rPr lang="ko-KR" altLang="en-US" b="0" i="0" dirty="0">
+                <a:solidFill>
+                  <a:srgbClr val="1D1C1D"/>
+                </a:solidFill>
+                <a:effectLst/>
+                <a:latin typeface="나눔스퀘어OTF_ac" panose="020B0600000101010101" pitchFamily="34" charset="-127"/>
+                <a:ea typeface="나눔스퀘어OTF_ac" panose="020B0600000101010101" pitchFamily="34" charset="-127"/>
+              </a:rPr>
+              <a:t>못했다</a:t>
+            </a:r>
+            <a:r>
+              <a:rPr lang="ko-KR" altLang="en-US" dirty="0">
+                <a:solidFill>
+                  <a:srgbClr val="1D1C1D"/>
+                </a:solidFill>
+                <a:latin typeface="나눔스퀘어OTF_ac" panose="020B0600000101010101" pitchFamily="34" charset="-127"/>
+                <a:ea typeface="나눔스퀘어OTF_ac" panose="020B0600000101010101" pitchFamily="34" charset="-127"/>
+              </a:rPr>
+              <a:t>는</a:t>
+            </a:r>
+            <a:r>
+              <a:rPr lang="ko-KR" altLang="en-US" b="0" i="0" dirty="0">
+                <a:solidFill>
+                  <a:srgbClr val="1D1C1D"/>
+                </a:solidFill>
+                <a:effectLst/>
+                <a:latin typeface="나눔스퀘어OTF_ac" panose="020B0600000101010101" pitchFamily="34" charset="-127"/>
+                <a:ea typeface="나눔스퀘어OTF_ac" panose="020B0600000101010101" pitchFamily="34" charset="-127"/>
+              </a:rPr>
+              <a:t> 아쉬움이 크다</a:t>
+            </a:r>
+            <a:r>
+              <a:rPr lang="en-US" altLang="ko-KR" b="0" i="0" dirty="0">
+                <a:solidFill>
+                  <a:srgbClr val="1D1C1D"/>
+                </a:solidFill>
+                <a:effectLst/>
+                <a:latin typeface="나눔스퀘어OTF_ac" panose="020B0600000101010101" pitchFamily="34" charset="-127"/>
+                <a:ea typeface="나눔스퀘어OTF_ac" panose="020B0600000101010101" pitchFamily="34" charset="-127"/>
+              </a:rPr>
+              <a:t>.</a:t>
+            </a:r>
+            <a:endParaRPr lang="en-US" dirty="0">
+              <a:latin typeface="나눔스퀘어OTF_ac" panose="020B0600000101010101" pitchFamily="34" charset="-127"/>
+              <a:ea typeface="나눔스퀘어OTF_ac" panose="020B0600000101010101" pitchFamily="34" charset="-127"/>
+            </a:endParaRPr>
+          </a:p>
+        </p:txBody>
+      </p:sp>
+      <p:sp>
+        <p:nvSpPr>
+          <p:cNvPr id="9" name="TextBox 8">
+            <a:extLst>
+              <a:ext uri="{FF2B5EF4-FFF2-40B4-BE49-F238E27FC236}">
+                <a16:creationId xmlns:a16="http://schemas.microsoft.com/office/drawing/2014/main" id="{380207D5-3105-FA79-22AC-CF62219BC512}"/>
+              </a:ext>
+            </a:extLst>
+          </p:cNvPr>
+          <p:cNvSpPr txBox="1"/>
+          <p:nvPr/>
+        </p:nvSpPr>
+        <p:spPr>
+          <a:xfrm>
+            <a:off x="1549238" y="1758020"/>
+            <a:ext cx="1151068" cy="369332"/>
+          </a:xfrm>
+          <a:prstGeom prst="rect">
+            <a:avLst/>
+          </a:prstGeom>
+          <a:noFill/>
+        </p:spPr>
+        <p:txBody>
+          <a:bodyPr wrap="square" rtlCol="0">
+            <a:spAutoFit/>
+          </a:bodyPr>
+          <a:lstStyle/>
+          <a:p>
+            <a:pPr algn="ctr"/>
+            <a:r>
+              <a:rPr lang="ko-KR" altLang="en-US" b="1" dirty="0">
+                <a:latin typeface="나눔스퀘어OTF_ac" panose="020B0600000101010101" pitchFamily="34" charset="-127"/>
+                <a:ea typeface="나눔스퀘어OTF_ac" panose="020B0600000101010101" pitchFamily="34" charset="-127"/>
+              </a:rPr>
+              <a:t>한혜진</a:t>
+            </a:r>
+            <a:endParaRPr lang="en-US" b="1" dirty="0">
+              <a:latin typeface="나눔스퀘어OTF_ac" panose="020B0600000101010101" pitchFamily="34" charset="-127"/>
+              <a:ea typeface="나눔스퀘어OTF_ac" panose="020B0600000101010101" pitchFamily="34" charset="-127"/>
+            </a:endParaRPr>
+          </a:p>
+        </p:txBody>
+      </p:sp>
+      <p:sp>
+        <p:nvSpPr>
+          <p:cNvPr id="11" name="TextBox 10">
+            <a:extLst>
+              <a:ext uri="{FF2B5EF4-FFF2-40B4-BE49-F238E27FC236}">
+                <a16:creationId xmlns:a16="http://schemas.microsoft.com/office/drawing/2014/main" id="{5B7BCB30-5180-C3F4-0AC2-16E7AF8D5B50}"/>
+              </a:ext>
+            </a:extLst>
+          </p:cNvPr>
+          <p:cNvSpPr txBox="1"/>
+          <p:nvPr/>
+        </p:nvSpPr>
+        <p:spPr>
+          <a:xfrm>
+            <a:off x="566057" y="3685001"/>
+            <a:ext cx="3788195" cy="2585323"/>
+          </a:xfrm>
+          <a:prstGeom prst="rect">
+            <a:avLst/>
+          </a:prstGeom>
+          <a:noFill/>
+        </p:spPr>
+        <p:txBody>
+          <a:bodyPr wrap="square" rtlCol="0">
+            <a:spAutoFit/>
+          </a:bodyPr>
+          <a:lstStyle/>
+          <a:p>
+            <a:pPr algn="ctr"/>
+            <a:r>
+              <a:rPr lang="ko-KR" altLang="en-US" b="0" i="0" dirty="0">
+                <a:solidFill>
+                  <a:srgbClr val="1D1C1D"/>
+                </a:solidFill>
+                <a:effectLst/>
+                <a:latin typeface="나눔스퀘어OTF_ac" panose="020B0600000101010101" pitchFamily="34" charset="-127"/>
+                <a:ea typeface="나눔스퀘어OTF_ac" panose="020B0600000101010101" pitchFamily="34" charset="-127"/>
+              </a:rPr>
+              <a:t>그리드서칭을 이용하여 하이퍼 파라미터 튜닝을 했음에도 불구하고</a:t>
+            </a:r>
+            <a:br>
+              <a:rPr lang="ko-KR" altLang="en-US" dirty="0">
+                <a:latin typeface="나눔스퀘어OTF_ac" panose="020B0600000101010101" pitchFamily="34" charset="-127"/>
+                <a:ea typeface="나눔스퀘어OTF_ac" panose="020B0600000101010101" pitchFamily="34" charset="-127"/>
+              </a:rPr>
+            </a:br>
+            <a:r>
+              <a:rPr lang="ko-KR" altLang="en-US" b="0" i="0" dirty="0">
+                <a:solidFill>
+                  <a:srgbClr val="1D1C1D"/>
+                </a:solidFill>
+                <a:effectLst/>
+                <a:latin typeface="나눔스퀘어OTF_ac" panose="020B0600000101010101" pitchFamily="34" charset="-127"/>
+                <a:ea typeface="나눔스퀘어OTF_ac" panose="020B0600000101010101" pitchFamily="34" charset="-127"/>
+              </a:rPr>
+              <a:t>기존 모델 성능을 따라잡지 못했</a:t>
+            </a:r>
+            <a:r>
+              <a:rPr lang="ko-KR" altLang="en-US" dirty="0">
+                <a:solidFill>
+                  <a:srgbClr val="1D1C1D"/>
+                </a:solidFill>
+                <a:latin typeface="나눔스퀘어OTF_ac" panose="020B0600000101010101" pitchFamily="34" charset="-127"/>
+                <a:ea typeface="나눔스퀘어OTF_ac" panose="020B0600000101010101" pitchFamily="34" charset="-127"/>
+              </a:rPr>
+              <a:t>다</a:t>
+            </a:r>
+            <a:r>
+              <a:rPr lang="en-US" altLang="ko-KR" dirty="0">
+                <a:solidFill>
+                  <a:srgbClr val="1D1C1D"/>
+                </a:solidFill>
+                <a:latin typeface="나눔스퀘어OTF_ac" panose="020B0600000101010101" pitchFamily="34" charset="-127"/>
+                <a:ea typeface="나눔스퀘어OTF_ac" panose="020B0600000101010101" pitchFamily="34" charset="-127"/>
+              </a:rPr>
+              <a:t>.</a:t>
+            </a:r>
+            <a:r>
+              <a:rPr lang="ko-KR" altLang="en-US" b="0" i="0" dirty="0">
+                <a:solidFill>
+                  <a:srgbClr val="1D1C1D"/>
+                </a:solidFill>
+                <a:effectLst/>
+                <a:latin typeface="나눔스퀘어OTF_ac" panose="020B0600000101010101" pitchFamily="34" charset="-127"/>
+                <a:ea typeface="나눔스퀘어OTF_ac" panose="020B0600000101010101" pitchFamily="34" charset="-127"/>
+              </a:rPr>
+              <a:t> </a:t>
+            </a:r>
+            <a:endParaRPr lang="en-US" altLang="ko-KR" b="0" i="0" dirty="0">
+              <a:solidFill>
+                <a:srgbClr val="1D1C1D"/>
+              </a:solidFill>
+              <a:effectLst/>
+              <a:latin typeface="나눔스퀘어OTF_ac" panose="020B0600000101010101" pitchFamily="34" charset="-127"/>
+              <a:ea typeface="나눔스퀘어OTF_ac" panose="020B0600000101010101" pitchFamily="34" charset="-127"/>
+            </a:endParaRPr>
+          </a:p>
+          <a:p>
+            <a:pPr algn="ctr"/>
+            <a:r>
+              <a:rPr lang="ko-KR" altLang="en-US" b="0" i="0" dirty="0">
+                <a:solidFill>
+                  <a:srgbClr val="1D1C1D"/>
+                </a:solidFill>
+                <a:effectLst/>
+                <a:latin typeface="나눔스퀘어OTF_ac" panose="020B0600000101010101" pitchFamily="34" charset="-127"/>
+                <a:ea typeface="나눔스퀘어OTF_ac" panose="020B0600000101010101" pitchFamily="34" charset="-127"/>
+              </a:rPr>
+              <a:t>머신러닝과 모델에 대한 이해도가</a:t>
+            </a:r>
+            <a:br>
+              <a:rPr lang="ko-KR" altLang="en-US" dirty="0">
+                <a:latin typeface="나눔스퀘어OTF_ac" panose="020B0600000101010101" pitchFamily="34" charset="-127"/>
+                <a:ea typeface="나눔스퀘어OTF_ac" panose="020B0600000101010101" pitchFamily="34" charset="-127"/>
+              </a:rPr>
+            </a:br>
+            <a:r>
+              <a:rPr lang="ko-KR" altLang="en-US" b="0" i="0" dirty="0">
+                <a:solidFill>
+                  <a:srgbClr val="1D1C1D"/>
+                </a:solidFill>
+                <a:effectLst/>
+                <a:latin typeface="나눔스퀘어OTF_ac" panose="020B0600000101010101" pitchFamily="34" charset="-127"/>
+                <a:ea typeface="나눔스퀘어OTF_ac" panose="020B0600000101010101" pitchFamily="34" charset="-127"/>
+              </a:rPr>
+              <a:t>부족하여 전처리</a:t>
+            </a:r>
+            <a:r>
+              <a:rPr lang="en-US" altLang="ko-KR" b="0" i="0" dirty="0">
+                <a:solidFill>
+                  <a:srgbClr val="1D1C1D"/>
+                </a:solidFill>
+                <a:effectLst/>
+                <a:latin typeface="나눔스퀘어OTF_ac" panose="020B0600000101010101" pitchFamily="34" charset="-127"/>
+                <a:ea typeface="나눔스퀘어OTF_ac" panose="020B0600000101010101" pitchFamily="34" charset="-127"/>
+              </a:rPr>
+              <a:t>, </a:t>
+            </a:r>
+            <a:r>
+              <a:rPr lang="ko-KR" altLang="en-US" b="0" i="0" dirty="0">
+                <a:solidFill>
+                  <a:srgbClr val="1D1C1D"/>
+                </a:solidFill>
+                <a:effectLst/>
+                <a:latin typeface="나눔스퀘어OTF_ac" panose="020B0600000101010101" pitchFamily="34" charset="-127"/>
+                <a:ea typeface="나눔스퀘어OTF_ac" panose="020B0600000101010101" pitchFamily="34" charset="-127"/>
+              </a:rPr>
+              <a:t>스케일링이 미흡했던 부분이 있었던 것 같다</a:t>
+            </a:r>
+            <a:r>
+              <a:rPr lang="en-US" altLang="ko-KR" b="0" i="0" dirty="0">
+                <a:solidFill>
+                  <a:srgbClr val="1D1C1D"/>
+                </a:solidFill>
+                <a:effectLst/>
+                <a:latin typeface="나눔스퀘어OTF_ac" panose="020B0600000101010101" pitchFamily="34" charset="-127"/>
+                <a:ea typeface="나눔스퀘어OTF_ac" panose="020B0600000101010101" pitchFamily="34" charset="-127"/>
+              </a:rPr>
+              <a:t>. </a:t>
+            </a:r>
+          </a:p>
+          <a:p>
+            <a:pPr algn="ctr"/>
+            <a:r>
+              <a:rPr lang="ko-KR" altLang="en-US" b="0" i="0" dirty="0">
+                <a:solidFill>
+                  <a:srgbClr val="1D1C1D"/>
+                </a:solidFill>
+                <a:effectLst/>
+                <a:latin typeface="나눔스퀘어OTF_ac" panose="020B0600000101010101" pitchFamily="34" charset="-127"/>
+                <a:ea typeface="나눔스퀘어OTF_ac" panose="020B0600000101010101" pitchFamily="34" charset="-127"/>
+              </a:rPr>
+              <a:t>또한 시각화 부분에서 좀 더 간결하게</a:t>
+            </a:r>
+            <a:endParaRPr lang="en-US" altLang="ko-KR" b="0" i="0" dirty="0">
+              <a:solidFill>
+                <a:srgbClr val="1D1C1D"/>
+              </a:solidFill>
+              <a:effectLst/>
+              <a:latin typeface="나눔스퀘어OTF_ac" panose="020B0600000101010101" pitchFamily="34" charset="-127"/>
+              <a:ea typeface="나눔스퀘어OTF_ac" panose="020B0600000101010101" pitchFamily="34" charset="-127"/>
+            </a:endParaRPr>
+          </a:p>
+          <a:p>
+            <a:pPr algn="ctr"/>
+            <a:r>
+              <a:rPr lang="ko-KR" altLang="en-US" b="0" i="0" dirty="0">
+                <a:solidFill>
+                  <a:srgbClr val="1D1C1D"/>
+                </a:solidFill>
+                <a:effectLst/>
+                <a:latin typeface="나눔스퀘어OTF_ac" panose="020B0600000101010101" pitchFamily="34" charset="-127"/>
+                <a:ea typeface="나눔스퀘어OTF_ac" panose="020B0600000101010101" pitchFamily="34" charset="-127"/>
+              </a:rPr>
+              <a:t>전처리 후 </a:t>
+            </a:r>
+            <a:r>
+              <a:rPr lang="en-US" altLang="ko-KR" b="0" i="0" dirty="0" err="1">
+                <a:solidFill>
+                  <a:srgbClr val="1D1C1D"/>
+                </a:solidFill>
+                <a:effectLst/>
+                <a:latin typeface="나눔스퀘어OTF_ac" panose="020B0600000101010101" pitchFamily="34" charset="-127"/>
+                <a:ea typeface="나눔스퀘어OTF_ac" panose="020B0600000101010101" pitchFamily="34" charset="-127"/>
+              </a:rPr>
+              <a:t>plotly</a:t>
+            </a:r>
+            <a:r>
+              <a:rPr lang="ko-KR" altLang="en-US" b="0" i="0" dirty="0">
+                <a:solidFill>
+                  <a:srgbClr val="1D1C1D"/>
+                </a:solidFill>
+                <a:effectLst/>
+                <a:latin typeface="나눔스퀘어OTF_ac" panose="020B0600000101010101" pitchFamily="34" charset="-127"/>
+                <a:ea typeface="나눔스퀘어OTF_ac" panose="020B0600000101010101" pitchFamily="34" charset="-127"/>
+              </a:rPr>
+              <a:t>로 전개했다면 보기 더 </a:t>
+            </a:r>
+            <a:endParaRPr lang="en-US" altLang="ko-KR" b="0" i="0" dirty="0">
+              <a:solidFill>
+                <a:srgbClr val="1D1C1D"/>
+              </a:solidFill>
+              <a:effectLst/>
+              <a:latin typeface="나눔스퀘어OTF_ac" panose="020B0600000101010101" pitchFamily="34" charset="-127"/>
+              <a:ea typeface="나눔스퀘어OTF_ac" panose="020B0600000101010101" pitchFamily="34" charset="-127"/>
+            </a:endParaRPr>
+          </a:p>
+          <a:p>
+            <a:pPr algn="ctr"/>
+            <a:r>
+              <a:rPr lang="ko-KR" altLang="en-US" b="0" i="0" dirty="0">
+                <a:solidFill>
+                  <a:srgbClr val="1D1C1D"/>
+                </a:solidFill>
+                <a:effectLst/>
+                <a:latin typeface="나눔스퀘어OTF_ac" panose="020B0600000101010101" pitchFamily="34" charset="-127"/>
+                <a:ea typeface="나눔스퀘어OTF_ac" panose="020B0600000101010101" pitchFamily="34" charset="-127"/>
+              </a:rPr>
+              <a:t>좋았을 거 같다</a:t>
+            </a:r>
+            <a:r>
+              <a:rPr lang="en-US" altLang="ko-KR" b="0" i="0" dirty="0">
+                <a:solidFill>
+                  <a:srgbClr val="1D1C1D"/>
+                </a:solidFill>
+                <a:effectLst/>
+                <a:latin typeface="나눔스퀘어OTF_ac" panose="020B0600000101010101" pitchFamily="34" charset="-127"/>
+                <a:ea typeface="나눔스퀘어OTF_ac" panose="020B0600000101010101" pitchFamily="34" charset="-127"/>
+              </a:rPr>
+              <a:t>.</a:t>
+            </a:r>
+            <a:endParaRPr lang="en-US" dirty="0">
+              <a:latin typeface="나눔스퀘어OTF_ac" panose="020B0600000101010101" pitchFamily="34" charset="-127"/>
+              <a:ea typeface="나눔스퀘어OTF_ac" panose="020B0600000101010101" pitchFamily="34" charset="-127"/>
+            </a:endParaRPr>
+          </a:p>
+        </p:txBody>
+      </p:sp>
+      <p:sp>
+        <p:nvSpPr>
+          <p:cNvPr id="13" name="TextBox 12">
+            <a:extLst>
+              <a:ext uri="{FF2B5EF4-FFF2-40B4-BE49-F238E27FC236}">
+                <a16:creationId xmlns:a16="http://schemas.microsoft.com/office/drawing/2014/main" id="{AA1724E8-0A0A-B4C8-0136-F8762205DEE2}"/>
+              </a:ext>
+            </a:extLst>
+          </p:cNvPr>
+          <p:cNvSpPr txBox="1"/>
+          <p:nvPr/>
+        </p:nvSpPr>
+        <p:spPr>
+          <a:xfrm>
+            <a:off x="9290767" y="4003580"/>
+            <a:ext cx="1151068" cy="369332"/>
+          </a:xfrm>
+          <a:prstGeom prst="rect">
+            <a:avLst/>
+          </a:prstGeom>
+          <a:noFill/>
+        </p:spPr>
+        <p:txBody>
+          <a:bodyPr wrap="square" rtlCol="0">
+            <a:spAutoFit/>
+          </a:bodyPr>
+          <a:lstStyle/>
+          <a:p>
+            <a:pPr algn="ctr"/>
+            <a:r>
+              <a:rPr lang="ko-KR" altLang="en-US" b="1" dirty="0">
+                <a:latin typeface="나눔스퀘어OTF_ac" panose="020B0600000101010101" pitchFamily="34" charset="-127"/>
+                <a:ea typeface="나눔스퀘어OTF_ac" panose="020B0600000101010101" pitchFamily="34" charset="-127"/>
+              </a:rPr>
+              <a:t>도형준</a:t>
+            </a:r>
+            <a:endParaRPr lang="en-US" b="1" dirty="0">
+              <a:latin typeface="나눔스퀘어OTF_ac" panose="020B0600000101010101" pitchFamily="34" charset="-127"/>
+              <a:ea typeface="나눔스퀘어OTF_ac" panose="020B0600000101010101" pitchFamily="34" charset="-127"/>
+            </a:endParaRPr>
+          </a:p>
+        </p:txBody>
+      </p:sp>
+      <p:sp>
+        <p:nvSpPr>
+          <p:cNvPr id="14" name="TextBox 13">
+            <a:extLst>
+              <a:ext uri="{FF2B5EF4-FFF2-40B4-BE49-F238E27FC236}">
+                <a16:creationId xmlns:a16="http://schemas.microsoft.com/office/drawing/2014/main" id="{A4AFF072-904E-55C4-E463-D981A35DBA5E}"/>
+              </a:ext>
+            </a:extLst>
+          </p:cNvPr>
+          <p:cNvSpPr txBox="1"/>
+          <p:nvPr/>
+        </p:nvSpPr>
+        <p:spPr>
+          <a:xfrm>
+            <a:off x="7713308" y="4295503"/>
+            <a:ext cx="4305987" cy="1754326"/>
+          </a:xfrm>
+          <a:prstGeom prst="rect">
+            <a:avLst/>
+          </a:prstGeom>
+          <a:noFill/>
+        </p:spPr>
+        <p:txBody>
+          <a:bodyPr wrap="none" rtlCol="0">
+            <a:spAutoFit/>
+          </a:bodyPr>
+          <a:lstStyle/>
+          <a:p>
+            <a:pPr algn="ctr"/>
+            <a:r>
+              <a:rPr lang="ko-KR" altLang="en-US" b="0" i="0" dirty="0">
+                <a:solidFill>
+                  <a:srgbClr val="1D1C1D"/>
+                </a:solidFill>
+                <a:effectLst/>
+                <a:latin typeface="나눔스퀘어OTF_ac" panose="020B0600000101010101" pitchFamily="34" charset="-127"/>
+                <a:ea typeface="나눔스퀘어OTF_ac" panose="020B0600000101010101" pitchFamily="34" charset="-127"/>
+              </a:rPr>
+              <a:t>주차수요와 관련하여 조사를 하면서</a:t>
+            </a:r>
+            <a:r>
+              <a:rPr lang="en-US" altLang="ko-KR" b="0" i="0" dirty="0">
+                <a:solidFill>
+                  <a:srgbClr val="1D1C1D"/>
+                </a:solidFill>
+                <a:effectLst/>
+                <a:latin typeface="나눔스퀘어OTF_ac" panose="020B0600000101010101" pitchFamily="34" charset="-127"/>
+                <a:ea typeface="나눔스퀘어OTF_ac" panose="020B0600000101010101" pitchFamily="34" charset="-127"/>
+              </a:rPr>
+              <a:t>, </a:t>
+            </a:r>
+          </a:p>
+          <a:p>
+            <a:pPr algn="ctr"/>
+            <a:r>
+              <a:rPr lang="ko-KR" altLang="en-US" b="0" i="0" dirty="0">
+                <a:solidFill>
+                  <a:srgbClr val="1D1C1D"/>
+                </a:solidFill>
+                <a:effectLst/>
+                <a:latin typeface="나눔스퀘어OTF_ac" panose="020B0600000101010101" pitchFamily="34" charset="-127"/>
+                <a:ea typeface="나눔스퀘어OTF_ac" panose="020B0600000101010101" pitchFamily="34" charset="-127"/>
+              </a:rPr>
+              <a:t>지역에 따라 정책이 달라져 고려해야 할 </a:t>
+            </a:r>
+            <a:endParaRPr lang="en-US" altLang="ko-KR" b="0" i="0" dirty="0">
+              <a:solidFill>
+                <a:srgbClr val="1D1C1D"/>
+              </a:solidFill>
+              <a:effectLst/>
+              <a:latin typeface="나눔스퀘어OTF_ac" panose="020B0600000101010101" pitchFamily="34" charset="-127"/>
+              <a:ea typeface="나눔스퀘어OTF_ac" panose="020B0600000101010101" pitchFamily="34" charset="-127"/>
+            </a:endParaRPr>
+          </a:p>
+          <a:p>
+            <a:pPr algn="ctr"/>
+            <a:r>
+              <a:rPr lang="ko-KR" altLang="en-US" b="0" i="0" dirty="0">
+                <a:solidFill>
+                  <a:srgbClr val="1D1C1D"/>
+                </a:solidFill>
+                <a:effectLst/>
+                <a:latin typeface="나눔스퀘어OTF_ac" panose="020B0600000101010101" pitchFamily="34" charset="-127"/>
+                <a:ea typeface="나눔스퀘어OTF_ac" panose="020B0600000101010101" pitchFamily="34" charset="-127"/>
+              </a:rPr>
+              <a:t>부분이 다양해지게 된다는 점을 알게 됐다</a:t>
+            </a:r>
+            <a:r>
+              <a:rPr lang="en-US" altLang="ko-KR" b="0" i="0" dirty="0">
+                <a:solidFill>
+                  <a:srgbClr val="1D1C1D"/>
+                </a:solidFill>
+                <a:effectLst/>
+                <a:latin typeface="나눔스퀘어OTF_ac" panose="020B0600000101010101" pitchFamily="34" charset="-127"/>
+                <a:ea typeface="나눔스퀘어OTF_ac" panose="020B0600000101010101" pitchFamily="34" charset="-127"/>
+              </a:rPr>
+              <a:t>.</a:t>
+            </a:r>
+            <a:br>
+              <a:rPr lang="ko-KR" altLang="en-US" dirty="0">
+                <a:latin typeface="나눔스퀘어OTF_ac" panose="020B0600000101010101" pitchFamily="34" charset="-127"/>
+                <a:ea typeface="나눔스퀘어OTF_ac" panose="020B0600000101010101" pitchFamily="34" charset="-127"/>
+              </a:rPr>
+            </a:br>
+            <a:r>
+              <a:rPr lang="ko-KR" altLang="en-US" b="0" i="0" dirty="0">
+                <a:solidFill>
+                  <a:srgbClr val="1D1C1D"/>
+                </a:solidFill>
+                <a:effectLst/>
+                <a:latin typeface="나눔스퀘어OTF_ac" panose="020B0600000101010101" pitchFamily="34" charset="-127"/>
+                <a:ea typeface="나눔스퀘어OTF_ac" panose="020B0600000101010101" pitchFamily="34" charset="-127"/>
+              </a:rPr>
+              <a:t>데이터를 추가적으로 더 수집하여 반영했다면</a:t>
+            </a:r>
+            <a:r>
+              <a:rPr lang="en-US" altLang="ko-KR" b="0" i="0" dirty="0">
+                <a:solidFill>
+                  <a:srgbClr val="1D1C1D"/>
+                </a:solidFill>
+                <a:effectLst/>
+                <a:latin typeface="나눔스퀘어OTF_ac" panose="020B0600000101010101" pitchFamily="34" charset="-127"/>
+                <a:ea typeface="나눔스퀘어OTF_ac" panose="020B0600000101010101" pitchFamily="34" charset="-127"/>
+              </a:rPr>
+              <a:t>, </a:t>
+            </a:r>
+          </a:p>
+          <a:p>
+            <a:pPr algn="ctr"/>
+            <a:r>
+              <a:rPr lang="ko-KR" altLang="en-US" b="0" i="0" dirty="0">
+                <a:solidFill>
+                  <a:srgbClr val="1D1C1D"/>
+                </a:solidFill>
+                <a:effectLst/>
+                <a:latin typeface="나눔스퀘어OTF_ac" panose="020B0600000101010101" pitchFamily="34" charset="-127"/>
+                <a:ea typeface="나눔스퀘어OTF_ac" panose="020B0600000101010101" pitchFamily="34" charset="-127"/>
+              </a:rPr>
+              <a:t>모델 성능에 더 좋은 영향을 끼칠 수 </a:t>
+            </a:r>
+            <a:endParaRPr lang="en-US" altLang="ko-KR" b="0" i="0" dirty="0">
+              <a:solidFill>
+                <a:srgbClr val="1D1C1D"/>
+              </a:solidFill>
+              <a:effectLst/>
+              <a:latin typeface="나눔스퀘어OTF_ac" panose="020B0600000101010101" pitchFamily="34" charset="-127"/>
+              <a:ea typeface="나눔스퀘어OTF_ac" panose="020B0600000101010101" pitchFamily="34" charset="-127"/>
+            </a:endParaRPr>
+          </a:p>
+          <a:p>
+            <a:pPr algn="ctr"/>
+            <a:r>
+              <a:rPr lang="ko-KR" altLang="en-US" b="0" i="0" dirty="0">
+                <a:solidFill>
+                  <a:srgbClr val="1D1C1D"/>
+                </a:solidFill>
+                <a:effectLst/>
+                <a:latin typeface="나눔스퀘어OTF_ac" panose="020B0600000101010101" pitchFamily="34" charset="-127"/>
+                <a:ea typeface="나눔스퀘어OTF_ac" panose="020B0600000101010101" pitchFamily="34" charset="-127"/>
+              </a:rPr>
+              <a:t>있지 않았을까 생각한다</a:t>
+            </a:r>
+            <a:r>
+              <a:rPr lang="en-US" altLang="ko-KR" b="0" i="0" dirty="0">
+                <a:solidFill>
+                  <a:srgbClr val="1D1C1D"/>
+                </a:solidFill>
+                <a:effectLst/>
+                <a:latin typeface="나눔스퀘어OTF_ac" panose="020B0600000101010101" pitchFamily="34" charset="-127"/>
+                <a:ea typeface="나눔스퀘어OTF_ac" panose="020B0600000101010101" pitchFamily="34" charset="-127"/>
+              </a:rPr>
+              <a:t>.</a:t>
+            </a:r>
+            <a:endParaRPr lang="en-US" dirty="0">
+              <a:latin typeface="나눔스퀘어OTF_ac" panose="020B0600000101010101" pitchFamily="34" charset="-127"/>
+              <a:ea typeface="나눔스퀘어OTF_ac" panose="020B0600000101010101" pitchFamily="34" charset="-127"/>
+            </a:endParaRPr>
+          </a:p>
+        </p:txBody>
+      </p:sp>
+      <p:sp>
+        <p:nvSpPr>
+          <p:cNvPr id="15" name="TextBox 14">
+            <a:extLst>
+              <a:ext uri="{FF2B5EF4-FFF2-40B4-BE49-F238E27FC236}">
+                <a16:creationId xmlns:a16="http://schemas.microsoft.com/office/drawing/2014/main" id="{B11E3322-D53B-3D02-DA55-BA26045626E9}"/>
+              </a:ext>
+            </a:extLst>
+          </p:cNvPr>
+          <p:cNvSpPr txBox="1"/>
+          <p:nvPr/>
+        </p:nvSpPr>
+        <p:spPr>
+          <a:xfrm>
+            <a:off x="1884620" y="3315669"/>
+            <a:ext cx="1151068" cy="369332"/>
+          </a:xfrm>
+          <a:prstGeom prst="rect">
+            <a:avLst/>
+          </a:prstGeom>
+          <a:noFill/>
+        </p:spPr>
+        <p:txBody>
+          <a:bodyPr wrap="square" rtlCol="0">
+            <a:spAutoFit/>
+          </a:bodyPr>
+          <a:lstStyle/>
+          <a:p>
+            <a:pPr algn="ctr"/>
+            <a:r>
+              <a:rPr lang="ko-KR" altLang="en-US" b="1" dirty="0">
+                <a:latin typeface="나눔스퀘어OTF_ac" panose="020B0600000101010101" pitchFamily="34" charset="-127"/>
+                <a:ea typeface="나눔스퀘어OTF_ac" panose="020B0600000101010101" pitchFamily="34" charset="-127"/>
+              </a:rPr>
+              <a:t>김창언</a:t>
+            </a:r>
+            <a:endParaRPr lang="en-US" b="1" dirty="0">
+              <a:latin typeface="나눔스퀘어OTF_ac" panose="020B0600000101010101" pitchFamily="34" charset="-127"/>
+              <a:ea typeface="나눔스퀘어OTF_ac" panose="020B0600000101010101" pitchFamily="34" charset="-127"/>
+            </a:endParaRPr>
+          </a:p>
+        </p:txBody>
+      </p:sp>
+      <p:sp>
+        <p:nvSpPr>
+          <p:cNvPr id="18" name="TextBox 17">
+            <a:extLst>
+              <a:ext uri="{FF2B5EF4-FFF2-40B4-BE49-F238E27FC236}">
+                <a16:creationId xmlns:a16="http://schemas.microsoft.com/office/drawing/2014/main" id="{2AD00413-9FDA-83BE-427B-22DE043A4F95}"/>
+              </a:ext>
+            </a:extLst>
+          </p:cNvPr>
+          <p:cNvSpPr txBox="1"/>
+          <p:nvPr/>
+        </p:nvSpPr>
+        <p:spPr>
+          <a:xfrm>
+            <a:off x="7907562" y="1964677"/>
+            <a:ext cx="3439588" cy="1754326"/>
+          </a:xfrm>
+          <a:prstGeom prst="rect">
+            <a:avLst/>
+          </a:prstGeom>
+          <a:noFill/>
+        </p:spPr>
+        <p:txBody>
+          <a:bodyPr wrap="square">
+            <a:spAutoFit/>
+          </a:bodyPr>
+          <a:lstStyle/>
+          <a:p>
+            <a:pPr algn="ctr"/>
+            <a:r>
+              <a:rPr lang="ko-KR" altLang="en-US" b="0" i="0" dirty="0">
+                <a:solidFill>
+                  <a:srgbClr val="1D1C1D"/>
+                </a:solidFill>
+                <a:effectLst/>
+                <a:latin typeface="나눔스퀘어OTF_ac" panose="020B0600000101010101" pitchFamily="34" charset="-127"/>
+                <a:ea typeface="나눔스퀘어OTF_ac" panose="020B0600000101010101" pitchFamily="34" charset="-127"/>
+              </a:rPr>
+              <a:t>데이터 전처리시 배경 지식과 정보가 더 있었으면</a:t>
+            </a:r>
+            <a:r>
+              <a:rPr lang="en-US" altLang="ko-KR" dirty="0">
+                <a:solidFill>
+                  <a:srgbClr val="1D1C1D"/>
+                </a:solidFill>
+                <a:latin typeface="나눔스퀘어OTF_ac" panose="020B0600000101010101" pitchFamily="34" charset="-127"/>
+                <a:ea typeface="나눔스퀘어OTF_ac" panose="020B0600000101010101" pitchFamily="34" charset="-127"/>
+              </a:rPr>
+              <a:t> </a:t>
+            </a:r>
+            <a:r>
+              <a:rPr lang="ko-KR" altLang="en-US" b="0" i="0" dirty="0">
+                <a:solidFill>
+                  <a:srgbClr val="1D1C1D"/>
+                </a:solidFill>
+                <a:effectLst/>
+                <a:latin typeface="나눔스퀘어OTF_ac" panose="020B0600000101010101" pitchFamily="34" charset="-127"/>
+                <a:ea typeface="나눔스퀘어OTF_ac" panose="020B0600000101010101" pitchFamily="34" charset="-127"/>
+              </a:rPr>
+              <a:t>좋은 데이터를 얻을 수 있었을 텐데 그렇지 못했고</a:t>
+            </a:r>
+            <a:br>
+              <a:rPr lang="ko-KR" altLang="en-US" dirty="0">
+                <a:latin typeface="나눔스퀘어OTF_ac" panose="020B0600000101010101" pitchFamily="34" charset="-127"/>
+                <a:ea typeface="나눔스퀘어OTF_ac" panose="020B0600000101010101" pitchFamily="34" charset="-127"/>
+              </a:rPr>
+            </a:br>
+            <a:r>
+              <a:rPr lang="ko-KR" altLang="en-US" b="0" i="0" dirty="0">
+                <a:solidFill>
+                  <a:srgbClr val="1D1C1D"/>
+                </a:solidFill>
+                <a:effectLst/>
+                <a:latin typeface="나눔스퀘어OTF_ac" panose="020B0600000101010101" pitchFamily="34" charset="-127"/>
+                <a:ea typeface="나눔스퀘어OTF_ac" panose="020B0600000101010101" pitchFamily="34" charset="-127"/>
+              </a:rPr>
+              <a:t>파라미터 튜닝 또한 시간이 짧아 </a:t>
+            </a:r>
+            <a:endParaRPr lang="en-US" altLang="ko-KR" b="0" i="0" dirty="0">
+              <a:solidFill>
+                <a:srgbClr val="1D1C1D"/>
+              </a:solidFill>
+              <a:effectLst/>
+              <a:latin typeface="나눔스퀘어OTF_ac" panose="020B0600000101010101" pitchFamily="34" charset="-127"/>
+              <a:ea typeface="나눔스퀘어OTF_ac" panose="020B0600000101010101" pitchFamily="34" charset="-127"/>
+            </a:endParaRPr>
+          </a:p>
+          <a:p>
+            <a:pPr algn="ctr"/>
+            <a:r>
+              <a:rPr lang="ko-KR" altLang="en-US" b="0" i="0" dirty="0">
+                <a:solidFill>
+                  <a:srgbClr val="1D1C1D"/>
+                </a:solidFill>
+                <a:effectLst/>
+                <a:latin typeface="나눔스퀘어OTF_ac" panose="020B0600000101010101" pitchFamily="34" charset="-127"/>
+                <a:ea typeface="나눔스퀘어OTF_ac" panose="020B0600000101010101" pitchFamily="34" charset="-127"/>
+              </a:rPr>
+              <a:t>최적의 파라미터를</a:t>
+            </a:r>
+            <a:r>
+              <a:rPr lang="en-US" altLang="ko-KR" dirty="0">
+                <a:solidFill>
+                  <a:srgbClr val="1D1C1D"/>
+                </a:solidFill>
+                <a:latin typeface="나눔스퀘어OTF_ac" panose="020B0600000101010101" pitchFamily="34" charset="-127"/>
+                <a:ea typeface="나눔스퀘어OTF_ac" panose="020B0600000101010101" pitchFamily="34" charset="-127"/>
+              </a:rPr>
+              <a:t> </a:t>
+            </a:r>
+          </a:p>
+          <a:p>
+            <a:pPr algn="ctr"/>
+            <a:r>
+              <a:rPr lang="ko-KR" altLang="en-US" b="0" i="0" dirty="0">
+                <a:solidFill>
+                  <a:srgbClr val="1D1C1D"/>
+                </a:solidFill>
+                <a:effectLst/>
+                <a:latin typeface="나눔스퀘어OTF_ac" panose="020B0600000101010101" pitchFamily="34" charset="-127"/>
+                <a:ea typeface="나눔스퀘어OTF_ac" panose="020B0600000101010101" pitchFamily="34" charset="-127"/>
+              </a:rPr>
+              <a:t>뽑지 못해 아쉬웠다</a:t>
+            </a:r>
+            <a:endParaRPr lang="en-US" dirty="0">
+              <a:latin typeface="나눔스퀘어OTF_ac" panose="020B0600000101010101" pitchFamily="34" charset="-127"/>
+              <a:ea typeface="나눔스퀘어OTF_ac" panose="020B0600000101010101" pitchFamily="34" charset="-127"/>
+            </a:endParaRPr>
+          </a:p>
+        </p:txBody>
+      </p:sp>
+      <p:sp>
+        <p:nvSpPr>
+          <p:cNvPr id="21" name="TextBox 20">
+            <a:extLst>
+              <a:ext uri="{FF2B5EF4-FFF2-40B4-BE49-F238E27FC236}">
+                <a16:creationId xmlns:a16="http://schemas.microsoft.com/office/drawing/2014/main" id="{DB19CD6C-284E-BD08-93BF-BCA1EFCB754D}"/>
+              </a:ext>
+            </a:extLst>
+          </p:cNvPr>
+          <p:cNvSpPr txBox="1"/>
+          <p:nvPr/>
+        </p:nvSpPr>
+        <p:spPr>
+          <a:xfrm>
+            <a:off x="9093913" y="1621016"/>
+            <a:ext cx="1066885" cy="374498"/>
+          </a:xfrm>
+          <a:prstGeom prst="rect">
+            <a:avLst/>
+          </a:prstGeom>
+          <a:noFill/>
+        </p:spPr>
+        <p:txBody>
+          <a:bodyPr wrap="square" rtlCol="0">
+            <a:spAutoFit/>
+          </a:bodyPr>
+          <a:lstStyle/>
+          <a:p>
+            <a:pPr algn="ctr"/>
+            <a:r>
+              <a:rPr lang="ko-KR" altLang="en-US" b="1" dirty="0">
+                <a:latin typeface="나눔스퀘어OTF_ac" panose="020B0600000101010101" pitchFamily="34" charset="-127"/>
+                <a:ea typeface="나눔스퀘어OTF_ac" panose="020B0600000101010101" pitchFamily="34" charset="-127"/>
+              </a:rPr>
+              <a:t>황소윤</a:t>
+            </a:r>
+            <a:endParaRPr lang="en-US" b="1" dirty="0">
+              <a:latin typeface="나눔스퀘어OTF_ac" panose="020B0600000101010101" pitchFamily="34" charset="-127"/>
+              <a:ea typeface="나눔스퀘어OTF_ac" panose="020B0600000101010101" pitchFamily="34" charset="-127"/>
+            </a:endParaRPr>
+          </a:p>
+        </p:txBody>
+      </p:sp>
+      <p:sp>
+        <p:nvSpPr>
+          <p:cNvPr id="22" name="TextBox 21">
+            <a:extLst>
+              <a:ext uri="{FF2B5EF4-FFF2-40B4-BE49-F238E27FC236}">
+                <a16:creationId xmlns:a16="http://schemas.microsoft.com/office/drawing/2014/main" id="{CE3A9703-AAFB-7A78-5C47-CAC1AFB82103}"/>
+              </a:ext>
+            </a:extLst>
+          </p:cNvPr>
+          <p:cNvSpPr txBox="1"/>
+          <p:nvPr/>
+        </p:nvSpPr>
+        <p:spPr>
+          <a:xfrm>
+            <a:off x="3968595" y="1592589"/>
+            <a:ext cx="3744713" cy="1477328"/>
+          </a:xfrm>
+          <a:prstGeom prst="rect">
+            <a:avLst/>
+          </a:prstGeom>
+          <a:noFill/>
+        </p:spPr>
+        <p:txBody>
+          <a:bodyPr wrap="square" rtlCol="0">
+            <a:spAutoFit/>
+          </a:bodyPr>
+          <a:lstStyle/>
+          <a:p>
+            <a:pPr algn="ctr"/>
+            <a:r>
+              <a:rPr lang="ko-KR" altLang="en-US" dirty="0">
+                <a:latin typeface="나눔스퀘어OTF_ac" panose="020B0600000101010101" pitchFamily="34" charset="-127"/>
+                <a:ea typeface="나눔스퀘어OTF_ac" panose="020B0600000101010101" pitchFamily="34" charset="-127"/>
+              </a:rPr>
+              <a:t>최초 데이터셋에서 제공된 </a:t>
+            </a:r>
+            <a:r>
+              <a:rPr lang="en-US" altLang="ko-KR" dirty="0">
+                <a:latin typeface="나눔스퀘어OTF_ac" panose="020B0600000101010101" pitchFamily="34" charset="-127"/>
+                <a:ea typeface="나눔스퀘어OTF_ac" panose="020B0600000101010101" pitchFamily="34" charset="-127"/>
+              </a:rPr>
+              <a:t>test set</a:t>
+            </a:r>
+            <a:r>
+              <a:rPr lang="ko-KR" altLang="en-US" dirty="0">
+                <a:latin typeface="나눔스퀘어OTF_ac" panose="020B0600000101010101" pitchFamily="34" charset="-127"/>
+                <a:ea typeface="나눔스퀘어OTF_ac" panose="020B0600000101010101" pitchFamily="34" charset="-127"/>
+              </a:rPr>
+              <a:t>에 </a:t>
+            </a:r>
+            <a:r>
+              <a:rPr lang="en-US" altLang="ko-KR" dirty="0">
+                <a:latin typeface="나눔스퀘어OTF_ac" panose="020B0600000101010101" pitchFamily="34" charset="-127"/>
+                <a:ea typeface="나눔스퀘어OTF_ac" panose="020B0600000101010101" pitchFamily="34" charset="-127"/>
+              </a:rPr>
+              <a:t>target data</a:t>
+            </a:r>
+            <a:r>
+              <a:rPr lang="ko-KR" altLang="en-US" dirty="0">
+                <a:latin typeface="나눔스퀘어OTF_ac" panose="020B0600000101010101" pitchFamily="34" charset="-127"/>
+                <a:ea typeface="나눔스퀘어OTF_ac" panose="020B0600000101010101" pitchFamily="34" charset="-127"/>
+              </a:rPr>
+              <a:t>가 없었다</a:t>
+            </a:r>
+            <a:r>
+              <a:rPr lang="en-US" altLang="ko-KR" dirty="0">
+                <a:latin typeface="나눔스퀘어OTF_ac" panose="020B0600000101010101" pitchFamily="34" charset="-127"/>
+                <a:ea typeface="나눔스퀘어OTF_ac" panose="020B0600000101010101" pitchFamily="34" charset="-127"/>
+              </a:rPr>
+              <a:t>.</a:t>
+            </a:r>
+            <a:r>
+              <a:rPr lang="ko-KR" altLang="en-US" dirty="0">
+                <a:latin typeface="나눔스퀘어OTF_ac" panose="020B0600000101010101" pitchFamily="34" charset="-127"/>
+                <a:ea typeface="나눔스퀘어OTF_ac" panose="020B0600000101010101" pitchFamily="34" charset="-127"/>
+              </a:rPr>
+              <a:t> </a:t>
+            </a:r>
+            <a:r>
+              <a:rPr lang="en-US" altLang="ko-KR" dirty="0">
+                <a:latin typeface="나눔스퀘어OTF_ac" panose="020B0600000101010101" pitchFamily="34" charset="-127"/>
+                <a:ea typeface="나눔스퀘어OTF_ac" panose="020B0600000101010101" pitchFamily="34" charset="-127"/>
+              </a:rPr>
+              <a:t>Train set</a:t>
+            </a:r>
+            <a:r>
+              <a:rPr lang="ko-KR" altLang="en-US" dirty="0">
+                <a:latin typeface="나눔스퀘어OTF_ac" panose="020B0600000101010101" pitchFamily="34" charset="-127"/>
+                <a:ea typeface="나눔스퀘어OTF_ac" panose="020B0600000101010101" pitchFamily="34" charset="-127"/>
+              </a:rPr>
+              <a:t>을 </a:t>
+            </a:r>
+            <a:r>
+              <a:rPr lang="en-US" altLang="ko-KR" dirty="0">
+                <a:latin typeface="나눔스퀘어OTF_ac" panose="020B0600000101010101" pitchFamily="34" charset="-127"/>
+                <a:ea typeface="나눔스퀘어OTF_ac" panose="020B0600000101010101" pitchFamily="34" charset="-127"/>
+              </a:rPr>
+              <a:t>split</a:t>
+            </a:r>
+            <a:r>
+              <a:rPr lang="ko-KR" altLang="en-US" dirty="0">
+                <a:latin typeface="나눔스퀘어OTF_ac" panose="020B0600000101010101" pitchFamily="34" charset="-127"/>
+                <a:ea typeface="나눔스퀘어OTF_ac" panose="020B0600000101010101" pitchFamily="34" charset="-127"/>
+              </a:rPr>
+              <a:t>해서 성능을 확인한 점이 아쉬웠다</a:t>
+            </a:r>
+            <a:r>
+              <a:rPr lang="en-US" altLang="ko-KR" dirty="0">
+                <a:latin typeface="나눔스퀘어OTF_ac" panose="020B0600000101010101" pitchFamily="34" charset="-127"/>
+                <a:ea typeface="나눔스퀘어OTF_ac" panose="020B0600000101010101" pitchFamily="34" charset="-127"/>
+              </a:rPr>
+              <a:t>. </a:t>
+            </a:r>
+            <a:r>
+              <a:rPr lang="ko-KR" altLang="en-US" dirty="0">
+                <a:latin typeface="나눔스퀘어OTF_ac" panose="020B0600000101010101" pitchFamily="34" charset="-127"/>
+                <a:ea typeface="나눔스퀘어OTF_ac" panose="020B0600000101010101" pitchFamily="34" charset="-127"/>
+              </a:rPr>
+              <a:t>실제 모델을 배치한 뒤 모델의 예측력이 기대된다</a:t>
+            </a:r>
+            <a:r>
+              <a:rPr lang="en-US" altLang="ko-KR" dirty="0">
+                <a:latin typeface="나눔스퀘어OTF_ac" panose="020B0600000101010101" pitchFamily="34" charset="-127"/>
+                <a:ea typeface="나눔스퀘어OTF_ac" panose="020B0600000101010101" pitchFamily="34" charset="-127"/>
+              </a:rPr>
+              <a:t>.</a:t>
+            </a:r>
+            <a:endParaRPr lang="en-US" dirty="0">
+              <a:latin typeface="나눔스퀘어OTF_ac" panose="020B0600000101010101" pitchFamily="34" charset="-127"/>
+              <a:ea typeface="나눔스퀘어OTF_ac" panose="020B0600000101010101" pitchFamily="34" charset="-127"/>
+            </a:endParaRPr>
+          </a:p>
+        </p:txBody>
+      </p:sp>
+      <p:sp>
+        <p:nvSpPr>
+          <p:cNvPr id="23" name="TextBox 22">
+            <a:extLst>
+              <a:ext uri="{FF2B5EF4-FFF2-40B4-BE49-F238E27FC236}">
+                <a16:creationId xmlns:a16="http://schemas.microsoft.com/office/drawing/2014/main" id="{9905E4E1-4EAF-F6DA-E6E0-D4E0265097CB}"/>
+              </a:ext>
+            </a:extLst>
+          </p:cNvPr>
+          <p:cNvSpPr txBox="1"/>
+          <p:nvPr/>
+        </p:nvSpPr>
+        <p:spPr>
+          <a:xfrm>
+            <a:off x="5231214" y="1226163"/>
+            <a:ext cx="1151068" cy="369332"/>
+          </a:xfrm>
+          <a:prstGeom prst="rect">
+            <a:avLst/>
+          </a:prstGeom>
+          <a:noFill/>
+        </p:spPr>
+        <p:txBody>
+          <a:bodyPr wrap="square" rtlCol="0">
+            <a:spAutoFit/>
+          </a:bodyPr>
+          <a:lstStyle/>
+          <a:p>
+            <a:pPr algn="ctr"/>
+            <a:r>
+              <a:rPr lang="ko-KR" altLang="en-US" b="1" dirty="0">
+                <a:latin typeface="나눔스퀘어OTF_ac" panose="020B0600000101010101" pitchFamily="34" charset="-127"/>
+                <a:ea typeface="나눔스퀘어OTF_ac" panose="020B0600000101010101" pitchFamily="34" charset="-127"/>
+              </a:rPr>
+              <a:t>장인성</a:t>
+            </a:r>
+            <a:endParaRPr lang="en-US" b="1" dirty="0">
+              <a:latin typeface="나눔스퀘어OTF_ac" panose="020B0600000101010101" pitchFamily="34" charset="-127"/>
+              <a:ea typeface="나눔스퀘어OTF_ac" panose="020B0600000101010101" pitchFamily="34" charset="-127"/>
+            </a:endParaRPr>
           </a:p>
         </p:txBody>
       </p:sp>
@@ -16446,6 +18242,751 @@
           </a:fontRef>
         </p:style>
       </p:cxnSp>
+      <p:sp>
+        <p:nvSpPr>
+          <p:cNvPr id="2" name="Rectangle: Rounded Corners 1">
+            <a:extLst>
+              <a:ext uri="{FF2B5EF4-FFF2-40B4-BE49-F238E27FC236}">
+                <a16:creationId xmlns:a16="http://schemas.microsoft.com/office/drawing/2014/main" id="{F8C17F67-1D8C-3467-CA63-40800C56B393}"/>
+              </a:ext>
+            </a:extLst>
+          </p:cNvPr>
+          <p:cNvSpPr/>
+          <p:nvPr/>
+        </p:nvSpPr>
+        <p:spPr>
+          <a:xfrm>
+            <a:off x="4973989" y="1726161"/>
+            <a:ext cx="2244021" cy="942394"/>
+          </a:xfrm>
+          <a:prstGeom prst="roundRect">
+            <a:avLst/>
+          </a:prstGeom>
+          <a:ln>
+            <a:noFill/>
+          </a:ln>
+        </p:spPr>
+        <p:style>
+          <a:lnRef idx="2">
+            <a:schemeClr val="dk1">
+              <a:shade val="50000"/>
+            </a:schemeClr>
+          </a:lnRef>
+          <a:fillRef idx="1">
+            <a:schemeClr val="dk1"/>
+          </a:fillRef>
+          <a:effectRef idx="0">
+            <a:schemeClr val="dk1"/>
+          </a:effectRef>
+          <a:fontRef idx="minor">
+            <a:schemeClr val="lt1"/>
+          </a:fontRef>
+        </p:style>
+        <p:txBody>
+          <a:bodyPr rtlCol="0" anchor="ctr"/>
+          <a:lstStyle/>
+          <a:p>
+            <a:pPr algn="ctr"/>
+            <a:r>
+              <a:rPr lang="ko-KR" altLang="en-US" dirty="0">
+                <a:latin typeface="나눔스퀘어OTF_ac Bold" panose="020B0600000101010101" pitchFamily="34" charset="-127"/>
+                <a:ea typeface="나눔스퀘어OTF_ac Bold" panose="020B0600000101010101" pitchFamily="34" charset="-127"/>
+              </a:rPr>
+              <a:t>주차난</a:t>
+            </a:r>
+            <a:endParaRPr lang="en-US" altLang="ko-KR" dirty="0">
+              <a:latin typeface="나눔스퀘어OTF_ac Bold" panose="020B0600000101010101" pitchFamily="34" charset="-127"/>
+              <a:ea typeface="나눔스퀘어OTF_ac Bold" panose="020B0600000101010101" pitchFamily="34" charset="-127"/>
+            </a:endParaRPr>
+          </a:p>
+        </p:txBody>
+      </p:sp>
+      <p:sp>
+        <p:nvSpPr>
+          <p:cNvPr id="4" name="Rectangle: Rounded Corners 3">
+            <a:extLst>
+              <a:ext uri="{FF2B5EF4-FFF2-40B4-BE49-F238E27FC236}">
+                <a16:creationId xmlns:a16="http://schemas.microsoft.com/office/drawing/2014/main" id="{8362075C-F2F5-6365-D3F6-8A153BF8F71A}"/>
+              </a:ext>
+            </a:extLst>
+          </p:cNvPr>
+          <p:cNvSpPr/>
+          <p:nvPr/>
+        </p:nvSpPr>
+        <p:spPr>
+          <a:xfrm>
+            <a:off x="4973989" y="3087717"/>
+            <a:ext cx="2244021" cy="1222311"/>
+          </a:xfrm>
+          <a:prstGeom prst="roundRect">
+            <a:avLst/>
+          </a:prstGeom>
+          <a:solidFill>
+            <a:schemeClr val="tx1">
+              <a:lumMod val="50000"/>
+              <a:lumOff val="50000"/>
+            </a:schemeClr>
+          </a:solidFill>
+          <a:ln>
+            <a:noFill/>
+          </a:ln>
+        </p:spPr>
+        <p:style>
+          <a:lnRef idx="2">
+            <a:schemeClr val="accent1">
+              <a:shade val="50000"/>
+            </a:schemeClr>
+          </a:lnRef>
+          <a:fillRef idx="1">
+            <a:schemeClr val="accent1"/>
+          </a:fillRef>
+          <a:effectRef idx="0">
+            <a:schemeClr val="accent1"/>
+          </a:effectRef>
+          <a:fontRef idx="minor">
+            <a:schemeClr val="lt1"/>
+          </a:fontRef>
+        </p:style>
+        <p:txBody>
+          <a:bodyPr rtlCol="0" anchor="ctr"/>
+          <a:lstStyle/>
+          <a:p>
+            <a:pPr algn="ctr"/>
+            <a:r>
+              <a:rPr lang="ko-KR" altLang="en-US" dirty="0">
+                <a:latin typeface="나눔스퀘어OTF_ac Bold" panose="020B0600000101010101" pitchFamily="34" charset="-127"/>
+                <a:ea typeface="나눔스퀘어OTF_ac Bold" panose="020B0600000101010101" pitchFamily="34" charset="-127"/>
+              </a:rPr>
+              <a:t>불법주차의 성행</a:t>
+            </a:r>
+            <a:endParaRPr lang="en-US" dirty="0">
+              <a:latin typeface="나눔스퀘어OTF_ac Bold" panose="020B0600000101010101" pitchFamily="34" charset="-127"/>
+              <a:ea typeface="나눔스퀘어OTF_ac Bold" panose="020B0600000101010101" pitchFamily="34" charset="-127"/>
+            </a:endParaRPr>
+          </a:p>
+        </p:txBody>
+      </p:sp>
+      <p:sp>
+        <p:nvSpPr>
+          <p:cNvPr id="7" name="Rectangle: Rounded Corners 6">
+            <a:extLst>
+              <a:ext uri="{FF2B5EF4-FFF2-40B4-BE49-F238E27FC236}">
+                <a16:creationId xmlns:a16="http://schemas.microsoft.com/office/drawing/2014/main" id="{F0F71FD9-AA55-7273-F332-E1FDCF203C25}"/>
+              </a:ext>
+            </a:extLst>
+          </p:cNvPr>
+          <p:cNvSpPr/>
+          <p:nvPr/>
+        </p:nvSpPr>
+        <p:spPr>
+          <a:xfrm>
+            <a:off x="2104439" y="3171334"/>
+            <a:ext cx="2043404" cy="1055075"/>
+          </a:xfrm>
+          <a:prstGeom prst="roundRect">
+            <a:avLst/>
+          </a:prstGeom>
+          <a:solidFill>
+            <a:schemeClr val="bg2">
+              <a:lumMod val="90000"/>
+            </a:schemeClr>
+          </a:solidFill>
+          <a:ln>
+            <a:noFill/>
+          </a:ln>
+        </p:spPr>
+        <p:style>
+          <a:lnRef idx="2">
+            <a:schemeClr val="accent1">
+              <a:shade val="50000"/>
+            </a:schemeClr>
+          </a:lnRef>
+          <a:fillRef idx="1">
+            <a:schemeClr val="accent1"/>
+          </a:fillRef>
+          <a:effectRef idx="0">
+            <a:schemeClr val="accent1"/>
+          </a:effectRef>
+          <a:fontRef idx="minor">
+            <a:schemeClr val="lt1"/>
+          </a:fontRef>
+        </p:style>
+        <p:txBody>
+          <a:bodyPr rtlCol="0" anchor="ctr"/>
+          <a:lstStyle/>
+          <a:p>
+            <a:pPr algn="ctr"/>
+            <a:r>
+              <a:rPr lang="ko-KR" altLang="en-US" dirty="0">
+                <a:latin typeface="나눔스퀘어OTF_ac Bold" panose="020B0600000101010101" pitchFamily="34" charset="-127"/>
+                <a:ea typeface="나눔스퀘어OTF_ac Bold" panose="020B0600000101010101" pitchFamily="34" charset="-127"/>
+              </a:rPr>
+              <a:t>도로기능 마비</a:t>
+            </a:r>
+            <a:endParaRPr lang="en-US" dirty="0">
+              <a:latin typeface="나눔스퀘어OTF_ac Bold" panose="020B0600000101010101" pitchFamily="34" charset="-127"/>
+              <a:ea typeface="나눔스퀘어OTF_ac Bold" panose="020B0600000101010101" pitchFamily="34" charset="-127"/>
+            </a:endParaRPr>
+          </a:p>
+        </p:txBody>
+      </p:sp>
+      <p:sp>
+        <p:nvSpPr>
+          <p:cNvPr id="19" name="Rectangle: Rounded Corners 18">
+            <a:extLst>
+              <a:ext uri="{FF2B5EF4-FFF2-40B4-BE49-F238E27FC236}">
+                <a16:creationId xmlns:a16="http://schemas.microsoft.com/office/drawing/2014/main" id="{A85D60D1-BB36-44B2-BFCE-DACD92B6034B}"/>
+              </a:ext>
+            </a:extLst>
+          </p:cNvPr>
+          <p:cNvSpPr/>
+          <p:nvPr/>
+        </p:nvSpPr>
+        <p:spPr>
+          <a:xfrm>
+            <a:off x="2104439" y="4726058"/>
+            <a:ext cx="2043404" cy="1055075"/>
+          </a:xfrm>
+          <a:prstGeom prst="roundRect">
+            <a:avLst/>
+          </a:prstGeom>
+          <a:solidFill>
+            <a:schemeClr val="tx2">
+              <a:lumMod val="40000"/>
+              <a:lumOff val="60000"/>
+            </a:schemeClr>
+          </a:solidFill>
+          <a:ln>
+            <a:solidFill>
+              <a:schemeClr val="bg1"/>
+            </a:solidFill>
+          </a:ln>
+        </p:spPr>
+        <p:style>
+          <a:lnRef idx="2">
+            <a:schemeClr val="accent1">
+              <a:shade val="50000"/>
+            </a:schemeClr>
+          </a:lnRef>
+          <a:fillRef idx="1">
+            <a:schemeClr val="accent1"/>
+          </a:fillRef>
+          <a:effectRef idx="0">
+            <a:schemeClr val="accent1"/>
+          </a:effectRef>
+          <a:fontRef idx="minor">
+            <a:schemeClr val="lt1"/>
+          </a:fontRef>
+        </p:style>
+        <p:txBody>
+          <a:bodyPr rtlCol="0" anchor="ctr"/>
+          <a:lstStyle/>
+          <a:p>
+            <a:pPr algn="ctr"/>
+            <a:r>
+              <a:rPr lang="ko-KR" altLang="en-US" dirty="0">
+                <a:latin typeface="나눔스퀘어OTF_ac Bold" panose="020B0600000101010101" pitchFamily="34" charset="-127"/>
+                <a:ea typeface="나눔스퀘어OTF_ac Bold" panose="020B0600000101010101" pitchFamily="34" charset="-127"/>
+              </a:rPr>
+              <a:t>주민 불편</a:t>
+            </a:r>
+            <a:endParaRPr lang="en-US" dirty="0">
+              <a:latin typeface="나눔스퀘어OTF_ac Bold" panose="020B0600000101010101" pitchFamily="34" charset="-127"/>
+              <a:ea typeface="나눔스퀘어OTF_ac Bold" panose="020B0600000101010101" pitchFamily="34" charset="-127"/>
+            </a:endParaRPr>
+          </a:p>
+        </p:txBody>
+      </p:sp>
+      <p:sp>
+        <p:nvSpPr>
+          <p:cNvPr id="21" name="Rectangle: Rounded Corners 20">
+            <a:extLst>
+              <a:ext uri="{FF2B5EF4-FFF2-40B4-BE49-F238E27FC236}">
+                <a16:creationId xmlns:a16="http://schemas.microsoft.com/office/drawing/2014/main" id="{469F640C-DBDE-F161-33EC-A33642252CF5}"/>
+              </a:ext>
+            </a:extLst>
+          </p:cNvPr>
+          <p:cNvSpPr/>
+          <p:nvPr/>
+        </p:nvSpPr>
+        <p:spPr>
+          <a:xfrm>
+            <a:off x="8044156" y="3171334"/>
+            <a:ext cx="2043404" cy="1055075"/>
+          </a:xfrm>
+          <a:prstGeom prst="roundRect">
+            <a:avLst/>
+          </a:prstGeom>
+          <a:solidFill>
+            <a:schemeClr val="bg2">
+              <a:lumMod val="90000"/>
+            </a:schemeClr>
+          </a:solidFill>
+          <a:ln>
+            <a:noFill/>
+          </a:ln>
+        </p:spPr>
+        <p:style>
+          <a:lnRef idx="2">
+            <a:schemeClr val="accent1">
+              <a:shade val="50000"/>
+            </a:schemeClr>
+          </a:lnRef>
+          <a:fillRef idx="1">
+            <a:schemeClr val="accent1"/>
+          </a:fillRef>
+          <a:effectRef idx="0">
+            <a:schemeClr val="accent1"/>
+          </a:effectRef>
+          <a:fontRef idx="minor">
+            <a:schemeClr val="lt1"/>
+          </a:fontRef>
+        </p:style>
+        <p:txBody>
+          <a:bodyPr rtlCol="0" anchor="ctr"/>
+          <a:lstStyle/>
+          <a:p>
+            <a:pPr algn="ctr"/>
+            <a:r>
+              <a:rPr lang="ko-KR" altLang="en-US" dirty="0">
+                <a:latin typeface="나눔스퀘어OTF_ac Bold" panose="020B0600000101010101" pitchFamily="34" charset="-127"/>
+                <a:ea typeface="나눔스퀘어OTF_ac Bold" panose="020B0600000101010101" pitchFamily="34" charset="-127"/>
+              </a:rPr>
+              <a:t>화재발생 시</a:t>
+            </a:r>
+            <a:endParaRPr lang="en-US" dirty="0">
+              <a:latin typeface="나눔스퀘어OTF_ac Bold" panose="020B0600000101010101" pitchFamily="34" charset="-127"/>
+              <a:ea typeface="나눔스퀘어OTF_ac Bold" panose="020B0600000101010101" pitchFamily="34" charset="-127"/>
+            </a:endParaRPr>
+          </a:p>
+        </p:txBody>
+      </p:sp>
+      <p:sp>
+        <p:nvSpPr>
+          <p:cNvPr id="22" name="Rectangle: Rounded Corners 21">
+            <a:extLst>
+              <a:ext uri="{FF2B5EF4-FFF2-40B4-BE49-F238E27FC236}">
+                <a16:creationId xmlns:a16="http://schemas.microsoft.com/office/drawing/2014/main" id="{FEA140D3-93F4-9106-4E65-0E98AA3D3638}"/>
+              </a:ext>
+            </a:extLst>
+          </p:cNvPr>
+          <p:cNvSpPr/>
+          <p:nvPr/>
+        </p:nvSpPr>
+        <p:spPr>
+          <a:xfrm>
+            <a:off x="8044156" y="4726060"/>
+            <a:ext cx="2043404" cy="1049589"/>
+          </a:xfrm>
+          <a:prstGeom prst="roundRect">
+            <a:avLst/>
+          </a:prstGeom>
+          <a:solidFill>
+            <a:schemeClr val="tx2">
+              <a:lumMod val="40000"/>
+              <a:lumOff val="60000"/>
+            </a:schemeClr>
+          </a:solidFill>
+          <a:ln>
+            <a:solidFill>
+              <a:schemeClr val="bg1"/>
+            </a:solidFill>
+          </a:ln>
+        </p:spPr>
+        <p:style>
+          <a:lnRef idx="2">
+            <a:schemeClr val="accent1">
+              <a:shade val="50000"/>
+            </a:schemeClr>
+          </a:lnRef>
+          <a:fillRef idx="1">
+            <a:schemeClr val="accent1"/>
+          </a:fillRef>
+          <a:effectRef idx="0">
+            <a:schemeClr val="accent1"/>
+          </a:effectRef>
+          <a:fontRef idx="minor">
+            <a:schemeClr val="lt1"/>
+          </a:fontRef>
+        </p:style>
+        <p:txBody>
+          <a:bodyPr rtlCol="0" anchor="ctr"/>
+          <a:lstStyle/>
+          <a:p>
+            <a:pPr algn="ctr"/>
+            <a:r>
+              <a:rPr lang="ko-KR" altLang="en-US" dirty="0">
+                <a:latin typeface="나눔스퀘어OTF_ac Bold" panose="020B0600000101010101" pitchFamily="34" charset="-127"/>
+                <a:ea typeface="나눔스퀘어OTF_ac Bold" panose="020B0600000101010101" pitchFamily="34" charset="-127"/>
+              </a:rPr>
+              <a:t>소방당국 대처</a:t>
+            </a:r>
+            <a:endParaRPr lang="en-US" altLang="ko-KR" dirty="0">
+              <a:latin typeface="나눔스퀘어OTF_ac Bold" panose="020B0600000101010101" pitchFamily="34" charset="-127"/>
+              <a:ea typeface="나눔스퀘어OTF_ac Bold" panose="020B0600000101010101" pitchFamily="34" charset="-127"/>
+            </a:endParaRPr>
+          </a:p>
+          <a:p>
+            <a:pPr algn="ctr"/>
+            <a:r>
+              <a:rPr lang="ko-KR" altLang="en-US" dirty="0">
+                <a:latin typeface="나눔스퀘어OTF_ac Bold" panose="020B0600000101010101" pitchFamily="34" charset="-127"/>
+                <a:ea typeface="나눔스퀘어OTF_ac Bold" panose="020B0600000101010101" pitchFamily="34" charset="-127"/>
+              </a:rPr>
+              <a:t>어려움</a:t>
+            </a:r>
+            <a:endParaRPr lang="en-US" dirty="0">
+              <a:latin typeface="나눔스퀘어OTF_ac Bold" panose="020B0600000101010101" pitchFamily="34" charset="-127"/>
+              <a:ea typeface="나눔스퀘어OTF_ac Bold" panose="020B0600000101010101" pitchFamily="34" charset="-127"/>
+            </a:endParaRPr>
+          </a:p>
+        </p:txBody>
+      </p:sp>
+      <p:sp>
+        <p:nvSpPr>
+          <p:cNvPr id="24" name="Rectangle: Rounded Corners 23">
+            <a:extLst>
+              <a:ext uri="{FF2B5EF4-FFF2-40B4-BE49-F238E27FC236}">
+                <a16:creationId xmlns:a16="http://schemas.microsoft.com/office/drawing/2014/main" id="{1F5128ED-A286-15DD-3B30-20D41CF7DE29}"/>
+              </a:ext>
+            </a:extLst>
+          </p:cNvPr>
+          <p:cNvSpPr/>
+          <p:nvPr/>
+        </p:nvSpPr>
+        <p:spPr>
+          <a:xfrm>
+            <a:off x="5074297" y="4726058"/>
+            <a:ext cx="2043404" cy="1055075"/>
+          </a:xfrm>
+          <a:prstGeom prst="roundRect">
+            <a:avLst/>
+          </a:prstGeom>
+          <a:solidFill>
+            <a:schemeClr val="tx2">
+              <a:lumMod val="40000"/>
+              <a:lumOff val="60000"/>
+            </a:schemeClr>
+          </a:solidFill>
+          <a:ln>
+            <a:solidFill>
+              <a:schemeClr val="bg1"/>
+            </a:solidFill>
+          </a:ln>
+        </p:spPr>
+        <p:style>
+          <a:lnRef idx="2">
+            <a:schemeClr val="accent1">
+              <a:shade val="50000"/>
+            </a:schemeClr>
+          </a:lnRef>
+          <a:fillRef idx="1">
+            <a:schemeClr val="accent1"/>
+          </a:fillRef>
+          <a:effectRef idx="0">
+            <a:schemeClr val="accent1"/>
+          </a:effectRef>
+          <a:fontRef idx="minor">
+            <a:schemeClr val="lt1"/>
+          </a:fontRef>
+        </p:style>
+        <p:txBody>
+          <a:bodyPr rtlCol="0" anchor="ctr"/>
+          <a:lstStyle/>
+          <a:p>
+            <a:pPr algn="ctr"/>
+            <a:r>
+              <a:rPr lang="ko-KR" altLang="en-US" dirty="0">
+                <a:latin typeface="나눔스퀘어OTF_ac Bold" panose="020B0600000101010101" pitchFamily="34" charset="-127"/>
+                <a:ea typeface="나눔스퀘어OTF_ac Bold" panose="020B0600000101010101" pitchFamily="34" charset="-127"/>
+              </a:rPr>
+              <a:t>지자체 </a:t>
+            </a:r>
+            <a:endParaRPr lang="en-US" altLang="ko-KR" dirty="0">
+              <a:latin typeface="나눔스퀘어OTF_ac Bold" panose="020B0600000101010101" pitchFamily="34" charset="-127"/>
+              <a:ea typeface="나눔스퀘어OTF_ac Bold" panose="020B0600000101010101" pitchFamily="34" charset="-127"/>
+            </a:endParaRPr>
+          </a:p>
+          <a:p>
+            <a:pPr algn="ctr"/>
+            <a:r>
+              <a:rPr lang="ko-KR" altLang="en-US" dirty="0">
+                <a:latin typeface="나눔스퀘어OTF_ac Bold" panose="020B0600000101010101" pitchFamily="34" charset="-127"/>
+                <a:ea typeface="나눔스퀘어OTF_ac Bold" panose="020B0600000101010101" pitchFamily="34" charset="-127"/>
+              </a:rPr>
+              <a:t>민원</a:t>
+            </a:r>
+            <a:r>
+              <a:rPr lang="en-US" altLang="ko-KR" dirty="0">
+                <a:latin typeface="나눔스퀘어OTF_ac Bold" panose="020B0600000101010101" pitchFamily="34" charset="-127"/>
+                <a:ea typeface="나눔스퀘어OTF_ac Bold" panose="020B0600000101010101" pitchFamily="34" charset="-127"/>
+              </a:rPr>
+              <a:t> </a:t>
+            </a:r>
+            <a:r>
+              <a:rPr lang="ko-KR" altLang="en-US" dirty="0">
+                <a:latin typeface="나눔스퀘어OTF_ac Bold" panose="020B0600000101010101" pitchFamily="34" charset="-127"/>
+                <a:ea typeface="나눔스퀘어OTF_ac Bold" panose="020B0600000101010101" pitchFamily="34" charset="-127"/>
+              </a:rPr>
+              <a:t>증가</a:t>
+            </a:r>
+            <a:endParaRPr lang="en-US" dirty="0">
+              <a:latin typeface="나눔스퀘어OTF_ac Bold" panose="020B0600000101010101" pitchFamily="34" charset="-127"/>
+              <a:ea typeface="나눔스퀘어OTF_ac Bold" panose="020B0600000101010101" pitchFamily="34" charset="-127"/>
+            </a:endParaRPr>
+          </a:p>
+        </p:txBody>
+      </p:sp>
+      <p:cxnSp>
+        <p:nvCxnSpPr>
+          <p:cNvPr id="26" name="Straight Arrow Connector 25">
+            <a:extLst>
+              <a:ext uri="{FF2B5EF4-FFF2-40B4-BE49-F238E27FC236}">
+                <a16:creationId xmlns:a16="http://schemas.microsoft.com/office/drawing/2014/main" id="{D31219FF-6302-886D-13CE-AF6634C6BE8A}"/>
+              </a:ext>
+            </a:extLst>
+          </p:cNvPr>
+          <p:cNvCxnSpPr>
+            <a:stCxn id="2" idx="2"/>
+            <a:endCxn id="4" idx="0"/>
+          </p:cNvCxnSpPr>
+          <p:nvPr/>
+        </p:nvCxnSpPr>
+        <p:spPr>
+          <a:xfrm>
+            <a:off x="6096000" y="2668555"/>
+            <a:ext cx="0" cy="419162"/>
+          </a:xfrm>
+          <a:prstGeom prst="straightConnector1">
+            <a:avLst/>
+          </a:prstGeom>
+          <a:ln>
+            <a:tailEnd type="triangle"/>
+          </a:ln>
+        </p:spPr>
+        <p:style>
+          <a:lnRef idx="1">
+            <a:schemeClr val="dk1"/>
+          </a:lnRef>
+          <a:fillRef idx="0">
+            <a:schemeClr val="dk1"/>
+          </a:fillRef>
+          <a:effectRef idx="0">
+            <a:schemeClr val="dk1"/>
+          </a:effectRef>
+          <a:fontRef idx="minor">
+            <a:schemeClr val="tx1"/>
+          </a:fontRef>
+        </p:style>
+      </p:cxnSp>
+      <p:cxnSp>
+        <p:nvCxnSpPr>
+          <p:cNvPr id="30" name="Straight Arrow Connector 29">
+            <a:extLst>
+              <a:ext uri="{FF2B5EF4-FFF2-40B4-BE49-F238E27FC236}">
+                <a16:creationId xmlns:a16="http://schemas.microsoft.com/office/drawing/2014/main" id="{CE797BA8-3DD7-05AA-03DD-925FAA50B5BB}"/>
+              </a:ext>
+            </a:extLst>
+          </p:cNvPr>
+          <p:cNvCxnSpPr>
+            <a:cxnSpLocks/>
+            <a:stCxn id="4" idx="1"/>
+            <a:endCxn id="7" idx="3"/>
+          </p:cNvCxnSpPr>
+          <p:nvPr/>
+        </p:nvCxnSpPr>
+        <p:spPr>
+          <a:xfrm flipH="1" flipV="1">
+            <a:off x="4147843" y="3698872"/>
+            <a:ext cx="826146" cy="1"/>
+          </a:xfrm>
+          <a:prstGeom prst="straightConnector1">
+            <a:avLst/>
+          </a:prstGeom>
+          <a:ln>
+            <a:tailEnd type="triangle"/>
+          </a:ln>
+        </p:spPr>
+        <p:style>
+          <a:lnRef idx="1">
+            <a:schemeClr val="dk1"/>
+          </a:lnRef>
+          <a:fillRef idx="0">
+            <a:schemeClr val="dk1"/>
+          </a:fillRef>
+          <a:effectRef idx="0">
+            <a:schemeClr val="dk1"/>
+          </a:effectRef>
+          <a:fontRef idx="minor">
+            <a:schemeClr val="tx1"/>
+          </a:fontRef>
+        </p:style>
+      </p:cxnSp>
+      <p:cxnSp>
+        <p:nvCxnSpPr>
+          <p:cNvPr id="35" name="Straight Arrow Connector 34">
+            <a:extLst>
+              <a:ext uri="{FF2B5EF4-FFF2-40B4-BE49-F238E27FC236}">
+                <a16:creationId xmlns:a16="http://schemas.microsoft.com/office/drawing/2014/main" id="{E3394EBD-D655-29BF-2DC3-CD475C5BC10D}"/>
+              </a:ext>
+            </a:extLst>
+          </p:cNvPr>
+          <p:cNvCxnSpPr>
+            <a:stCxn id="4" idx="3"/>
+            <a:endCxn id="21" idx="1"/>
+          </p:cNvCxnSpPr>
+          <p:nvPr/>
+        </p:nvCxnSpPr>
+        <p:spPr>
+          <a:xfrm flipV="1">
+            <a:off x="7218010" y="3698872"/>
+            <a:ext cx="826146" cy="1"/>
+          </a:xfrm>
+          <a:prstGeom prst="straightConnector1">
+            <a:avLst/>
+          </a:prstGeom>
+          <a:ln>
+            <a:tailEnd type="triangle"/>
+          </a:ln>
+        </p:spPr>
+        <p:style>
+          <a:lnRef idx="1">
+            <a:schemeClr val="dk1"/>
+          </a:lnRef>
+          <a:fillRef idx="0">
+            <a:schemeClr val="dk1"/>
+          </a:fillRef>
+          <a:effectRef idx="0">
+            <a:schemeClr val="dk1"/>
+          </a:effectRef>
+          <a:fontRef idx="minor">
+            <a:schemeClr val="tx1"/>
+          </a:fontRef>
+        </p:style>
+      </p:cxnSp>
+      <p:cxnSp>
+        <p:nvCxnSpPr>
+          <p:cNvPr id="37" name="Straight Arrow Connector 36">
+            <a:extLst>
+              <a:ext uri="{FF2B5EF4-FFF2-40B4-BE49-F238E27FC236}">
+                <a16:creationId xmlns:a16="http://schemas.microsoft.com/office/drawing/2014/main" id="{9E926070-D4D9-F452-01FB-EDF51829B015}"/>
+              </a:ext>
+            </a:extLst>
+          </p:cNvPr>
+          <p:cNvCxnSpPr>
+            <a:stCxn id="7" idx="2"/>
+            <a:endCxn id="19" idx="0"/>
+          </p:cNvCxnSpPr>
+          <p:nvPr/>
+        </p:nvCxnSpPr>
+        <p:spPr>
+          <a:xfrm>
+            <a:off x="3126141" y="4226409"/>
+            <a:ext cx="0" cy="499649"/>
+          </a:xfrm>
+          <a:prstGeom prst="straightConnector1">
+            <a:avLst/>
+          </a:prstGeom>
+          <a:ln>
+            <a:tailEnd type="triangle"/>
+          </a:ln>
+        </p:spPr>
+        <p:style>
+          <a:lnRef idx="1">
+            <a:schemeClr val="accent1"/>
+          </a:lnRef>
+          <a:fillRef idx="0">
+            <a:schemeClr val="accent1"/>
+          </a:fillRef>
+          <a:effectRef idx="0">
+            <a:schemeClr val="accent1"/>
+          </a:effectRef>
+          <a:fontRef idx="minor">
+            <a:schemeClr val="tx1"/>
+          </a:fontRef>
+        </p:style>
+      </p:cxnSp>
+      <p:cxnSp>
+        <p:nvCxnSpPr>
+          <p:cNvPr id="38" name="Straight Arrow Connector 37">
+            <a:extLst>
+              <a:ext uri="{FF2B5EF4-FFF2-40B4-BE49-F238E27FC236}">
+                <a16:creationId xmlns:a16="http://schemas.microsoft.com/office/drawing/2014/main" id="{0B053A98-BA8F-F7E2-E2D4-CAAA355FF149}"/>
+              </a:ext>
+            </a:extLst>
+          </p:cNvPr>
+          <p:cNvCxnSpPr/>
+          <p:nvPr/>
+        </p:nvCxnSpPr>
+        <p:spPr>
+          <a:xfrm>
+            <a:off x="9065858" y="4226409"/>
+            <a:ext cx="0" cy="499649"/>
+          </a:xfrm>
+          <a:prstGeom prst="straightConnector1">
+            <a:avLst/>
+          </a:prstGeom>
+          <a:ln>
+            <a:tailEnd type="triangle"/>
+          </a:ln>
+        </p:spPr>
+        <p:style>
+          <a:lnRef idx="1">
+            <a:schemeClr val="accent1"/>
+          </a:lnRef>
+          <a:fillRef idx="0">
+            <a:schemeClr val="accent1"/>
+          </a:fillRef>
+          <a:effectRef idx="0">
+            <a:schemeClr val="accent1"/>
+          </a:effectRef>
+          <a:fontRef idx="minor">
+            <a:schemeClr val="tx1"/>
+          </a:fontRef>
+        </p:style>
+      </p:cxnSp>
+      <p:cxnSp>
+        <p:nvCxnSpPr>
+          <p:cNvPr id="40" name="Straight Arrow Connector 39">
+            <a:extLst>
+              <a:ext uri="{FF2B5EF4-FFF2-40B4-BE49-F238E27FC236}">
+                <a16:creationId xmlns:a16="http://schemas.microsoft.com/office/drawing/2014/main" id="{B43772BF-AB1B-AAD7-A0A8-69BBD7670150}"/>
+              </a:ext>
+            </a:extLst>
+          </p:cNvPr>
+          <p:cNvCxnSpPr>
+            <a:stCxn id="4" idx="2"/>
+            <a:endCxn id="24" idx="0"/>
+          </p:cNvCxnSpPr>
+          <p:nvPr/>
+        </p:nvCxnSpPr>
+        <p:spPr>
+          <a:xfrm flipH="1">
+            <a:off x="6095999" y="4310028"/>
+            <a:ext cx="1" cy="416030"/>
+          </a:xfrm>
+          <a:prstGeom prst="straightConnector1">
+            <a:avLst/>
+          </a:prstGeom>
+          <a:ln>
+            <a:tailEnd type="triangle"/>
+          </a:ln>
+        </p:spPr>
+        <p:style>
+          <a:lnRef idx="1">
+            <a:schemeClr val="accent1"/>
+          </a:lnRef>
+          <a:fillRef idx="0">
+            <a:schemeClr val="accent1"/>
+          </a:fillRef>
+          <a:effectRef idx="0">
+            <a:schemeClr val="accent1"/>
+          </a:effectRef>
+          <a:fontRef idx="minor">
+            <a:schemeClr val="tx1"/>
+          </a:fontRef>
+        </p:style>
+      </p:cxnSp>
     </p:spTree>
     <p:extLst>
       <p:ext uri="{BB962C8B-B14F-4D97-AF65-F5344CB8AC3E}">
@@ -18685,11 +21226,11 @@
           <a:p>
             <a:pPr algn="ctr"/>
             <a:r>
-              <a:rPr lang="ko-KR" altLang="en-US" dirty="0" err="1">
+              <a:rPr lang="ko-KR" altLang="en-US" dirty="0">
                 <a:latin typeface="나눔스퀘어_ac Light" panose="020B0600000101010101" pitchFamily="50" charset="-127"/>
                 <a:ea typeface="나눔스퀘어_ac Light" panose="020B0600000101010101" pitchFamily="50" charset="-127"/>
               </a:rPr>
-              <a:t>전용면적별세대수</a:t>
+              <a:t>전용면적별 세대수</a:t>
             </a:r>
             <a:endParaRPr lang="en-US" altLang="ko-KR" dirty="0">
               <a:latin typeface="나눔스퀘어_ac Light" panose="020B0600000101010101" pitchFamily="50" charset="-127"/>
@@ -18801,11 +21342,11 @@
           <a:p>
             <a:pPr algn="ctr"/>
             <a:r>
-              <a:rPr lang="ko-KR" altLang="en-US" dirty="0" err="1">
+              <a:rPr lang="ko-KR" altLang="en-US" dirty="0">
                 <a:latin typeface="나눔스퀘어_ac Light" panose="020B0600000101010101" pitchFamily="50" charset="-127"/>
                 <a:ea typeface="나눔스퀘어_ac Light" panose="020B0600000101010101" pitchFamily="50" charset="-127"/>
               </a:rPr>
-              <a:t>단지내주차면수</a:t>
+              <a:t>단지내 주차 면수</a:t>
             </a:r>
             <a:endParaRPr lang="en-US" altLang="ko-KR" dirty="0">
               <a:latin typeface="나눔스퀘어_ac Light" panose="020B0600000101010101" pitchFamily="50" charset="-127"/>
@@ -20653,4 +23194,299 @@
     </a:ext>
   </a:extLst>
 </a:theme>
+</file>
+
+<file path=ppt/theme/theme2.xml><?xml version="1.0" encoding="utf-8"?>
+<a:theme xmlns:a="http://schemas.openxmlformats.org/drawingml/2006/main" name="Office Theme">
+  <a:themeElements>
+    <a:clrScheme name="Office">
+      <a:dk1>
+        <a:sysClr val="windowText" lastClr="000000"/>
+      </a:dk1>
+      <a:lt1>
+        <a:sysClr val="window" lastClr="FFFFFF"/>
+      </a:lt1>
+      <a:dk2>
+        <a:srgbClr val="44546A"/>
+      </a:dk2>
+      <a:lt2>
+        <a:srgbClr val="E7E6E6"/>
+      </a:lt2>
+      <a:accent1>
+        <a:srgbClr val="4472C4"/>
+      </a:accent1>
+      <a:accent2>
+        <a:srgbClr val="ED7D31"/>
+      </a:accent2>
+      <a:accent3>
+        <a:srgbClr val="A5A5A5"/>
+      </a:accent3>
+      <a:accent4>
+        <a:srgbClr val="FFC000"/>
+      </a:accent4>
+      <a:accent5>
+        <a:srgbClr val="5B9BD5"/>
+      </a:accent5>
+      <a:accent6>
+        <a:srgbClr val="70AD47"/>
+      </a:accent6>
+      <a:hlink>
+        <a:srgbClr val="0563C1"/>
+      </a:hlink>
+      <a:folHlink>
+        <a:srgbClr val="954F72"/>
+      </a:folHlink>
+    </a:clrScheme>
+    <a:fontScheme name="Office">
+      <a:majorFont>
+        <a:latin typeface="Calibri Light" panose="020F0302020204030204"/>
+        <a:ea typeface=""/>
+        <a:cs typeface=""/>
+        <a:font script="Jpan" typeface="游ゴシック Light"/>
+        <a:font script="Hang" typeface="맑은 고딕"/>
+        <a:font script="Hans" typeface="等线 Light"/>
+        <a:font script="Hant" typeface="新細明體"/>
+        <a:font script="Arab" typeface="Times New Roman"/>
+        <a:font script="Hebr" typeface="Times New Roman"/>
+        <a:font script="Thai" typeface="Angsana New"/>
+        <a:font script="Ethi" typeface="Nyala"/>
+        <a:font script="Beng" typeface="Vrinda"/>
+        <a:font script="Gujr" typeface="Shruti"/>
+        <a:font script="Khmr" typeface="MoolBoran"/>
+        <a:font script="Knda" typeface="Tunga"/>
+        <a:font script="Guru" typeface="Raavi"/>
+        <a:font script="Cans" typeface="Euphemia"/>
+        <a:font script="Cher" typeface="Plantagenet Cherokee"/>
+        <a:font script="Yiii" typeface="Microsoft Yi Baiti"/>
+        <a:font script="Tibt" typeface="Microsoft Himalaya"/>
+        <a:font script="Thaa" typeface="MV Boli"/>
+        <a:font script="Deva" typeface="Mangal"/>
+        <a:font script="Telu" typeface="Gautami"/>
+        <a:font script="Taml" typeface="Latha"/>
+        <a:font script="Syrc" typeface="Estrangelo Edessa"/>
+        <a:font script="Orya" typeface="Kalinga"/>
+        <a:font script="Mlym" typeface="Kartika"/>
+        <a:font script="Laoo" typeface="DokChampa"/>
+        <a:font script="Sinh" typeface="Iskoola Pota"/>
+        <a:font script="Mong" typeface="Mongolian Baiti"/>
+        <a:font script="Viet" typeface="Times New Roman"/>
+        <a:font script="Uigh" typeface="Microsoft Uighur"/>
+        <a:font script="Geor" typeface="Sylfaen"/>
+        <a:font script="Armn" typeface="Arial"/>
+        <a:font script="Bugi" typeface="Leelawadee UI"/>
+        <a:font script="Bopo" typeface="Microsoft JhengHei"/>
+        <a:font script="Java" typeface="Javanese Text"/>
+        <a:font script="Lisu" typeface="Segoe UI"/>
+        <a:font script="Mymr" typeface="Myanmar Text"/>
+        <a:font script="Nkoo" typeface="Ebrima"/>
+        <a:font script="Olck" typeface="Nirmala UI"/>
+        <a:font script="Osma" typeface="Ebrima"/>
+        <a:font script="Phag" typeface="Phagspa"/>
+        <a:font script="Syrn" typeface="Estrangelo Edessa"/>
+        <a:font script="Syrj" typeface="Estrangelo Edessa"/>
+        <a:font script="Syre" typeface="Estrangelo Edessa"/>
+        <a:font script="Sora" typeface="Nirmala UI"/>
+        <a:font script="Tale" typeface="Microsoft Tai Le"/>
+        <a:font script="Talu" typeface="Microsoft New Tai Lue"/>
+        <a:font script="Tfng" typeface="Ebrima"/>
+      </a:majorFont>
+      <a:minorFont>
+        <a:latin typeface="Calibri" panose="020F0502020204030204"/>
+        <a:ea typeface=""/>
+        <a:cs typeface=""/>
+        <a:font script="Jpan" typeface="游ゴシック"/>
+        <a:font script="Hang" typeface="맑은 고딕"/>
+        <a:font script="Hans" typeface="等线"/>
+        <a:font script="Hant" typeface="新細明體"/>
+        <a:font script="Arab" typeface="Arial"/>
+        <a:font script="Hebr" typeface="Arial"/>
+        <a:font script="Thai" typeface="Cordia New"/>
+        <a:font script="Ethi" typeface="Nyala"/>
+        <a:font script="Beng" typeface="Vrinda"/>
+        <a:font script="Gujr" typeface="Shruti"/>
+        <a:font script="Khmr" typeface="DaunPenh"/>
+        <a:font script="Knda" typeface="Tunga"/>
+        <a:font script="Guru" typeface="Raavi"/>
+        <a:font script="Cans" typeface="Euphemia"/>
+        <a:font script="Cher" typeface="Plantagenet Cherokee"/>
+        <a:font script="Yiii" typeface="Microsoft Yi Baiti"/>
+        <a:font script="Tibt" typeface="Microsoft Himalaya"/>
+        <a:font script="Thaa" typeface="MV Boli"/>
+        <a:font script="Deva" typeface="Mangal"/>
+        <a:font script="Telu" typeface="Gautami"/>
+        <a:font script="Taml" typeface="Latha"/>
+        <a:font script="Syrc" typeface="Estrangelo Edessa"/>
+        <a:font script="Orya" typeface="Kalinga"/>
+        <a:font script="Mlym" typeface="Kartika"/>
+        <a:font script="Laoo" typeface="DokChampa"/>
+        <a:font script="Sinh" typeface="Iskoola Pota"/>
+        <a:font script="Mong" typeface="Mongolian Baiti"/>
+        <a:font script="Viet" typeface="Arial"/>
+        <a:font script="Uigh" typeface="Microsoft Uighur"/>
+        <a:font script="Geor" typeface="Sylfaen"/>
+        <a:font script="Armn" typeface="Arial"/>
+        <a:font script="Bugi" typeface="Leelawadee UI"/>
+        <a:font script="Bopo" typeface="Microsoft JhengHei"/>
+        <a:font script="Java" typeface="Javanese Text"/>
+        <a:font script="Lisu" typeface="Segoe UI"/>
+        <a:font script="Mymr" typeface="Myanmar Text"/>
+        <a:font script="Nkoo" typeface="Ebrima"/>
+        <a:font script="Olck" typeface="Nirmala UI"/>
+        <a:font script="Osma" typeface="Ebrima"/>
+        <a:font script="Phag" typeface="Phagspa"/>
+        <a:font script="Syrn" typeface="Estrangelo Edessa"/>
+        <a:font script="Syrj" typeface="Estrangelo Edessa"/>
+        <a:font script="Syre" typeface="Estrangelo Edessa"/>
+        <a:font script="Sora" typeface="Nirmala UI"/>
+        <a:font script="Tale" typeface="Microsoft Tai Le"/>
+        <a:font script="Talu" typeface="Microsoft New Tai Lue"/>
+        <a:font script="Tfng" typeface="Ebrima"/>
+      </a:minorFont>
+    </a:fontScheme>
+    <a:fmtScheme name="Office">
+      <a:fillStyleLst>
+        <a:solidFill>
+          <a:schemeClr val="phClr"/>
+        </a:solidFill>
+        <a:gradFill rotWithShape="1">
+          <a:gsLst>
+            <a:gs pos="0">
+              <a:schemeClr val="phClr">
+                <a:lumMod val="110000"/>
+                <a:satMod val="105000"/>
+                <a:tint val="67000"/>
+              </a:schemeClr>
+            </a:gs>
+            <a:gs pos="50000">
+              <a:schemeClr val="phClr">
+                <a:lumMod val="105000"/>
+                <a:satMod val="103000"/>
+                <a:tint val="73000"/>
+              </a:schemeClr>
+            </a:gs>
+            <a:gs pos="100000">
+              <a:schemeClr val="phClr">
+                <a:lumMod val="105000"/>
+                <a:satMod val="109000"/>
+                <a:tint val="81000"/>
+              </a:schemeClr>
+            </a:gs>
+          </a:gsLst>
+          <a:lin ang="5400000" scaled="0"/>
+        </a:gradFill>
+        <a:gradFill rotWithShape="1">
+          <a:gsLst>
+            <a:gs pos="0">
+              <a:schemeClr val="phClr">
+                <a:satMod val="103000"/>
+                <a:lumMod val="102000"/>
+                <a:tint val="94000"/>
+              </a:schemeClr>
+            </a:gs>
+            <a:gs pos="50000">
+              <a:schemeClr val="phClr">
+                <a:satMod val="110000"/>
+                <a:lumMod val="100000"/>
+                <a:shade val="100000"/>
+              </a:schemeClr>
+            </a:gs>
+            <a:gs pos="100000">
+              <a:schemeClr val="phClr">
+                <a:lumMod val="99000"/>
+                <a:satMod val="120000"/>
+                <a:shade val="78000"/>
+              </a:schemeClr>
+            </a:gs>
+          </a:gsLst>
+          <a:lin ang="5400000" scaled="0"/>
+        </a:gradFill>
+      </a:fillStyleLst>
+      <a:lnStyleLst>
+        <a:ln w="6350" cap="flat" cmpd="sng" algn="ctr">
+          <a:solidFill>
+            <a:schemeClr val="phClr"/>
+          </a:solidFill>
+          <a:prstDash val="solid"/>
+          <a:miter lim="800000"/>
+        </a:ln>
+        <a:ln w="12700" cap="flat" cmpd="sng" algn="ctr">
+          <a:solidFill>
+            <a:schemeClr val="phClr"/>
+          </a:solidFill>
+          <a:prstDash val="solid"/>
+          <a:miter lim="800000"/>
+        </a:ln>
+        <a:ln w="19050" cap="flat" cmpd="sng" algn="ctr">
+          <a:solidFill>
+            <a:schemeClr val="phClr"/>
+          </a:solidFill>
+          <a:prstDash val="solid"/>
+          <a:miter lim="800000"/>
+        </a:ln>
+      </a:lnStyleLst>
+      <a:effectStyleLst>
+        <a:effectStyle>
+          <a:effectLst/>
+        </a:effectStyle>
+        <a:effectStyle>
+          <a:effectLst/>
+        </a:effectStyle>
+        <a:effectStyle>
+          <a:effectLst>
+            <a:outerShdw blurRad="57150" dist="19050" dir="5400000" algn="ctr" rotWithShape="0">
+              <a:srgbClr val="000000">
+                <a:alpha val="63000"/>
+              </a:srgbClr>
+            </a:outerShdw>
+          </a:effectLst>
+        </a:effectStyle>
+      </a:effectStyleLst>
+      <a:bgFillStyleLst>
+        <a:solidFill>
+          <a:schemeClr val="phClr"/>
+        </a:solidFill>
+        <a:solidFill>
+          <a:schemeClr val="phClr">
+            <a:tint val="95000"/>
+            <a:satMod val="170000"/>
+          </a:schemeClr>
+        </a:solidFill>
+        <a:gradFill rotWithShape="1">
+          <a:gsLst>
+            <a:gs pos="0">
+              <a:schemeClr val="phClr">
+                <a:tint val="93000"/>
+                <a:satMod val="150000"/>
+                <a:shade val="98000"/>
+                <a:lumMod val="102000"/>
+              </a:schemeClr>
+            </a:gs>
+            <a:gs pos="50000">
+              <a:schemeClr val="phClr">
+                <a:tint val="98000"/>
+                <a:satMod val="130000"/>
+                <a:shade val="90000"/>
+                <a:lumMod val="103000"/>
+              </a:schemeClr>
+            </a:gs>
+            <a:gs pos="100000">
+              <a:schemeClr val="phClr">
+                <a:shade val="63000"/>
+                <a:satMod val="120000"/>
+              </a:schemeClr>
+            </a:gs>
+          </a:gsLst>
+          <a:lin ang="5400000" scaled="0"/>
+        </a:gradFill>
+      </a:bgFillStyleLst>
+    </a:fmtScheme>
+  </a:themeElements>
+  <a:objectDefaults/>
+  <a:extraClrSchemeLst/>
+  <a:extLst>
+    <a:ext uri="{05A4C25C-085E-4340-85A3-A5531E510DB2}">
+      <thm15:themeFamily xmlns:thm15="http://schemas.microsoft.com/office/thememl/2012/main" name="Office Theme" id="{62F939B6-93AF-4DB8-9C6B-D6C7DFDC589F}" vid="{4A3C46E8-61CC-4603-A589-7422A47A8E4A}"/>
+    </a:ext>
+  </a:extLst>
+</a:theme>
 </file>